--- a/plots/3epoch_hist_growth_model.pptx
+++ b/plots/3epoch_hist_growth_model.pptx
@@ -5898,9 +5898,10 @@
             <a:p>
               <a:pPr algn="ctr"/>
               <a:r>
-                <a:rPr lang="en-US" dirty="0"/>
-                <a:t>Ts</a:t>
+                <a:rPr lang="en-US" dirty="0" err="1"/>
+                <a:t>Ti</a:t>
               </a:r>
+              <a:endParaRPr lang="en-US" dirty="0"/>
             </a:p>
           </p:txBody>
         </p:sp>

--- a/plots/3epoch_hist_growth_model.pptx
+++ b/plots/3epoch_hist_growth_model.pptx
@@ -9,6 +9,7 @@
     <p:sldId id="260" r:id="rId3"/>
     <p:sldId id="259" r:id="rId4"/>
     <p:sldId id="256" r:id="rId5"/>
+    <p:sldId id="261" r:id="rId6"/>
   </p:sldIdLst>
   <p:sldSz cx="12192000" cy="6858000"/>
   <p:notesSz cx="6858000" cy="9144000"/>
@@ -3342,10 +3343,10 @@
       </p:grpSpPr>
       <p:grpSp>
         <p:nvGrpSpPr>
-          <p:cNvPr id="83" name="Group 82">
+          <p:cNvPr id="3" name="Group 2">
             <a:extLst>
               <a:ext uri="{FF2B5EF4-FFF2-40B4-BE49-F238E27FC236}">
-                <a16:creationId xmlns:a16="http://schemas.microsoft.com/office/drawing/2014/main" id="{E10B9DA8-04BD-465D-8A97-CDB1348EFCAB}"/>
+                <a16:creationId xmlns:a16="http://schemas.microsoft.com/office/drawing/2014/main" id="{6978D986-4198-4B24-A450-6D99C0E6D74D}"/>
               </a:ext>
             </a:extLst>
           </p:cNvPr>
@@ -3354,577 +3355,18 @@
         </p:nvGrpSpPr>
         <p:grpSpPr>
           <a:xfrm>
-            <a:off x="3392464" y="5976415"/>
-            <a:ext cx="1144275" cy="688288"/>
-            <a:chOff x="312066" y="5680820"/>
-            <a:chExt cx="1005290" cy="688288"/>
+            <a:off x="2398387" y="22278"/>
+            <a:ext cx="5004440" cy="6642425"/>
+            <a:chOff x="2398387" y="22278"/>
+            <a:chExt cx="5004440" cy="6642425"/>
           </a:xfrm>
         </p:grpSpPr>
-        <p:sp>
-          <p:nvSpPr>
-            <p:cNvPr id="84" name="Left Brace 83">
+        <p:grpSp>
+          <p:nvGrpSpPr>
+            <p:cNvPr id="83" name="Group 82">
               <a:extLst>
                 <a:ext uri="{FF2B5EF4-FFF2-40B4-BE49-F238E27FC236}">
-                  <a16:creationId xmlns:a16="http://schemas.microsoft.com/office/drawing/2014/main" id="{E20250A2-27EC-4E87-80C5-90B58768CA33}"/>
-                </a:ext>
-              </a:extLst>
-            </p:cNvPr>
-            <p:cNvSpPr/>
-            <p:nvPr/>
-          </p:nvSpPr>
-          <p:spPr>
-            <a:xfrm rot="16200000">
-              <a:off x="661932" y="5344352"/>
-              <a:ext cx="318956" cy="991892"/>
-            </a:xfrm>
-            <a:prstGeom prst="leftBrace">
-              <a:avLst/>
-            </a:prstGeom>
-            <a:ln w="19050">
-              <a:solidFill>
-                <a:schemeClr val="tx1">
-                  <a:lumMod val="85000"/>
-                  <a:lumOff val="15000"/>
-                </a:schemeClr>
-              </a:solidFill>
-            </a:ln>
-          </p:spPr>
-          <p:style>
-            <a:lnRef idx="1">
-              <a:schemeClr val="accent1"/>
-            </a:lnRef>
-            <a:fillRef idx="0">
-              <a:schemeClr val="accent1"/>
-            </a:fillRef>
-            <a:effectRef idx="0">
-              <a:schemeClr val="accent1"/>
-            </a:effectRef>
-            <a:fontRef idx="minor">
-              <a:schemeClr val="tx1"/>
-            </a:fontRef>
-          </p:style>
-          <p:txBody>
-            <a:bodyPr rtlCol="0" anchor="ctr"/>
-            <a:lstStyle/>
-            <a:p>
-              <a:pPr algn="ctr"/>
-              <a:endParaRPr lang="en-US" dirty="0"/>
-            </a:p>
-          </p:txBody>
-        </p:sp>
-        <p:sp>
-          <p:nvSpPr>
-            <p:cNvPr id="85" name="TextBox 84">
-              <a:extLst>
-                <a:ext uri="{FF2B5EF4-FFF2-40B4-BE49-F238E27FC236}">
-                  <a16:creationId xmlns:a16="http://schemas.microsoft.com/office/drawing/2014/main" id="{B2F44166-B79E-4F3E-BB3F-53BBF6CC8430}"/>
-                </a:ext>
-              </a:extLst>
-            </p:cNvPr>
-            <p:cNvSpPr txBox="1"/>
-            <p:nvPr/>
-          </p:nvSpPr>
-          <p:spPr>
-            <a:xfrm>
-              <a:off x="312066" y="5999776"/>
-              <a:ext cx="991892" cy="369332"/>
-            </a:xfrm>
-            <a:prstGeom prst="rect">
-              <a:avLst/>
-            </a:prstGeom>
-            <a:noFill/>
-          </p:spPr>
-          <p:txBody>
-            <a:bodyPr wrap="square" rtlCol="0">
-              <a:spAutoFit/>
-            </a:bodyPr>
-            <a:lstStyle/>
-            <a:p>
-              <a:pPr algn="ctr"/>
-              <a:r>
-                <a:rPr lang="en-US" dirty="0" err="1"/>
-                <a:t>Ti</a:t>
-              </a:r>
-              <a:endParaRPr lang="en-US" dirty="0"/>
-            </a:p>
-          </p:txBody>
-        </p:sp>
-      </p:grpSp>
-      <p:grpSp>
-        <p:nvGrpSpPr>
-          <p:cNvPr id="2" name="Group 1"/>
-          <p:cNvGrpSpPr/>
-          <p:nvPr/>
-        </p:nvGrpSpPr>
-        <p:grpSpPr>
-          <a:xfrm>
-            <a:off x="2398387" y="22278"/>
-            <a:ext cx="5004440" cy="5954142"/>
-            <a:chOff x="2398387" y="22278"/>
-            <a:chExt cx="5004440" cy="5954142"/>
-          </a:xfrm>
-        </p:grpSpPr>
-        <p:sp>
-          <p:nvSpPr>
-            <p:cNvPr id="6" name="Rectangle 5">
-              <a:extLst>
-                <a:ext uri="{FF2B5EF4-FFF2-40B4-BE49-F238E27FC236}">
-                  <a16:creationId xmlns:a16="http://schemas.microsoft.com/office/drawing/2014/main" id="{1963F1C6-6421-4B0F-9E19-2496C5ED99E4}"/>
-                </a:ext>
-              </a:extLst>
-            </p:cNvPr>
-            <p:cNvSpPr/>
-            <p:nvPr/>
-          </p:nvSpPr>
-          <p:spPr>
-            <a:xfrm>
-              <a:off x="2398387" y="2338481"/>
-              <a:ext cx="991892" cy="1903879"/>
-            </a:xfrm>
-            <a:prstGeom prst="rect">
-              <a:avLst/>
-            </a:prstGeom>
-            <a:solidFill>
-              <a:schemeClr val="bg1"/>
-            </a:solidFill>
-            <a:ln>
-              <a:solidFill>
-                <a:schemeClr val="tx1"/>
-              </a:solidFill>
-            </a:ln>
-          </p:spPr>
-          <p:style>
-            <a:lnRef idx="2">
-              <a:schemeClr val="accent1">
-                <a:shade val="50000"/>
-              </a:schemeClr>
-            </a:lnRef>
-            <a:fillRef idx="1">
-              <a:schemeClr val="accent1"/>
-            </a:fillRef>
-            <a:effectRef idx="0">
-              <a:schemeClr val="accent1"/>
-            </a:effectRef>
-            <a:fontRef idx="minor">
-              <a:schemeClr val="lt1"/>
-            </a:fontRef>
-          </p:style>
-          <p:txBody>
-            <a:bodyPr rtlCol="0" anchor="ctr"/>
-            <a:lstStyle/>
-            <a:p>
-              <a:pPr algn="ctr"/>
-              <a:endParaRPr lang="en-US"/>
-            </a:p>
-          </p:txBody>
-        </p:sp>
-        <p:sp>
-          <p:nvSpPr>
-            <p:cNvPr id="8" name="TextBox 7">
-              <a:extLst>
-                <a:ext uri="{FF2B5EF4-FFF2-40B4-BE49-F238E27FC236}">
-                  <a16:creationId xmlns:a16="http://schemas.microsoft.com/office/drawing/2014/main" id="{5C392B2D-C69F-4E5C-BDD2-6C446B00CAF3}"/>
-                </a:ext>
-              </a:extLst>
-            </p:cNvPr>
-            <p:cNvSpPr txBox="1"/>
-            <p:nvPr/>
-          </p:nvSpPr>
-          <p:spPr>
-            <a:xfrm>
-              <a:off x="2539679" y="1820617"/>
-              <a:ext cx="650928" cy="369332"/>
-            </a:xfrm>
-            <a:prstGeom prst="rect">
-              <a:avLst/>
-            </a:prstGeom>
-            <a:solidFill>
-              <a:schemeClr val="bg1"/>
-            </a:solidFill>
-            <a:ln>
-              <a:solidFill>
-                <a:schemeClr val="tx1"/>
-              </a:solidFill>
-            </a:ln>
-          </p:spPr>
-          <p:txBody>
-            <a:bodyPr wrap="square" rtlCol="0">
-              <a:spAutoFit/>
-            </a:bodyPr>
-            <a:lstStyle/>
-            <a:p>
-              <a:pPr algn="ctr"/>
-              <a:r>
-                <a:rPr lang="en-US" dirty="0" err="1"/>
-                <a:t>NuA</a:t>
-              </a:r>
-              <a:endParaRPr lang="en-US" dirty="0"/>
-            </a:p>
-          </p:txBody>
-        </p:sp>
-        <p:sp>
-          <p:nvSpPr>
-            <p:cNvPr id="25" name="TextBox 24">
-              <a:extLst>
-                <a:ext uri="{FF2B5EF4-FFF2-40B4-BE49-F238E27FC236}">
-                  <a16:creationId xmlns:a16="http://schemas.microsoft.com/office/drawing/2014/main" id="{48B1CBB3-8354-4AC8-BC36-F77F057769A8}"/>
-                </a:ext>
-              </a:extLst>
-            </p:cNvPr>
-            <p:cNvSpPr txBox="1"/>
-            <p:nvPr/>
-          </p:nvSpPr>
-          <p:spPr>
-            <a:xfrm>
-              <a:off x="2894333" y="55857"/>
-              <a:ext cx="1146875" cy="307777"/>
-            </a:xfrm>
-            <a:prstGeom prst="rect">
-              <a:avLst/>
-            </a:prstGeom>
-            <a:solidFill>
-              <a:schemeClr val="bg1"/>
-            </a:solidFill>
-            <a:ln>
-              <a:solidFill>
-                <a:schemeClr val="tx1"/>
-              </a:solidFill>
-            </a:ln>
-          </p:spPr>
-          <p:txBody>
-            <a:bodyPr wrap="square" rtlCol="0">
-              <a:spAutoFit/>
-            </a:bodyPr>
-            <a:lstStyle/>
-            <a:p>
-              <a:pPr algn="ctr"/>
-              <a:r>
-                <a:rPr lang="en-US" sz="1400" dirty="0" err="1"/>
-                <a:t>NuA</a:t>
-              </a:r>
-              <a:r>
-                <a:rPr lang="en-US" sz="1400" dirty="0"/>
-                <a:t> - s</a:t>
-              </a:r>
-            </a:p>
-          </p:txBody>
-        </p:sp>
-        <p:cxnSp>
-          <p:nvCxnSpPr>
-            <p:cNvPr id="26" name="Straight Connector 25">
-              <a:extLst>
-                <a:ext uri="{FF2B5EF4-FFF2-40B4-BE49-F238E27FC236}">
-                  <a16:creationId xmlns:a16="http://schemas.microsoft.com/office/drawing/2014/main" id="{62A50A53-4AD1-4DC1-9A3D-073DC3D19305}"/>
-                </a:ext>
-              </a:extLst>
-            </p:cNvPr>
-            <p:cNvCxnSpPr>
-              <a:cxnSpLocks/>
-            </p:cNvCxnSpPr>
-            <p:nvPr/>
-          </p:nvCxnSpPr>
-          <p:spPr>
-            <a:xfrm>
-              <a:off x="3277891" y="3591602"/>
-              <a:ext cx="247973" cy="0"/>
-            </a:xfrm>
-            <a:prstGeom prst="line">
-              <a:avLst/>
-            </a:prstGeom>
-            <a:ln w="12700">
-              <a:solidFill>
-                <a:schemeClr val="tx1"/>
-              </a:solidFill>
-              <a:prstDash val="sysDot"/>
-            </a:ln>
-          </p:spPr>
-          <p:style>
-            <a:lnRef idx="1">
-              <a:schemeClr val="accent1"/>
-            </a:lnRef>
-            <a:fillRef idx="0">
-              <a:schemeClr val="accent1"/>
-            </a:fillRef>
-            <a:effectRef idx="0">
-              <a:schemeClr val="accent1"/>
-            </a:effectRef>
-            <a:fontRef idx="minor">
-              <a:schemeClr val="tx1"/>
-            </a:fontRef>
-          </p:style>
-        </p:cxnSp>
-        <p:cxnSp>
-          <p:nvCxnSpPr>
-            <p:cNvPr id="50" name="Straight Connector 49">
-              <a:extLst>
-                <a:ext uri="{FF2B5EF4-FFF2-40B4-BE49-F238E27FC236}">
-                  <a16:creationId xmlns:a16="http://schemas.microsoft.com/office/drawing/2014/main" id="{2B49D3B9-759E-4C5A-BF40-05280D0A5DF9}"/>
-                </a:ext>
-              </a:extLst>
-            </p:cNvPr>
-            <p:cNvCxnSpPr>
-              <a:cxnSpLocks/>
-            </p:cNvCxnSpPr>
-            <p:nvPr/>
-          </p:nvCxnSpPr>
-          <p:spPr>
-            <a:xfrm flipV="1">
-              <a:off x="3407711" y="662072"/>
-              <a:ext cx="1145181" cy="369333"/>
-            </a:xfrm>
-            <a:prstGeom prst="line">
-              <a:avLst/>
-            </a:prstGeom>
-            <a:ln w="12700">
-              <a:solidFill>
-                <a:schemeClr val="tx1"/>
-              </a:solidFill>
-            </a:ln>
-          </p:spPr>
-          <p:style>
-            <a:lnRef idx="1">
-              <a:schemeClr val="accent1"/>
-            </a:lnRef>
-            <a:fillRef idx="0">
-              <a:schemeClr val="accent1"/>
-            </a:fillRef>
-            <a:effectRef idx="0">
-              <a:schemeClr val="accent1"/>
-            </a:effectRef>
-            <a:fontRef idx="minor">
-              <a:schemeClr val="tx1"/>
-            </a:fontRef>
-          </p:style>
-        </p:cxnSp>
-        <p:cxnSp>
-          <p:nvCxnSpPr>
-            <p:cNvPr id="52" name="Straight Connector 51">
-              <a:extLst>
-                <a:ext uri="{FF2B5EF4-FFF2-40B4-BE49-F238E27FC236}">
-                  <a16:creationId xmlns:a16="http://schemas.microsoft.com/office/drawing/2014/main" id="{F4BC064A-698A-469B-BD8B-8454A635D587}"/>
-                </a:ext>
-              </a:extLst>
-            </p:cNvPr>
-            <p:cNvCxnSpPr>
-              <a:cxnSpLocks/>
-            </p:cNvCxnSpPr>
-            <p:nvPr/>
-          </p:nvCxnSpPr>
-          <p:spPr>
-            <a:xfrm>
-              <a:off x="3407711" y="1650538"/>
-              <a:ext cx="1145181" cy="310991"/>
-            </a:xfrm>
-            <a:prstGeom prst="line">
-              <a:avLst/>
-            </a:prstGeom>
-            <a:ln w="12700">
-              <a:solidFill>
-                <a:schemeClr val="tx1"/>
-              </a:solidFill>
-            </a:ln>
-          </p:spPr>
-          <p:style>
-            <a:lnRef idx="1">
-              <a:schemeClr val="accent1"/>
-            </a:lnRef>
-            <a:fillRef idx="0">
-              <a:schemeClr val="accent1"/>
-            </a:fillRef>
-            <a:effectRef idx="0">
-              <a:schemeClr val="accent1"/>
-            </a:effectRef>
-            <a:fontRef idx="minor">
-              <a:schemeClr val="tx1"/>
-            </a:fontRef>
-          </p:style>
-        </p:cxnSp>
-        <p:cxnSp>
-          <p:nvCxnSpPr>
-            <p:cNvPr id="56" name="Straight Connector 55">
-              <a:extLst>
-                <a:ext uri="{FF2B5EF4-FFF2-40B4-BE49-F238E27FC236}">
-                  <a16:creationId xmlns:a16="http://schemas.microsoft.com/office/drawing/2014/main" id="{244BBBB4-EAA0-42E5-8D61-38E6139BB160}"/>
-                </a:ext>
-              </a:extLst>
-            </p:cNvPr>
-            <p:cNvCxnSpPr>
-              <a:cxnSpLocks/>
-            </p:cNvCxnSpPr>
-            <p:nvPr/>
-          </p:nvCxnSpPr>
-          <p:spPr>
-            <a:xfrm>
-              <a:off x="3407711" y="1031405"/>
-              <a:ext cx="0" cy="625790"/>
-            </a:xfrm>
-            <a:prstGeom prst="line">
-              <a:avLst/>
-            </a:prstGeom>
-            <a:ln w="12700">
-              <a:solidFill>
-                <a:schemeClr val="tx1"/>
-              </a:solidFill>
-            </a:ln>
-          </p:spPr>
-          <p:style>
-            <a:lnRef idx="1">
-              <a:schemeClr val="accent1"/>
-            </a:lnRef>
-            <a:fillRef idx="0">
-              <a:schemeClr val="accent1"/>
-            </a:fillRef>
-            <a:effectRef idx="0">
-              <a:schemeClr val="accent1"/>
-            </a:effectRef>
-            <a:fontRef idx="minor">
-              <a:schemeClr val="tx1"/>
-            </a:fontRef>
-          </p:style>
-        </p:cxnSp>
-        <p:cxnSp>
-          <p:nvCxnSpPr>
-            <p:cNvPr id="68" name="Straight Connector 67">
-              <a:extLst>
-                <a:ext uri="{FF2B5EF4-FFF2-40B4-BE49-F238E27FC236}">
-                  <a16:creationId xmlns:a16="http://schemas.microsoft.com/office/drawing/2014/main" id="{B90F5C72-1226-4904-B0A3-59EB61EE8DE7}"/>
-                </a:ext>
-              </a:extLst>
-            </p:cNvPr>
-            <p:cNvCxnSpPr>
-              <a:cxnSpLocks/>
-            </p:cNvCxnSpPr>
-            <p:nvPr/>
-          </p:nvCxnSpPr>
-          <p:spPr>
-            <a:xfrm>
-              <a:off x="4540158" y="659953"/>
-              <a:ext cx="8593" cy="1299457"/>
-            </a:xfrm>
-            <a:prstGeom prst="line">
-              <a:avLst/>
-            </a:prstGeom>
-            <a:ln w="12700">
-              <a:solidFill>
-                <a:schemeClr val="tx1"/>
-              </a:solidFill>
-            </a:ln>
-          </p:spPr>
-          <p:style>
-            <a:lnRef idx="1">
-              <a:schemeClr val="accent1"/>
-            </a:lnRef>
-            <a:fillRef idx="0">
-              <a:schemeClr val="accent1"/>
-            </a:fillRef>
-            <a:effectRef idx="0">
-              <a:schemeClr val="accent1"/>
-            </a:effectRef>
-            <a:fontRef idx="minor">
-              <a:schemeClr val="tx1"/>
-            </a:fontRef>
-          </p:style>
-        </p:cxnSp>
-        <p:cxnSp>
-          <p:nvCxnSpPr>
-            <p:cNvPr id="94" name="Straight Connector 93">
-              <a:extLst>
-                <a:ext uri="{FF2B5EF4-FFF2-40B4-BE49-F238E27FC236}">
-                  <a16:creationId xmlns:a16="http://schemas.microsoft.com/office/drawing/2014/main" id="{912198F9-D69B-467B-B587-AFE621D8F6C9}"/>
-                </a:ext>
-              </a:extLst>
-            </p:cNvPr>
-            <p:cNvCxnSpPr>
-              <a:cxnSpLocks/>
-            </p:cNvCxnSpPr>
-            <p:nvPr/>
-          </p:nvCxnSpPr>
-          <p:spPr>
-            <a:xfrm flipV="1">
-              <a:off x="3399608" y="361882"/>
-              <a:ext cx="0" cy="5614538"/>
-            </a:xfrm>
-            <a:prstGeom prst="line">
-              <a:avLst/>
-            </a:prstGeom>
-            <a:ln>
-              <a:solidFill>
-                <a:schemeClr val="tx1">
-                  <a:lumMod val="85000"/>
-                  <a:lumOff val="15000"/>
-                </a:schemeClr>
-              </a:solidFill>
-              <a:prstDash val="dash"/>
-            </a:ln>
-          </p:spPr>
-          <p:style>
-            <a:lnRef idx="1">
-              <a:schemeClr val="accent1"/>
-            </a:lnRef>
-            <a:fillRef idx="0">
-              <a:schemeClr val="accent1"/>
-            </a:fillRef>
-            <a:effectRef idx="0">
-              <a:schemeClr val="accent1"/>
-            </a:effectRef>
-            <a:fontRef idx="minor">
-              <a:schemeClr val="tx1"/>
-            </a:fontRef>
-          </p:style>
-        </p:cxnSp>
-        <p:cxnSp>
-          <p:nvCxnSpPr>
-            <p:cNvPr id="95" name="Straight Connector 94">
-              <a:extLst>
-                <a:ext uri="{FF2B5EF4-FFF2-40B4-BE49-F238E27FC236}">
-                  <a16:creationId xmlns:a16="http://schemas.microsoft.com/office/drawing/2014/main" id="{27876395-BB2A-4B53-B324-84D6DB2B3285}"/>
-                </a:ext>
-              </a:extLst>
-            </p:cNvPr>
-            <p:cNvCxnSpPr>
-              <a:cxnSpLocks/>
-            </p:cNvCxnSpPr>
-            <p:nvPr/>
-          </p:nvCxnSpPr>
-          <p:spPr>
-            <a:xfrm flipV="1">
-              <a:off x="4536737" y="299076"/>
-              <a:ext cx="0" cy="5677344"/>
-            </a:xfrm>
-            <a:prstGeom prst="line">
-              <a:avLst/>
-            </a:prstGeom>
-            <a:ln>
-              <a:solidFill>
-                <a:schemeClr val="tx1">
-                  <a:lumMod val="85000"/>
-                  <a:lumOff val="15000"/>
-                </a:schemeClr>
-              </a:solidFill>
-              <a:prstDash val="dash"/>
-            </a:ln>
-          </p:spPr>
-          <p:style>
-            <a:lnRef idx="1">
-              <a:schemeClr val="accent1"/>
-            </a:lnRef>
-            <a:fillRef idx="0">
-              <a:schemeClr val="accent1"/>
-            </a:fillRef>
-            <a:effectRef idx="0">
-              <a:schemeClr val="accent1"/>
-            </a:effectRef>
-            <a:fontRef idx="minor">
-              <a:schemeClr val="tx1"/>
-            </a:fontRef>
-          </p:style>
-        </p:cxnSp>
-        <p:grpSp>
-          <p:nvGrpSpPr>
-            <p:cNvPr id="99" name="Group 98">
-              <a:extLst>
-                <a:ext uri="{FF2B5EF4-FFF2-40B4-BE49-F238E27FC236}">
-                  <a16:creationId xmlns:a16="http://schemas.microsoft.com/office/drawing/2014/main" id="{8A03EE1F-F0F4-4454-B512-998C07969B0C}"/>
+                  <a16:creationId xmlns:a16="http://schemas.microsoft.com/office/drawing/2014/main" id="{E10B9DA8-04BD-465D-8A97-CDB1348EFCAB}"/>
                 </a:ext>
               </a:extLst>
             </p:cNvPr>
@@ -3932,19 +3374,19 @@
             <p:nvPr/>
           </p:nvGrpSpPr>
           <p:grpSpPr>
-            <a:xfrm rot="16200000">
-              <a:off x="4908123" y="1096900"/>
-              <a:ext cx="2931648" cy="2057752"/>
-              <a:chOff x="325464" y="5680820"/>
-              <a:chExt cx="991892" cy="2057752"/>
+            <a:xfrm>
+              <a:off x="3392464" y="5976415"/>
+              <a:ext cx="1144275" cy="688288"/>
+              <a:chOff x="312066" y="5680820"/>
+              <a:chExt cx="1005290" cy="688288"/>
             </a:xfrm>
           </p:grpSpPr>
           <p:sp>
             <p:nvSpPr>
-              <p:cNvPr id="100" name="Left Brace 99">
+              <p:cNvPr id="84" name="Left Brace 83">
                 <a:extLst>
                   <a:ext uri="{FF2B5EF4-FFF2-40B4-BE49-F238E27FC236}">
-                    <a16:creationId xmlns:a16="http://schemas.microsoft.com/office/drawing/2014/main" id="{85F002A8-74CD-48D7-99D4-A03426DC82DD}"/>
+                    <a16:creationId xmlns:a16="http://schemas.microsoft.com/office/drawing/2014/main" id="{E20250A2-27EC-4E87-80C5-90B58768CA33}"/>
                   </a:ext>
                 </a:extLst>
               </p:cNvPr>
@@ -3987,16 +3429,16 @@
               <a:lstStyle/>
               <a:p>
                 <a:pPr algn="ctr"/>
-                <a:endParaRPr lang="en-US"/>
+                <a:endParaRPr lang="en-US" dirty="0"/>
               </a:p>
             </p:txBody>
           </p:sp>
           <p:sp>
             <p:nvSpPr>
-              <p:cNvPr id="101" name="TextBox 100">
+              <p:cNvPr id="85" name="TextBox 84">
                 <a:extLst>
                   <a:ext uri="{FF2B5EF4-FFF2-40B4-BE49-F238E27FC236}">
-                    <a16:creationId xmlns:a16="http://schemas.microsoft.com/office/drawing/2014/main" id="{5308DB53-693B-41B7-8DEE-8B14A567CB6A}"/>
+                    <a16:creationId xmlns:a16="http://schemas.microsoft.com/office/drawing/2014/main" id="{B2F44166-B79E-4F3E-BB3F-53BBF6CC8430}"/>
                   </a:ext>
                 </a:extLst>
               </p:cNvPr>
@@ -4004,9 +3446,9 @@
               <p:nvPr/>
             </p:nvSpPr>
             <p:spPr>
-              <a:xfrm rot="5400000">
-                <a:off x="-123166" y="6733614"/>
-                <a:ext cx="1884956" cy="124960"/>
+              <a:xfrm>
+                <a:off x="312066" y="5999776"/>
+                <a:ext cx="991892" cy="369332"/>
               </a:xfrm>
               <a:prstGeom prst="rect">
                 <a:avLst/>
@@ -4022,7 +3464,7 @@
                 <a:pPr algn="ctr"/>
                 <a:r>
                   <a:rPr lang="en-US" dirty="0"/>
-                  <a:t>North America</a:t>
+                  <a:t>Ti</a:t>
                 </a:r>
               </a:p>
             </p:txBody>
@@ -4030,30 +3472,24 @@
         </p:grpSp>
         <p:grpSp>
           <p:nvGrpSpPr>
-            <p:cNvPr id="102" name="Group 101">
-              <a:extLst>
-                <a:ext uri="{FF2B5EF4-FFF2-40B4-BE49-F238E27FC236}">
-                  <a16:creationId xmlns:a16="http://schemas.microsoft.com/office/drawing/2014/main" id="{6F5E03C8-67F8-4B2B-887F-E032FAF75B6E}"/>
-                </a:ext>
-              </a:extLst>
-            </p:cNvPr>
+            <p:cNvPr id="2" name="Group 1"/>
             <p:cNvGrpSpPr/>
             <p:nvPr/>
           </p:nvGrpSpPr>
           <p:grpSpPr>
-            <a:xfrm rot="16200000">
-              <a:off x="5475291" y="3461384"/>
-              <a:ext cx="1797318" cy="2057755"/>
-              <a:chOff x="325464" y="5680820"/>
-              <a:chExt cx="991892" cy="2057755"/>
+            <a:xfrm>
+              <a:off x="2398387" y="22278"/>
+              <a:ext cx="5004440" cy="5954142"/>
+              <a:chOff x="2398387" y="22278"/>
+              <a:chExt cx="5004440" cy="5954142"/>
             </a:xfrm>
           </p:grpSpPr>
           <p:sp>
             <p:nvSpPr>
-              <p:cNvPr id="103" name="Left Brace 102">
+              <p:cNvPr id="6" name="Rectangle 5">
                 <a:extLst>
                   <a:ext uri="{FF2B5EF4-FFF2-40B4-BE49-F238E27FC236}">
-                    <a16:creationId xmlns:a16="http://schemas.microsoft.com/office/drawing/2014/main" id="{711A3A01-2F2A-48B5-8B41-DA2EDBD8C29E}"/>
+                    <a16:creationId xmlns:a16="http://schemas.microsoft.com/office/drawing/2014/main" id="{1963F1C6-6421-4B0F-9E19-2496C5ED99E4}"/>
                   </a:ext>
                 </a:extLst>
               </p:cNvPr>
@@ -4061,34 +3497,36 @@
               <p:nvPr/>
             </p:nvSpPr>
             <p:spPr>
-              <a:xfrm rot="16200000">
-                <a:off x="661932" y="5344352"/>
-                <a:ext cx="318956" cy="991892"/>
+              <a:xfrm>
+                <a:off x="2398387" y="2338481"/>
+                <a:ext cx="991892" cy="1903879"/>
               </a:xfrm>
-              <a:prstGeom prst="leftBrace">
+              <a:prstGeom prst="rect">
                 <a:avLst/>
               </a:prstGeom>
-              <a:ln w="19050">
+              <a:solidFill>
+                <a:schemeClr val="bg1"/>
+              </a:solidFill>
+              <a:ln>
                 <a:solidFill>
-                  <a:schemeClr val="tx1">
-                    <a:lumMod val="85000"/>
-                    <a:lumOff val="15000"/>
-                  </a:schemeClr>
+                  <a:schemeClr val="tx1"/>
                 </a:solidFill>
               </a:ln>
             </p:spPr>
             <p:style>
-              <a:lnRef idx="1">
-                <a:schemeClr val="accent1"/>
+              <a:lnRef idx="2">
+                <a:schemeClr val="accent1">
+                  <a:shade val="50000"/>
+                </a:schemeClr>
               </a:lnRef>
-              <a:fillRef idx="0">
+              <a:fillRef idx="1">
                 <a:schemeClr val="accent1"/>
               </a:fillRef>
               <a:effectRef idx="0">
                 <a:schemeClr val="accent1"/>
               </a:effectRef>
               <a:fontRef idx="minor">
-                <a:schemeClr val="tx1"/>
+                <a:schemeClr val="lt1"/>
               </a:fontRef>
             </p:style>
             <p:txBody>
@@ -4102,10 +3540,10 @@
           </p:sp>
           <p:sp>
             <p:nvSpPr>
-              <p:cNvPr id="104" name="TextBox 103">
+              <p:cNvPr id="8" name="TextBox 7">
                 <a:extLst>
                   <a:ext uri="{FF2B5EF4-FFF2-40B4-BE49-F238E27FC236}">
-                    <a16:creationId xmlns:a16="http://schemas.microsoft.com/office/drawing/2014/main" id="{373FC749-62B9-49BE-BA65-17811B5C2F4E}"/>
+                    <a16:creationId xmlns:a16="http://schemas.microsoft.com/office/drawing/2014/main" id="{5C392B2D-C69F-4E5C-BDD2-6C446B00CAF3}"/>
                   </a:ext>
                 </a:extLst>
               </p:cNvPr>
@@ -4113,14 +3551,21 @@
               <p:nvPr/>
             </p:nvSpPr>
             <p:spPr>
-              <a:xfrm rot="5400000">
-                <a:off x="-162597" y="6694184"/>
-                <a:ext cx="1884956" cy="203825"/>
+              <a:xfrm>
+                <a:off x="2539679" y="1820617"/>
+                <a:ext cx="650928" cy="369332"/>
               </a:xfrm>
               <a:prstGeom prst="rect">
                 <a:avLst/>
               </a:prstGeom>
-              <a:noFill/>
+              <a:solidFill>
+                <a:schemeClr val="bg1"/>
+              </a:solidFill>
+              <a:ln>
+                <a:solidFill>
+                  <a:schemeClr val="tx1"/>
+                </a:solidFill>
+              </a:ln>
             </p:spPr>
             <p:txBody>
               <a:bodyPr wrap="square" rtlCol="0">
@@ -4131,599 +3576,1170 @@
                 <a:pPr algn="ctr"/>
                 <a:r>
                   <a:rPr lang="en-US" dirty="0"/>
-                  <a:t>Hawaii</a:t>
+                  <a:t>NuA</a:t>
+                </a:r>
+              </a:p>
+            </p:txBody>
+          </p:sp>
+          <p:sp>
+            <p:nvSpPr>
+              <p:cNvPr id="25" name="TextBox 24">
+                <a:extLst>
+                  <a:ext uri="{FF2B5EF4-FFF2-40B4-BE49-F238E27FC236}">
+                    <a16:creationId xmlns:a16="http://schemas.microsoft.com/office/drawing/2014/main" id="{48B1CBB3-8354-4AC8-BC36-F77F057769A8}"/>
+                  </a:ext>
+                </a:extLst>
+              </p:cNvPr>
+              <p:cNvSpPr txBox="1"/>
+              <p:nvPr/>
+            </p:nvSpPr>
+            <p:spPr>
+              <a:xfrm>
+                <a:off x="2894333" y="55857"/>
+                <a:ext cx="1146875" cy="307777"/>
+              </a:xfrm>
+              <a:prstGeom prst="rect">
+                <a:avLst/>
+              </a:prstGeom>
+              <a:solidFill>
+                <a:schemeClr val="bg1"/>
+              </a:solidFill>
+              <a:ln>
+                <a:solidFill>
+                  <a:schemeClr val="tx1"/>
+                </a:solidFill>
+              </a:ln>
+            </p:spPr>
+            <p:txBody>
+              <a:bodyPr wrap="square" rtlCol="0">
+                <a:spAutoFit/>
+              </a:bodyPr>
+              <a:lstStyle/>
+              <a:p>
+                <a:pPr algn="ctr"/>
+                <a:r>
+                  <a:rPr lang="en-US" sz="1400" dirty="0"/>
+                  <a:t>NuA - s</a:t>
+                </a:r>
+              </a:p>
+            </p:txBody>
+          </p:sp>
+          <p:cxnSp>
+            <p:nvCxnSpPr>
+              <p:cNvPr id="26" name="Straight Connector 25">
+                <a:extLst>
+                  <a:ext uri="{FF2B5EF4-FFF2-40B4-BE49-F238E27FC236}">
+                    <a16:creationId xmlns:a16="http://schemas.microsoft.com/office/drawing/2014/main" id="{62A50A53-4AD1-4DC1-9A3D-073DC3D19305}"/>
+                  </a:ext>
+                </a:extLst>
+              </p:cNvPr>
+              <p:cNvCxnSpPr>
+                <a:cxnSpLocks/>
+              </p:cNvCxnSpPr>
+              <p:nvPr/>
+            </p:nvCxnSpPr>
+            <p:spPr>
+              <a:xfrm>
+                <a:off x="3277891" y="3591602"/>
+                <a:ext cx="247973" cy="0"/>
+              </a:xfrm>
+              <a:prstGeom prst="line">
+                <a:avLst/>
+              </a:prstGeom>
+              <a:ln w="12700">
+                <a:solidFill>
+                  <a:schemeClr val="tx1"/>
+                </a:solidFill>
+                <a:prstDash val="sysDot"/>
+              </a:ln>
+            </p:spPr>
+            <p:style>
+              <a:lnRef idx="1">
+                <a:schemeClr val="accent1"/>
+              </a:lnRef>
+              <a:fillRef idx="0">
+                <a:schemeClr val="accent1"/>
+              </a:fillRef>
+              <a:effectRef idx="0">
+                <a:schemeClr val="accent1"/>
+              </a:effectRef>
+              <a:fontRef idx="minor">
+                <a:schemeClr val="tx1"/>
+              </a:fontRef>
+            </p:style>
+          </p:cxnSp>
+          <p:cxnSp>
+            <p:nvCxnSpPr>
+              <p:cNvPr id="50" name="Straight Connector 49">
+                <a:extLst>
+                  <a:ext uri="{FF2B5EF4-FFF2-40B4-BE49-F238E27FC236}">
+                    <a16:creationId xmlns:a16="http://schemas.microsoft.com/office/drawing/2014/main" id="{2B49D3B9-759E-4C5A-BF40-05280D0A5DF9}"/>
+                  </a:ext>
+                </a:extLst>
+              </p:cNvPr>
+              <p:cNvCxnSpPr>
+                <a:cxnSpLocks/>
+              </p:cNvCxnSpPr>
+              <p:nvPr/>
+            </p:nvCxnSpPr>
+            <p:spPr>
+              <a:xfrm flipV="1">
+                <a:off x="3407711" y="662072"/>
+                <a:ext cx="1145181" cy="369333"/>
+              </a:xfrm>
+              <a:prstGeom prst="line">
+                <a:avLst/>
+              </a:prstGeom>
+              <a:ln w="12700">
+                <a:solidFill>
+                  <a:schemeClr val="tx1"/>
+                </a:solidFill>
+              </a:ln>
+            </p:spPr>
+            <p:style>
+              <a:lnRef idx="1">
+                <a:schemeClr val="accent1"/>
+              </a:lnRef>
+              <a:fillRef idx="0">
+                <a:schemeClr val="accent1"/>
+              </a:fillRef>
+              <a:effectRef idx="0">
+                <a:schemeClr val="accent1"/>
+              </a:effectRef>
+              <a:fontRef idx="minor">
+                <a:schemeClr val="tx1"/>
+              </a:fontRef>
+            </p:style>
+          </p:cxnSp>
+          <p:cxnSp>
+            <p:nvCxnSpPr>
+              <p:cNvPr id="52" name="Straight Connector 51">
+                <a:extLst>
+                  <a:ext uri="{FF2B5EF4-FFF2-40B4-BE49-F238E27FC236}">
+                    <a16:creationId xmlns:a16="http://schemas.microsoft.com/office/drawing/2014/main" id="{F4BC064A-698A-469B-BD8B-8454A635D587}"/>
+                  </a:ext>
+                </a:extLst>
+              </p:cNvPr>
+              <p:cNvCxnSpPr>
+                <a:cxnSpLocks/>
+              </p:cNvCxnSpPr>
+              <p:nvPr/>
+            </p:nvCxnSpPr>
+            <p:spPr>
+              <a:xfrm>
+                <a:off x="3407711" y="1650538"/>
+                <a:ext cx="1145181" cy="310991"/>
+              </a:xfrm>
+              <a:prstGeom prst="line">
+                <a:avLst/>
+              </a:prstGeom>
+              <a:ln w="12700">
+                <a:solidFill>
+                  <a:schemeClr val="tx1"/>
+                </a:solidFill>
+              </a:ln>
+            </p:spPr>
+            <p:style>
+              <a:lnRef idx="1">
+                <a:schemeClr val="accent1"/>
+              </a:lnRef>
+              <a:fillRef idx="0">
+                <a:schemeClr val="accent1"/>
+              </a:fillRef>
+              <a:effectRef idx="0">
+                <a:schemeClr val="accent1"/>
+              </a:effectRef>
+              <a:fontRef idx="minor">
+                <a:schemeClr val="tx1"/>
+              </a:fontRef>
+            </p:style>
+          </p:cxnSp>
+          <p:cxnSp>
+            <p:nvCxnSpPr>
+              <p:cNvPr id="56" name="Straight Connector 55">
+                <a:extLst>
+                  <a:ext uri="{FF2B5EF4-FFF2-40B4-BE49-F238E27FC236}">
+                    <a16:creationId xmlns:a16="http://schemas.microsoft.com/office/drawing/2014/main" id="{244BBBB4-EAA0-42E5-8D61-38E6139BB160}"/>
+                  </a:ext>
+                </a:extLst>
+              </p:cNvPr>
+              <p:cNvCxnSpPr>
+                <a:cxnSpLocks/>
+              </p:cNvCxnSpPr>
+              <p:nvPr/>
+            </p:nvCxnSpPr>
+            <p:spPr>
+              <a:xfrm>
+                <a:off x="3407711" y="1031405"/>
+                <a:ext cx="0" cy="625790"/>
+              </a:xfrm>
+              <a:prstGeom prst="line">
+                <a:avLst/>
+              </a:prstGeom>
+              <a:ln w="12700">
+                <a:solidFill>
+                  <a:schemeClr val="tx1"/>
+                </a:solidFill>
+              </a:ln>
+            </p:spPr>
+            <p:style>
+              <a:lnRef idx="1">
+                <a:schemeClr val="accent1"/>
+              </a:lnRef>
+              <a:fillRef idx="0">
+                <a:schemeClr val="accent1"/>
+              </a:fillRef>
+              <a:effectRef idx="0">
+                <a:schemeClr val="accent1"/>
+              </a:effectRef>
+              <a:fontRef idx="minor">
+                <a:schemeClr val="tx1"/>
+              </a:fontRef>
+            </p:style>
+          </p:cxnSp>
+          <p:cxnSp>
+            <p:nvCxnSpPr>
+              <p:cNvPr id="68" name="Straight Connector 67">
+                <a:extLst>
+                  <a:ext uri="{FF2B5EF4-FFF2-40B4-BE49-F238E27FC236}">
+                    <a16:creationId xmlns:a16="http://schemas.microsoft.com/office/drawing/2014/main" id="{B90F5C72-1226-4904-B0A3-59EB61EE8DE7}"/>
+                  </a:ext>
+                </a:extLst>
+              </p:cNvPr>
+              <p:cNvCxnSpPr>
+                <a:cxnSpLocks/>
+              </p:cNvCxnSpPr>
+              <p:nvPr/>
+            </p:nvCxnSpPr>
+            <p:spPr>
+              <a:xfrm>
+                <a:off x="4540158" y="659953"/>
+                <a:ext cx="8593" cy="1299457"/>
+              </a:xfrm>
+              <a:prstGeom prst="line">
+                <a:avLst/>
+              </a:prstGeom>
+              <a:ln w="12700">
+                <a:solidFill>
+                  <a:schemeClr val="tx1"/>
+                </a:solidFill>
+              </a:ln>
+            </p:spPr>
+            <p:style>
+              <a:lnRef idx="1">
+                <a:schemeClr val="accent1"/>
+              </a:lnRef>
+              <a:fillRef idx="0">
+                <a:schemeClr val="accent1"/>
+              </a:fillRef>
+              <a:effectRef idx="0">
+                <a:schemeClr val="accent1"/>
+              </a:effectRef>
+              <a:fontRef idx="minor">
+                <a:schemeClr val="tx1"/>
+              </a:fontRef>
+            </p:style>
+          </p:cxnSp>
+          <p:cxnSp>
+            <p:nvCxnSpPr>
+              <p:cNvPr id="94" name="Straight Connector 93">
+                <a:extLst>
+                  <a:ext uri="{FF2B5EF4-FFF2-40B4-BE49-F238E27FC236}">
+                    <a16:creationId xmlns:a16="http://schemas.microsoft.com/office/drawing/2014/main" id="{912198F9-D69B-467B-B587-AFE621D8F6C9}"/>
+                  </a:ext>
+                </a:extLst>
+              </p:cNvPr>
+              <p:cNvCxnSpPr>
+                <a:cxnSpLocks/>
+              </p:cNvCxnSpPr>
+              <p:nvPr/>
+            </p:nvCxnSpPr>
+            <p:spPr>
+              <a:xfrm flipV="1">
+                <a:off x="3399608" y="361882"/>
+                <a:ext cx="0" cy="5614538"/>
+              </a:xfrm>
+              <a:prstGeom prst="line">
+                <a:avLst/>
+              </a:prstGeom>
+              <a:ln>
+                <a:solidFill>
+                  <a:schemeClr val="tx1">
+                    <a:lumMod val="85000"/>
+                    <a:lumOff val="15000"/>
+                  </a:schemeClr>
+                </a:solidFill>
+                <a:prstDash val="dash"/>
+              </a:ln>
+            </p:spPr>
+            <p:style>
+              <a:lnRef idx="1">
+                <a:schemeClr val="accent1"/>
+              </a:lnRef>
+              <a:fillRef idx="0">
+                <a:schemeClr val="accent1"/>
+              </a:fillRef>
+              <a:effectRef idx="0">
+                <a:schemeClr val="accent1"/>
+              </a:effectRef>
+              <a:fontRef idx="minor">
+                <a:schemeClr val="tx1"/>
+              </a:fontRef>
+            </p:style>
+          </p:cxnSp>
+          <p:cxnSp>
+            <p:nvCxnSpPr>
+              <p:cNvPr id="95" name="Straight Connector 94">
+                <a:extLst>
+                  <a:ext uri="{FF2B5EF4-FFF2-40B4-BE49-F238E27FC236}">
+                    <a16:creationId xmlns:a16="http://schemas.microsoft.com/office/drawing/2014/main" id="{27876395-BB2A-4B53-B324-84D6DB2B3285}"/>
+                  </a:ext>
+                </a:extLst>
+              </p:cNvPr>
+              <p:cNvCxnSpPr>
+                <a:cxnSpLocks/>
+              </p:cNvCxnSpPr>
+              <p:nvPr/>
+            </p:nvCxnSpPr>
+            <p:spPr>
+              <a:xfrm flipV="1">
+                <a:off x="4536737" y="299076"/>
+                <a:ext cx="0" cy="5677344"/>
+              </a:xfrm>
+              <a:prstGeom prst="line">
+                <a:avLst/>
+              </a:prstGeom>
+              <a:ln>
+                <a:solidFill>
+                  <a:schemeClr val="tx1">
+                    <a:lumMod val="85000"/>
+                    <a:lumOff val="15000"/>
+                  </a:schemeClr>
+                </a:solidFill>
+                <a:prstDash val="dash"/>
+              </a:ln>
+            </p:spPr>
+            <p:style>
+              <a:lnRef idx="1">
+                <a:schemeClr val="accent1"/>
+              </a:lnRef>
+              <a:fillRef idx="0">
+                <a:schemeClr val="accent1"/>
+              </a:fillRef>
+              <a:effectRef idx="0">
+                <a:schemeClr val="accent1"/>
+              </a:effectRef>
+              <a:fontRef idx="minor">
+                <a:schemeClr val="tx1"/>
+              </a:fontRef>
+            </p:style>
+          </p:cxnSp>
+          <p:grpSp>
+            <p:nvGrpSpPr>
+              <p:cNvPr id="99" name="Group 98">
+                <a:extLst>
+                  <a:ext uri="{FF2B5EF4-FFF2-40B4-BE49-F238E27FC236}">
+                    <a16:creationId xmlns:a16="http://schemas.microsoft.com/office/drawing/2014/main" id="{8A03EE1F-F0F4-4454-B512-998C07969B0C}"/>
+                  </a:ext>
+                </a:extLst>
+              </p:cNvPr>
+              <p:cNvGrpSpPr/>
+              <p:nvPr/>
+            </p:nvGrpSpPr>
+            <p:grpSpPr>
+              <a:xfrm rot="16200000">
+                <a:off x="4908123" y="1096900"/>
+                <a:ext cx="2931648" cy="2057752"/>
+                <a:chOff x="325464" y="5680820"/>
+                <a:chExt cx="991892" cy="2057752"/>
+              </a:xfrm>
+            </p:grpSpPr>
+            <p:sp>
+              <p:nvSpPr>
+                <p:cNvPr id="100" name="Left Brace 99">
+                  <a:extLst>
+                    <a:ext uri="{FF2B5EF4-FFF2-40B4-BE49-F238E27FC236}">
+                      <a16:creationId xmlns:a16="http://schemas.microsoft.com/office/drawing/2014/main" id="{85F002A8-74CD-48D7-99D4-A03426DC82DD}"/>
+                    </a:ext>
+                  </a:extLst>
+                </p:cNvPr>
+                <p:cNvSpPr/>
+                <p:nvPr/>
+              </p:nvSpPr>
+              <p:spPr>
+                <a:xfrm rot="16200000">
+                  <a:off x="661932" y="5344352"/>
+                  <a:ext cx="318956" cy="991892"/>
+                </a:xfrm>
+                <a:prstGeom prst="leftBrace">
+                  <a:avLst/>
+                </a:prstGeom>
+                <a:ln w="19050">
+                  <a:solidFill>
+                    <a:schemeClr val="tx1">
+                      <a:lumMod val="85000"/>
+                      <a:lumOff val="15000"/>
+                    </a:schemeClr>
+                  </a:solidFill>
+                </a:ln>
+              </p:spPr>
+              <p:style>
+                <a:lnRef idx="1">
+                  <a:schemeClr val="accent1"/>
+                </a:lnRef>
+                <a:fillRef idx="0">
+                  <a:schemeClr val="accent1"/>
+                </a:fillRef>
+                <a:effectRef idx="0">
+                  <a:schemeClr val="accent1"/>
+                </a:effectRef>
+                <a:fontRef idx="minor">
+                  <a:schemeClr val="tx1"/>
+                </a:fontRef>
+              </p:style>
+              <p:txBody>
+                <a:bodyPr rtlCol="0" anchor="ctr"/>
+                <a:lstStyle/>
+                <a:p>
+                  <a:pPr algn="ctr"/>
+                  <a:endParaRPr lang="en-US"/>
+                </a:p>
+              </p:txBody>
+            </p:sp>
+            <p:sp>
+              <p:nvSpPr>
+                <p:cNvPr id="101" name="TextBox 100">
+                  <a:extLst>
+                    <a:ext uri="{FF2B5EF4-FFF2-40B4-BE49-F238E27FC236}">
+                      <a16:creationId xmlns:a16="http://schemas.microsoft.com/office/drawing/2014/main" id="{5308DB53-693B-41B7-8DEE-8B14A567CB6A}"/>
+                    </a:ext>
+                  </a:extLst>
+                </p:cNvPr>
+                <p:cNvSpPr txBox="1"/>
+                <p:nvPr/>
+              </p:nvSpPr>
+              <p:spPr>
+                <a:xfrm rot="5400000">
+                  <a:off x="-123166" y="6733614"/>
+                  <a:ext cx="1884956" cy="124960"/>
+                </a:xfrm>
+                <a:prstGeom prst="rect">
+                  <a:avLst/>
+                </a:prstGeom>
+                <a:noFill/>
+              </p:spPr>
+              <p:txBody>
+                <a:bodyPr wrap="square" rtlCol="0">
+                  <a:spAutoFit/>
+                </a:bodyPr>
+                <a:lstStyle/>
+                <a:p>
+                  <a:pPr algn="ctr"/>
+                  <a:r>
+                    <a:rPr lang="en-US" dirty="0"/>
+                    <a:t>North America</a:t>
+                  </a:r>
+                </a:p>
+              </p:txBody>
+            </p:sp>
+          </p:grpSp>
+          <p:grpSp>
+            <p:nvGrpSpPr>
+              <p:cNvPr id="102" name="Group 101">
+                <a:extLst>
+                  <a:ext uri="{FF2B5EF4-FFF2-40B4-BE49-F238E27FC236}">
+                    <a16:creationId xmlns:a16="http://schemas.microsoft.com/office/drawing/2014/main" id="{6F5E03C8-67F8-4B2B-887F-E032FAF75B6E}"/>
+                  </a:ext>
+                </a:extLst>
+              </p:cNvPr>
+              <p:cNvGrpSpPr/>
+              <p:nvPr/>
+            </p:nvGrpSpPr>
+            <p:grpSpPr>
+              <a:xfrm rot="16200000">
+                <a:off x="5475291" y="3461384"/>
+                <a:ext cx="1797318" cy="2057755"/>
+                <a:chOff x="325464" y="5680820"/>
+                <a:chExt cx="991892" cy="2057755"/>
+              </a:xfrm>
+            </p:grpSpPr>
+            <p:sp>
+              <p:nvSpPr>
+                <p:cNvPr id="103" name="Left Brace 102">
+                  <a:extLst>
+                    <a:ext uri="{FF2B5EF4-FFF2-40B4-BE49-F238E27FC236}">
+                      <a16:creationId xmlns:a16="http://schemas.microsoft.com/office/drawing/2014/main" id="{711A3A01-2F2A-48B5-8B41-DA2EDBD8C29E}"/>
+                    </a:ext>
+                  </a:extLst>
+                </p:cNvPr>
+                <p:cNvSpPr/>
+                <p:nvPr/>
+              </p:nvSpPr>
+              <p:spPr>
+                <a:xfrm rot="16200000">
+                  <a:off x="661932" y="5344352"/>
+                  <a:ext cx="318956" cy="991892"/>
+                </a:xfrm>
+                <a:prstGeom prst="leftBrace">
+                  <a:avLst/>
+                </a:prstGeom>
+                <a:ln w="19050">
+                  <a:solidFill>
+                    <a:schemeClr val="tx1">
+                      <a:lumMod val="85000"/>
+                      <a:lumOff val="15000"/>
+                    </a:schemeClr>
+                  </a:solidFill>
+                </a:ln>
+              </p:spPr>
+              <p:style>
+                <a:lnRef idx="1">
+                  <a:schemeClr val="accent1"/>
+                </a:lnRef>
+                <a:fillRef idx="0">
+                  <a:schemeClr val="accent1"/>
+                </a:fillRef>
+                <a:effectRef idx="0">
+                  <a:schemeClr val="accent1"/>
+                </a:effectRef>
+                <a:fontRef idx="minor">
+                  <a:schemeClr val="tx1"/>
+                </a:fontRef>
+              </p:style>
+              <p:txBody>
+                <a:bodyPr rtlCol="0" anchor="ctr"/>
+                <a:lstStyle/>
+                <a:p>
+                  <a:pPr algn="ctr"/>
+                  <a:endParaRPr lang="en-US"/>
+                </a:p>
+              </p:txBody>
+            </p:sp>
+            <p:sp>
+              <p:nvSpPr>
+                <p:cNvPr id="104" name="TextBox 103">
+                  <a:extLst>
+                    <a:ext uri="{FF2B5EF4-FFF2-40B4-BE49-F238E27FC236}">
+                      <a16:creationId xmlns:a16="http://schemas.microsoft.com/office/drawing/2014/main" id="{373FC749-62B9-49BE-BA65-17811B5C2F4E}"/>
+                    </a:ext>
+                  </a:extLst>
+                </p:cNvPr>
+                <p:cNvSpPr txBox="1"/>
+                <p:nvPr/>
+              </p:nvSpPr>
+              <p:spPr>
+                <a:xfrm rot="5400000">
+                  <a:off x="-162597" y="6694184"/>
+                  <a:ext cx="1884956" cy="203825"/>
+                </a:xfrm>
+                <a:prstGeom prst="rect">
+                  <a:avLst/>
+                </a:prstGeom>
+                <a:noFill/>
+              </p:spPr>
+              <p:txBody>
+                <a:bodyPr wrap="square" rtlCol="0">
+                  <a:spAutoFit/>
+                </a:bodyPr>
+                <a:lstStyle/>
+                <a:p>
+                  <a:pPr algn="ctr"/>
+                  <a:r>
+                    <a:rPr lang="en-US" dirty="0"/>
+                    <a:t>Hawaii</a:t>
+                  </a:r>
+                </a:p>
+              </p:txBody>
+            </p:sp>
+          </p:grpSp>
+          <p:cxnSp>
+            <p:nvCxnSpPr>
+              <p:cNvPr id="54" name="Straight Connector 53">
+                <a:extLst>
+                  <a:ext uri="{FF2B5EF4-FFF2-40B4-BE49-F238E27FC236}">
+                    <a16:creationId xmlns:a16="http://schemas.microsoft.com/office/drawing/2014/main" id="{843D93FC-0FF1-452E-9D28-DDD3AAC0AF25}"/>
+                  </a:ext>
+                </a:extLst>
+              </p:cNvPr>
+              <p:cNvCxnSpPr>
+                <a:cxnSpLocks/>
+              </p:cNvCxnSpPr>
+              <p:nvPr/>
+            </p:nvCxnSpPr>
+            <p:spPr>
+              <a:xfrm flipV="1">
+                <a:off x="3398427" y="4558365"/>
+                <a:ext cx="1148630" cy="331398"/>
+              </a:xfrm>
+              <a:prstGeom prst="line">
+                <a:avLst/>
+              </a:prstGeom>
+              <a:ln w="12700">
+                <a:solidFill>
+                  <a:schemeClr val="tx1"/>
+                </a:solidFill>
+              </a:ln>
+            </p:spPr>
+            <p:style>
+              <a:lnRef idx="1">
+                <a:schemeClr val="accent1"/>
+              </a:lnRef>
+              <a:fillRef idx="0">
+                <a:schemeClr val="accent1"/>
+              </a:fillRef>
+              <a:effectRef idx="0">
+                <a:schemeClr val="accent1"/>
+              </a:effectRef>
+              <a:fontRef idx="minor">
+                <a:schemeClr val="tx1"/>
+              </a:fontRef>
+            </p:style>
+          </p:cxnSp>
+          <p:cxnSp>
+            <p:nvCxnSpPr>
+              <p:cNvPr id="55" name="Straight Connector 54">
+                <a:extLst>
+                  <a:ext uri="{FF2B5EF4-FFF2-40B4-BE49-F238E27FC236}">
+                    <a16:creationId xmlns:a16="http://schemas.microsoft.com/office/drawing/2014/main" id="{57AC8787-70CB-4680-BA34-3088D24D2630}"/>
+                  </a:ext>
+                </a:extLst>
+              </p:cNvPr>
+              <p:cNvCxnSpPr>
+                <a:cxnSpLocks/>
+              </p:cNvCxnSpPr>
+              <p:nvPr/>
+            </p:nvCxnSpPr>
+            <p:spPr>
+              <a:xfrm>
+                <a:off x="3388659" y="5118847"/>
+                <a:ext cx="1155796" cy="270073"/>
+              </a:xfrm>
+              <a:prstGeom prst="line">
+                <a:avLst/>
+              </a:prstGeom>
+              <a:ln w="12700">
+                <a:solidFill>
+                  <a:schemeClr val="tx1"/>
+                </a:solidFill>
+              </a:ln>
+            </p:spPr>
+            <p:style>
+              <a:lnRef idx="1">
+                <a:schemeClr val="accent1"/>
+              </a:lnRef>
+              <a:fillRef idx="0">
+                <a:schemeClr val="accent1"/>
+              </a:fillRef>
+              <a:effectRef idx="0">
+                <a:schemeClr val="accent1"/>
+              </a:effectRef>
+              <a:fontRef idx="minor">
+                <a:schemeClr val="tx1"/>
+              </a:fontRef>
+            </p:style>
+          </p:cxnSp>
+          <p:cxnSp>
+            <p:nvCxnSpPr>
+              <p:cNvPr id="57" name="Straight Connector 56">
+                <a:extLst>
+                  <a:ext uri="{FF2B5EF4-FFF2-40B4-BE49-F238E27FC236}">
+                    <a16:creationId xmlns:a16="http://schemas.microsoft.com/office/drawing/2014/main" id="{3D1FAEE3-30A8-480A-88A6-8B65E8F293DF}"/>
+                  </a:ext>
+                </a:extLst>
+              </p:cNvPr>
+              <p:cNvCxnSpPr>
+                <a:cxnSpLocks/>
+              </p:cNvCxnSpPr>
+              <p:nvPr/>
+            </p:nvCxnSpPr>
+            <p:spPr>
+              <a:xfrm>
+                <a:off x="3401876" y="4887398"/>
+                <a:ext cx="0" cy="231449"/>
+              </a:xfrm>
+              <a:prstGeom prst="line">
+                <a:avLst/>
+              </a:prstGeom>
+              <a:ln w="12700">
+                <a:solidFill>
+                  <a:schemeClr val="tx1"/>
+                </a:solidFill>
+              </a:ln>
+            </p:spPr>
+            <p:style>
+              <a:lnRef idx="1">
+                <a:schemeClr val="accent1"/>
+              </a:lnRef>
+              <a:fillRef idx="0">
+                <a:schemeClr val="accent1"/>
+              </a:fillRef>
+              <a:effectRef idx="0">
+                <a:schemeClr val="accent1"/>
+              </a:effectRef>
+              <a:fontRef idx="minor">
+                <a:schemeClr val="tx1"/>
+              </a:fontRef>
+            </p:style>
+          </p:cxnSp>
+          <p:cxnSp>
+            <p:nvCxnSpPr>
+              <p:cNvPr id="58" name="Straight Connector 57">
+                <a:extLst>
+                  <a:ext uri="{FF2B5EF4-FFF2-40B4-BE49-F238E27FC236}">
+                    <a16:creationId xmlns:a16="http://schemas.microsoft.com/office/drawing/2014/main" id="{EB9CEEB9-8EB9-41AA-AE28-B86D8E788F52}"/>
+                  </a:ext>
+                </a:extLst>
+              </p:cNvPr>
+              <p:cNvCxnSpPr>
+                <a:cxnSpLocks/>
+              </p:cNvCxnSpPr>
+              <p:nvPr/>
+            </p:nvCxnSpPr>
+            <p:spPr>
+              <a:xfrm>
+                <a:off x="4547057" y="4558366"/>
+                <a:ext cx="0" cy="830554"/>
+              </a:xfrm>
+              <a:prstGeom prst="line">
+                <a:avLst/>
+              </a:prstGeom>
+              <a:ln w="12700">
+                <a:solidFill>
+                  <a:schemeClr val="tx1"/>
+                </a:solidFill>
+              </a:ln>
+            </p:spPr>
+            <p:style>
+              <a:lnRef idx="1">
+                <a:schemeClr val="accent1"/>
+              </a:lnRef>
+              <a:fillRef idx="0">
+                <a:schemeClr val="accent1"/>
+              </a:fillRef>
+              <a:effectRef idx="0">
+                <a:schemeClr val="accent1"/>
+              </a:effectRef>
+              <a:fontRef idx="minor">
+                <a:schemeClr val="tx1"/>
+              </a:fontRef>
+            </p:style>
+          </p:cxnSp>
+          <p:sp>
+            <p:nvSpPr>
+              <p:cNvPr id="105" name="TextBox 104">
+                <a:extLst>
+                  <a:ext uri="{FF2B5EF4-FFF2-40B4-BE49-F238E27FC236}">
+                    <a16:creationId xmlns:a16="http://schemas.microsoft.com/office/drawing/2014/main" id="{BC9C7E87-C640-40A2-927B-124E29AC102F}"/>
+                  </a:ext>
+                </a:extLst>
+              </p:cNvPr>
+              <p:cNvSpPr txBox="1"/>
+              <p:nvPr/>
+            </p:nvSpPr>
+            <p:spPr>
+              <a:xfrm>
+                <a:off x="3173701" y="5565725"/>
+                <a:ext cx="449452" cy="307777"/>
+              </a:xfrm>
+              <a:prstGeom prst="rect">
+                <a:avLst/>
+              </a:prstGeom>
+              <a:solidFill>
+                <a:schemeClr val="bg1"/>
+              </a:solidFill>
+              <a:ln>
+                <a:solidFill>
+                  <a:schemeClr val="tx1"/>
+                </a:solidFill>
+              </a:ln>
+            </p:spPr>
+            <p:txBody>
+              <a:bodyPr wrap="square" rtlCol="0">
+                <a:spAutoFit/>
+              </a:bodyPr>
+              <a:lstStyle/>
+              <a:p>
+                <a:pPr algn="ctr"/>
+                <a:r>
+                  <a:rPr lang="en-US" sz="1400" dirty="0"/>
+                  <a:t>s</a:t>
+                </a:r>
+              </a:p>
+            </p:txBody>
+          </p:sp>
+          <p:sp>
+            <p:nvSpPr>
+              <p:cNvPr id="106" name="TextBox 105">
+                <a:extLst>
+                  <a:ext uri="{FF2B5EF4-FFF2-40B4-BE49-F238E27FC236}">
+                    <a16:creationId xmlns:a16="http://schemas.microsoft.com/office/drawing/2014/main" id="{973F263F-8EBA-4FAB-9436-5AA462542D44}"/>
+                  </a:ext>
+                </a:extLst>
+              </p:cNvPr>
+              <p:cNvSpPr txBox="1"/>
+              <p:nvPr/>
+            </p:nvSpPr>
+            <p:spPr>
+              <a:xfrm>
+                <a:off x="4137656" y="5498004"/>
+                <a:ext cx="798162" cy="369332"/>
+              </a:xfrm>
+              <a:prstGeom prst="rect">
+                <a:avLst/>
+              </a:prstGeom>
+              <a:solidFill>
+                <a:schemeClr val="bg1"/>
+              </a:solidFill>
+              <a:ln>
+                <a:solidFill>
+                  <a:schemeClr val="tx1"/>
+                </a:solidFill>
+              </a:ln>
+            </p:spPr>
+            <p:txBody>
+              <a:bodyPr wrap="square" rtlCol="0">
+                <a:spAutoFit/>
+              </a:bodyPr>
+              <a:lstStyle/>
+              <a:p>
+                <a:pPr algn="ctr"/>
+                <a:r>
+                  <a:rPr lang="en-US" dirty="0"/>
+                  <a:t>Nu2</a:t>
+                </a:r>
+              </a:p>
+            </p:txBody>
+          </p:sp>
+          <p:sp>
+            <p:nvSpPr>
+              <p:cNvPr id="107" name="Arrow: Bent 106">
+                <a:extLst>
+                  <a:ext uri="{FF2B5EF4-FFF2-40B4-BE49-F238E27FC236}">
+                    <a16:creationId xmlns:a16="http://schemas.microsoft.com/office/drawing/2014/main" id="{6ED938B7-0DA1-43BC-9526-150F1BEBF526}"/>
+                  </a:ext>
+                </a:extLst>
+              </p:cNvPr>
+              <p:cNvSpPr/>
+              <p:nvPr/>
+            </p:nvSpPr>
+            <p:spPr>
+              <a:xfrm rot="5400000">
+                <a:off x="2934036" y="4116314"/>
+                <a:ext cx="1175907" cy="247972"/>
+              </a:xfrm>
+              <a:prstGeom prst="bentArrow">
+                <a:avLst/>
+              </a:prstGeom>
+              <a:noFill/>
+              <a:ln>
+                <a:solidFill>
+                  <a:schemeClr val="tx1"/>
+                </a:solidFill>
+              </a:ln>
+            </p:spPr>
+            <p:style>
+              <a:lnRef idx="2">
+                <a:schemeClr val="accent1">
+                  <a:shade val="50000"/>
+                </a:schemeClr>
+              </a:lnRef>
+              <a:fillRef idx="1">
+                <a:schemeClr val="accent1"/>
+              </a:fillRef>
+              <a:effectRef idx="0">
+                <a:schemeClr val="accent1"/>
+              </a:effectRef>
+              <a:fontRef idx="minor">
+                <a:schemeClr val="lt1"/>
+              </a:fontRef>
+            </p:style>
+            <p:txBody>
+              <a:bodyPr rtlCol="0" anchor="ctr"/>
+              <a:lstStyle/>
+              <a:p>
+                <a:pPr algn="ctr"/>
+                <a:endParaRPr lang="en-US">
+                  <a:solidFill>
+                    <a:schemeClr val="tx1"/>
+                  </a:solidFill>
+                </a:endParaRPr>
+              </a:p>
+            </p:txBody>
+          </p:sp>
+          <p:sp>
+            <p:nvSpPr>
+              <p:cNvPr id="108" name="Arrow: Bent 107">
+                <a:extLst>
+                  <a:ext uri="{FF2B5EF4-FFF2-40B4-BE49-F238E27FC236}">
+                    <a16:creationId xmlns:a16="http://schemas.microsoft.com/office/drawing/2014/main" id="{32DA8B2E-1BD8-40D4-8BBD-3066870ECC8F}"/>
+                  </a:ext>
+                </a:extLst>
+              </p:cNvPr>
+              <p:cNvSpPr/>
+              <p:nvPr/>
+            </p:nvSpPr>
+            <p:spPr>
+              <a:xfrm rot="5400000" flipH="1">
+                <a:off x="2790246" y="2303353"/>
+                <a:ext cx="1419605" cy="207469"/>
+              </a:xfrm>
+              <a:prstGeom prst="bentArrow">
+                <a:avLst/>
+              </a:prstGeom>
+              <a:noFill/>
+              <a:ln>
+                <a:solidFill>
+                  <a:schemeClr val="tx1"/>
+                </a:solidFill>
+              </a:ln>
+            </p:spPr>
+            <p:style>
+              <a:lnRef idx="2">
+                <a:schemeClr val="accent1">
+                  <a:shade val="50000"/>
+                </a:schemeClr>
+              </a:lnRef>
+              <a:fillRef idx="1">
+                <a:schemeClr val="accent1"/>
+              </a:fillRef>
+              <a:effectRef idx="0">
+                <a:schemeClr val="accent1"/>
+              </a:effectRef>
+              <a:fontRef idx="minor">
+                <a:schemeClr val="lt1"/>
+              </a:fontRef>
+            </p:style>
+            <p:txBody>
+              <a:bodyPr rtlCol="0" anchor="ctr"/>
+              <a:lstStyle/>
+              <a:p>
+                <a:pPr algn="ctr"/>
+                <a:endParaRPr lang="en-US" dirty="0">
+                  <a:solidFill>
+                    <a:schemeClr val="tx1"/>
+                  </a:solidFill>
+                </a:endParaRPr>
+              </a:p>
+            </p:txBody>
+          </p:sp>
+          <p:sp>
+            <p:nvSpPr>
+              <p:cNvPr id="91" name="TextBox 90">
+                <a:extLst>
+                  <a:ext uri="{FF2B5EF4-FFF2-40B4-BE49-F238E27FC236}">
+                    <a16:creationId xmlns:a16="http://schemas.microsoft.com/office/drawing/2014/main" id="{399BDE28-F842-47BE-80A0-FA98B0DACDFF}"/>
+                  </a:ext>
+                </a:extLst>
+              </p:cNvPr>
+              <p:cNvSpPr txBox="1"/>
+              <p:nvPr/>
+            </p:nvSpPr>
+            <p:spPr>
+              <a:xfrm>
+                <a:off x="4196022" y="22278"/>
+                <a:ext cx="650928" cy="369332"/>
+              </a:xfrm>
+              <a:prstGeom prst="rect">
+                <a:avLst/>
+              </a:prstGeom>
+              <a:solidFill>
+                <a:schemeClr val="bg1"/>
+              </a:solidFill>
+              <a:ln>
+                <a:solidFill>
+                  <a:schemeClr val="tx1"/>
+                </a:solidFill>
+              </a:ln>
+            </p:spPr>
+            <p:txBody>
+              <a:bodyPr wrap="square" rtlCol="0">
+                <a:spAutoFit/>
+              </a:bodyPr>
+              <a:lstStyle/>
+              <a:p>
+                <a:pPr algn="ctr"/>
+                <a:r>
+                  <a:rPr lang="en-US" dirty="0"/>
+                  <a:t>Nu1</a:t>
+                </a:r>
+              </a:p>
+            </p:txBody>
+          </p:sp>
+          <p:cxnSp>
+            <p:nvCxnSpPr>
+              <p:cNvPr id="109" name="Straight Arrow Connector 108">
+                <a:extLst>
+                  <a:ext uri="{FF2B5EF4-FFF2-40B4-BE49-F238E27FC236}">
+                    <a16:creationId xmlns:a16="http://schemas.microsoft.com/office/drawing/2014/main" id="{5FB7EB3E-3C5C-488F-B72E-56757EADE1F0}"/>
+                  </a:ext>
+                </a:extLst>
+              </p:cNvPr>
+              <p:cNvCxnSpPr>
+                <a:cxnSpLocks/>
+              </p:cNvCxnSpPr>
+              <p:nvPr/>
+            </p:nvCxnSpPr>
+            <p:spPr>
+              <a:xfrm>
+                <a:off x="4536737" y="1959410"/>
+                <a:ext cx="14077" cy="2592124"/>
+              </a:xfrm>
+              <a:prstGeom prst="straightConnector1">
+                <a:avLst/>
+              </a:prstGeom>
+              <a:ln w="38100">
+                <a:solidFill>
+                  <a:schemeClr val="tx1"/>
+                </a:solidFill>
+                <a:tailEnd type="triangle"/>
+              </a:ln>
+            </p:spPr>
+            <p:style>
+              <a:lnRef idx="1">
+                <a:schemeClr val="accent1"/>
+              </a:lnRef>
+              <a:fillRef idx="0">
+                <a:schemeClr val="accent1"/>
+              </a:fillRef>
+              <a:effectRef idx="0">
+                <a:schemeClr val="accent1"/>
+              </a:effectRef>
+              <a:fontRef idx="minor">
+                <a:schemeClr val="tx1"/>
+              </a:fontRef>
+            </p:style>
+          </p:cxnSp>
+          <p:cxnSp>
+            <p:nvCxnSpPr>
+              <p:cNvPr id="110" name="Straight Arrow Connector 109">
+                <a:extLst>
+                  <a:ext uri="{FF2B5EF4-FFF2-40B4-BE49-F238E27FC236}">
+                    <a16:creationId xmlns:a16="http://schemas.microsoft.com/office/drawing/2014/main" id="{792D3992-17BB-462D-AF16-6310EF90509F}"/>
+                  </a:ext>
+                </a:extLst>
+              </p:cNvPr>
+              <p:cNvCxnSpPr>
+                <a:cxnSpLocks/>
+              </p:cNvCxnSpPr>
+              <p:nvPr/>
+            </p:nvCxnSpPr>
+            <p:spPr>
+              <a:xfrm flipV="1">
+                <a:off x="3970591" y="1820618"/>
+                <a:ext cx="1" cy="2880922"/>
+              </a:xfrm>
+              <a:prstGeom prst="straightConnector1">
+                <a:avLst/>
+              </a:prstGeom>
+              <a:ln w="38100">
+                <a:solidFill>
+                  <a:schemeClr val="tx1"/>
+                </a:solidFill>
+                <a:tailEnd type="triangle"/>
+              </a:ln>
+            </p:spPr>
+            <p:style>
+              <a:lnRef idx="1">
+                <a:schemeClr val="accent1"/>
+              </a:lnRef>
+              <a:fillRef idx="0">
+                <a:schemeClr val="accent1"/>
+              </a:fillRef>
+              <a:effectRef idx="0">
+                <a:schemeClr val="accent1"/>
+              </a:effectRef>
+              <a:fontRef idx="minor">
+                <a:schemeClr val="tx1"/>
+              </a:fontRef>
+            </p:style>
+          </p:cxnSp>
+          <p:sp>
+            <p:nvSpPr>
+              <p:cNvPr id="111" name="TextBox 110">
+                <a:extLst>
+                  <a:ext uri="{FF2B5EF4-FFF2-40B4-BE49-F238E27FC236}">
+                    <a16:creationId xmlns:a16="http://schemas.microsoft.com/office/drawing/2014/main" id="{3470A00B-2B9F-4E1E-8DA6-D1FFB0DD3EAF}"/>
+                  </a:ext>
+                </a:extLst>
+              </p:cNvPr>
+              <p:cNvSpPr txBox="1"/>
+              <p:nvPr/>
+            </p:nvSpPr>
+            <p:spPr>
+              <a:xfrm>
+                <a:off x="3667563" y="3178877"/>
+                <a:ext cx="567699" cy="307777"/>
+              </a:xfrm>
+              <a:prstGeom prst="rect">
+                <a:avLst/>
+              </a:prstGeom>
+              <a:solidFill>
+                <a:schemeClr val="bg1"/>
+              </a:solidFill>
+              <a:ln>
+                <a:solidFill>
+                  <a:schemeClr val="tx1"/>
+                </a:solidFill>
+              </a:ln>
+            </p:spPr>
+            <p:txBody>
+              <a:bodyPr wrap="square" rtlCol="0">
+                <a:spAutoFit/>
+              </a:bodyPr>
+              <a:lstStyle/>
+              <a:p>
+                <a:pPr algn="ctr"/>
+                <a:r>
+                  <a:rPr lang="en-US" sz="1400" dirty="0"/>
+                  <a:t>m12</a:t>
+                </a:r>
+              </a:p>
+            </p:txBody>
+          </p:sp>
+          <p:sp>
+            <p:nvSpPr>
+              <p:cNvPr id="112" name="TextBox 111">
+                <a:extLst>
+                  <a:ext uri="{FF2B5EF4-FFF2-40B4-BE49-F238E27FC236}">
+                    <a16:creationId xmlns:a16="http://schemas.microsoft.com/office/drawing/2014/main" id="{145F8EAF-47D4-45F1-8492-A4B1091AE8C3}"/>
+                  </a:ext>
+                </a:extLst>
+              </p:cNvPr>
+              <p:cNvSpPr txBox="1"/>
+              <p:nvPr/>
+            </p:nvSpPr>
+            <p:spPr>
+              <a:xfrm>
+                <a:off x="4237636" y="3178774"/>
+                <a:ext cx="567699" cy="307777"/>
+              </a:xfrm>
+              <a:prstGeom prst="rect">
+                <a:avLst/>
+              </a:prstGeom>
+              <a:solidFill>
+                <a:schemeClr val="bg1"/>
+              </a:solidFill>
+              <a:ln>
+                <a:solidFill>
+                  <a:schemeClr val="tx1"/>
+                </a:solidFill>
+              </a:ln>
+            </p:spPr>
+            <p:txBody>
+              <a:bodyPr wrap="square" rtlCol="0">
+                <a:spAutoFit/>
+              </a:bodyPr>
+              <a:lstStyle/>
+              <a:p>
+                <a:pPr algn="ctr"/>
+                <a:r>
+                  <a:rPr lang="en-US" sz="1400" dirty="0"/>
+                  <a:t>m21</a:t>
                 </a:r>
               </a:p>
             </p:txBody>
           </p:sp>
         </p:grpSp>
-        <p:cxnSp>
-          <p:nvCxnSpPr>
-            <p:cNvPr id="54" name="Straight Connector 53">
-              <a:extLst>
-                <a:ext uri="{FF2B5EF4-FFF2-40B4-BE49-F238E27FC236}">
-                  <a16:creationId xmlns:a16="http://schemas.microsoft.com/office/drawing/2014/main" id="{843D93FC-0FF1-452E-9D28-DDD3AAC0AF25}"/>
-                </a:ext>
-              </a:extLst>
-            </p:cNvPr>
-            <p:cNvCxnSpPr>
-              <a:cxnSpLocks/>
-            </p:cNvCxnSpPr>
-            <p:nvPr/>
-          </p:nvCxnSpPr>
-          <p:spPr>
-            <a:xfrm flipV="1">
-              <a:off x="3398427" y="4558365"/>
-              <a:ext cx="1148630" cy="331398"/>
-            </a:xfrm>
-            <a:prstGeom prst="line">
-              <a:avLst/>
-            </a:prstGeom>
-            <a:ln w="12700">
-              <a:solidFill>
-                <a:schemeClr val="tx1"/>
-              </a:solidFill>
-            </a:ln>
-          </p:spPr>
-          <p:style>
-            <a:lnRef idx="1">
-              <a:schemeClr val="accent1"/>
-            </a:lnRef>
-            <a:fillRef idx="0">
-              <a:schemeClr val="accent1"/>
-            </a:fillRef>
-            <a:effectRef idx="0">
-              <a:schemeClr val="accent1"/>
-            </a:effectRef>
-            <a:fontRef idx="minor">
-              <a:schemeClr val="tx1"/>
-            </a:fontRef>
-          </p:style>
-        </p:cxnSp>
-        <p:cxnSp>
-          <p:nvCxnSpPr>
-            <p:cNvPr id="55" name="Straight Connector 54">
-              <a:extLst>
-                <a:ext uri="{FF2B5EF4-FFF2-40B4-BE49-F238E27FC236}">
-                  <a16:creationId xmlns:a16="http://schemas.microsoft.com/office/drawing/2014/main" id="{57AC8787-70CB-4680-BA34-3088D24D2630}"/>
-                </a:ext>
-              </a:extLst>
-            </p:cNvPr>
-            <p:cNvCxnSpPr>
-              <a:cxnSpLocks/>
-            </p:cNvCxnSpPr>
-            <p:nvPr/>
-          </p:nvCxnSpPr>
-          <p:spPr>
-            <a:xfrm>
-              <a:off x="3388659" y="5118847"/>
-              <a:ext cx="1155796" cy="270073"/>
-            </a:xfrm>
-            <a:prstGeom prst="line">
-              <a:avLst/>
-            </a:prstGeom>
-            <a:ln w="12700">
-              <a:solidFill>
-                <a:schemeClr val="tx1"/>
-              </a:solidFill>
-            </a:ln>
-          </p:spPr>
-          <p:style>
-            <a:lnRef idx="1">
-              <a:schemeClr val="accent1"/>
-            </a:lnRef>
-            <a:fillRef idx="0">
-              <a:schemeClr val="accent1"/>
-            </a:fillRef>
-            <a:effectRef idx="0">
-              <a:schemeClr val="accent1"/>
-            </a:effectRef>
-            <a:fontRef idx="minor">
-              <a:schemeClr val="tx1"/>
-            </a:fontRef>
-          </p:style>
-        </p:cxnSp>
-        <p:cxnSp>
-          <p:nvCxnSpPr>
-            <p:cNvPr id="57" name="Straight Connector 56">
-              <a:extLst>
-                <a:ext uri="{FF2B5EF4-FFF2-40B4-BE49-F238E27FC236}">
-                  <a16:creationId xmlns:a16="http://schemas.microsoft.com/office/drawing/2014/main" id="{3D1FAEE3-30A8-480A-88A6-8B65E8F293DF}"/>
-                </a:ext>
-              </a:extLst>
-            </p:cNvPr>
-            <p:cNvCxnSpPr>
-              <a:cxnSpLocks/>
-            </p:cNvCxnSpPr>
-            <p:nvPr/>
-          </p:nvCxnSpPr>
-          <p:spPr>
-            <a:xfrm>
-              <a:off x="3401876" y="4887398"/>
-              <a:ext cx="0" cy="231449"/>
-            </a:xfrm>
-            <a:prstGeom prst="line">
-              <a:avLst/>
-            </a:prstGeom>
-            <a:ln w="12700">
-              <a:solidFill>
-                <a:schemeClr val="tx1"/>
-              </a:solidFill>
-            </a:ln>
-          </p:spPr>
-          <p:style>
-            <a:lnRef idx="1">
-              <a:schemeClr val="accent1"/>
-            </a:lnRef>
-            <a:fillRef idx="0">
-              <a:schemeClr val="accent1"/>
-            </a:fillRef>
-            <a:effectRef idx="0">
-              <a:schemeClr val="accent1"/>
-            </a:effectRef>
-            <a:fontRef idx="minor">
-              <a:schemeClr val="tx1"/>
-            </a:fontRef>
-          </p:style>
-        </p:cxnSp>
-        <p:cxnSp>
-          <p:nvCxnSpPr>
-            <p:cNvPr id="58" name="Straight Connector 57">
-              <a:extLst>
-                <a:ext uri="{FF2B5EF4-FFF2-40B4-BE49-F238E27FC236}">
-                  <a16:creationId xmlns:a16="http://schemas.microsoft.com/office/drawing/2014/main" id="{EB9CEEB9-8EB9-41AA-AE28-B86D8E788F52}"/>
-                </a:ext>
-              </a:extLst>
-            </p:cNvPr>
-            <p:cNvCxnSpPr>
-              <a:cxnSpLocks/>
-            </p:cNvCxnSpPr>
-            <p:nvPr/>
-          </p:nvCxnSpPr>
-          <p:spPr>
-            <a:xfrm>
-              <a:off x="4547057" y="4558366"/>
-              <a:ext cx="0" cy="830554"/>
-            </a:xfrm>
-            <a:prstGeom prst="line">
-              <a:avLst/>
-            </a:prstGeom>
-            <a:ln w="12700">
-              <a:solidFill>
-                <a:schemeClr val="tx1"/>
-              </a:solidFill>
-            </a:ln>
-          </p:spPr>
-          <p:style>
-            <a:lnRef idx="1">
-              <a:schemeClr val="accent1"/>
-            </a:lnRef>
-            <a:fillRef idx="0">
-              <a:schemeClr val="accent1"/>
-            </a:fillRef>
-            <a:effectRef idx="0">
-              <a:schemeClr val="accent1"/>
-            </a:effectRef>
-            <a:fontRef idx="minor">
-              <a:schemeClr val="tx1"/>
-            </a:fontRef>
-          </p:style>
-        </p:cxnSp>
-        <p:sp>
-          <p:nvSpPr>
-            <p:cNvPr id="105" name="TextBox 104">
-              <a:extLst>
-                <a:ext uri="{FF2B5EF4-FFF2-40B4-BE49-F238E27FC236}">
-                  <a16:creationId xmlns:a16="http://schemas.microsoft.com/office/drawing/2014/main" id="{BC9C7E87-C640-40A2-927B-124E29AC102F}"/>
-                </a:ext>
-              </a:extLst>
-            </p:cNvPr>
-            <p:cNvSpPr txBox="1"/>
-            <p:nvPr/>
-          </p:nvSpPr>
-          <p:spPr>
-            <a:xfrm>
-              <a:off x="3173701" y="5565725"/>
-              <a:ext cx="449452" cy="307777"/>
-            </a:xfrm>
-            <a:prstGeom prst="rect">
-              <a:avLst/>
-            </a:prstGeom>
-            <a:solidFill>
-              <a:schemeClr val="bg1"/>
-            </a:solidFill>
-            <a:ln>
-              <a:solidFill>
-                <a:schemeClr val="tx1"/>
-              </a:solidFill>
-            </a:ln>
-          </p:spPr>
-          <p:txBody>
-            <a:bodyPr wrap="square" rtlCol="0">
-              <a:spAutoFit/>
-            </a:bodyPr>
-            <a:lstStyle/>
-            <a:p>
-              <a:pPr algn="ctr"/>
-              <a:r>
-                <a:rPr lang="en-US" sz="1400" dirty="0"/>
-                <a:t>s</a:t>
-              </a:r>
-            </a:p>
-          </p:txBody>
-        </p:sp>
-        <p:sp>
-          <p:nvSpPr>
-            <p:cNvPr id="106" name="TextBox 105">
-              <a:extLst>
-                <a:ext uri="{FF2B5EF4-FFF2-40B4-BE49-F238E27FC236}">
-                  <a16:creationId xmlns:a16="http://schemas.microsoft.com/office/drawing/2014/main" id="{973F263F-8EBA-4FAB-9436-5AA462542D44}"/>
-                </a:ext>
-              </a:extLst>
-            </p:cNvPr>
-            <p:cNvSpPr txBox="1"/>
-            <p:nvPr/>
-          </p:nvSpPr>
-          <p:spPr>
-            <a:xfrm>
-              <a:off x="4137656" y="5498004"/>
-              <a:ext cx="798162" cy="369332"/>
-            </a:xfrm>
-            <a:prstGeom prst="rect">
-              <a:avLst/>
-            </a:prstGeom>
-            <a:solidFill>
-              <a:schemeClr val="bg1"/>
-            </a:solidFill>
-            <a:ln>
-              <a:solidFill>
-                <a:schemeClr val="tx1"/>
-              </a:solidFill>
-            </a:ln>
-          </p:spPr>
-          <p:txBody>
-            <a:bodyPr wrap="square" rtlCol="0">
-              <a:spAutoFit/>
-            </a:bodyPr>
-            <a:lstStyle/>
-            <a:p>
-              <a:pPr algn="ctr"/>
-              <a:r>
-                <a:rPr lang="en-US" dirty="0"/>
-                <a:t>Nu2</a:t>
-              </a:r>
-            </a:p>
-          </p:txBody>
-        </p:sp>
-        <p:sp>
-          <p:nvSpPr>
-            <p:cNvPr id="107" name="Arrow: Bent 106">
-              <a:extLst>
-                <a:ext uri="{FF2B5EF4-FFF2-40B4-BE49-F238E27FC236}">
-                  <a16:creationId xmlns:a16="http://schemas.microsoft.com/office/drawing/2014/main" id="{6ED938B7-0DA1-43BC-9526-150F1BEBF526}"/>
-                </a:ext>
-              </a:extLst>
-            </p:cNvPr>
-            <p:cNvSpPr/>
-            <p:nvPr/>
-          </p:nvSpPr>
-          <p:spPr>
-            <a:xfrm rot="5400000">
-              <a:off x="2934036" y="4116314"/>
-              <a:ext cx="1175907" cy="247972"/>
-            </a:xfrm>
-            <a:prstGeom prst="bentArrow">
-              <a:avLst/>
-            </a:prstGeom>
-            <a:noFill/>
-            <a:ln>
-              <a:solidFill>
-                <a:schemeClr val="tx1"/>
-              </a:solidFill>
-            </a:ln>
-          </p:spPr>
-          <p:style>
-            <a:lnRef idx="2">
-              <a:schemeClr val="accent1">
-                <a:shade val="50000"/>
-              </a:schemeClr>
-            </a:lnRef>
-            <a:fillRef idx="1">
-              <a:schemeClr val="accent1"/>
-            </a:fillRef>
-            <a:effectRef idx="0">
-              <a:schemeClr val="accent1"/>
-            </a:effectRef>
-            <a:fontRef idx="minor">
-              <a:schemeClr val="lt1"/>
-            </a:fontRef>
-          </p:style>
-          <p:txBody>
-            <a:bodyPr rtlCol="0" anchor="ctr"/>
-            <a:lstStyle/>
-            <a:p>
-              <a:pPr algn="ctr"/>
-              <a:endParaRPr lang="en-US">
-                <a:solidFill>
-                  <a:schemeClr val="tx1"/>
-                </a:solidFill>
-              </a:endParaRPr>
-            </a:p>
-          </p:txBody>
-        </p:sp>
-        <p:sp>
-          <p:nvSpPr>
-            <p:cNvPr id="108" name="Arrow: Bent 107">
-              <a:extLst>
-                <a:ext uri="{FF2B5EF4-FFF2-40B4-BE49-F238E27FC236}">
-                  <a16:creationId xmlns:a16="http://schemas.microsoft.com/office/drawing/2014/main" id="{32DA8B2E-1BD8-40D4-8BBD-3066870ECC8F}"/>
-                </a:ext>
-              </a:extLst>
-            </p:cNvPr>
-            <p:cNvSpPr/>
-            <p:nvPr/>
-          </p:nvSpPr>
-          <p:spPr>
-            <a:xfrm rot="5400000" flipH="1">
-              <a:off x="2790246" y="2303353"/>
-              <a:ext cx="1419605" cy="207469"/>
-            </a:xfrm>
-            <a:prstGeom prst="bentArrow">
-              <a:avLst/>
-            </a:prstGeom>
-            <a:noFill/>
-            <a:ln>
-              <a:solidFill>
-                <a:schemeClr val="tx1"/>
-              </a:solidFill>
-            </a:ln>
-          </p:spPr>
-          <p:style>
-            <a:lnRef idx="2">
-              <a:schemeClr val="accent1">
-                <a:shade val="50000"/>
-              </a:schemeClr>
-            </a:lnRef>
-            <a:fillRef idx="1">
-              <a:schemeClr val="accent1"/>
-            </a:fillRef>
-            <a:effectRef idx="0">
-              <a:schemeClr val="accent1"/>
-            </a:effectRef>
-            <a:fontRef idx="minor">
-              <a:schemeClr val="lt1"/>
-            </a:fontRef>
-          </p:style>
-          <p:txBody>
-            <a:bodyPr rtlCol="0" anchor="ctr"/>
-            <a:lstStyle/>
-            <a:p>
-              <a:pPr algn="ctr"/>
-              <a:endParaRPr lang="en-US" dirty="0">
-                <a:solidFill>
-                  <a:schemeClr val="tx1"/>
-                </a:solidFill>
-              </a:endParaRPr>
-            </a:p>
-          </p:txBody>
-        </p:sp>
-        <p:sp>
-          <p:nvSpPr>
-            <p:cNvPr id="91" name="TextBox 90">
-              <a:extLst>
-                <a:ext uri="{FF2B5EF4-FFF2-40B4-BE49-F238E27FC236}">
-                  <a16:creationId xmlns:a16="http://schemas.microsoft.com/office/drawing/2014/main" id="{399BDE28-F842-47BE-80A0-FA98B0DACDFF}"/>
-                </a:ext>
-              </a:extLst>
-            </p:cNvPr>
-            <p:cNvSpPr txBox="1"/>
-            <p:nvPr/>
-          </p:nvSpPr>
-          <p:spPr>
-            <a:xfrm>
-              <a:off x="4196022" y="22278"/>
-              <a:ext cx="650928" cy="369332"/>
-            </a:xfrm>
-            <a:prstGeom prst="rect">
-              <a:avLst/>
-            </a:prstGeom>
-            <a:solidFill>
-              <a:schemeClr val="bg1"/>
-            </a:solidFill>
-            <a:ln>
-              <a:solidFill>
-                <a:schemeClr val="tx1"/>
-              </a:solidFill>
-            </a:ln>
-          </p:spPr>
-          <p:txBody>
-            <a:bodyPr wrap="square" rtlCol="0">
-              <a:spAutoFit/>
-            </a:bodyPr>
-            <a:lstStyle/>
-            <a:p>
-              <a:pPr algn="ctr"/>
-              <a:r>
-                <a:rPr lang="en-US" dirty="0"/>
-                <a:t>Nu1</a:t>
-              </a:r>
-            </a:p>
-          </p:txBody>
-        </p:sp>
-        <p:cxnSp>
-          <p:nvCxnSpPr>
-            <p:cNvPr id="109" name="Straight Arrow Connector 108">
-              <a:extLst>
-                <a:ext uri="{FF2B5EF4-FFF2-40B4-BE49-F238E27FC236}">
-                  <a16:creationId xmlns:a16="http://schemas.microsoft.com/office/drawing/2014/main" id="{5FB7EB3E-3C5C-488F-B72E-56757EADE1F0}"/>
-                </a:ext>
-              </a:extLst>
-            </p:cNvPr>
-            <p:cNvCxnSpPr>
-              <a:cxnSpLocks/>
-            </p:cNvCxnSpPr>
-            <p:nvPr/>
-          </p:nvCxnSpPr>
-          <p:spPr>
-            <a:xfrm>
-              <a:off x="4536737" y="1959410"/>
-              <a:ext cx="14077" cy="2592124"/>
-            </a:xfrm>
-            <a:prstGeom prst="straightConnector1">
-              <a:avLst/>
-            </a:prstGeom>
-            <a:ln w="38100">
-              <a:solidFill>
-                <a:schemeClr val="tx1"/>
-              </a:solidFill>
-              <a:tailEnd type="triangle"/>
-            </a:ln>
-          </p:spPr>
-          <p:style>
-            <a:lnRef idx="1">
-              <a:schemeClr val="accent1"/>
-            </a:lnRef>
-            <a:fillRef idx="0">
-              <a:schemeClr val="accent1"/>
-            </a:fillRef>
-            <a:effectRef idx="0">
-              <a:schemeClr val="accent1"/>
-            </a:effectRef>
-            <a:fontRef idx="minor">
-              <a:schemeClr val="tx1"/>
-            </a:fontRef>
-          </p:style>
-        </p:cxnSp>
-        <p:cxnSp>
-          <p:nvCxnSpPr>
-            <p:cNvPr id="110" name="Straight Arrow Connector 109">
-              <a:extLst>
-                <a:ext uri="{FF2B5EF4-FFF2-40B4-BE49-F238E27FC236}">
-                  <a16:creationId xmlns:a16="http://schemas.microsoft.com/office/drawing/2014/main" id="{792D3992-17BB-462D-AF16-6310EF90509F}"/>
-                </a:ext>
-              </a:extLst>
-            </p:cNvPr>
-            <p:cNvCxnSpPr>
-              <a:cxnSpLocks/>
-            </p:cNvCxnSpPr>
-            <p:nvPr/>
-          </p:nvCxnSpPr>
-          <p:spPr>
-            <a:xfrm flipV="1">
-              <a:off x="3970591" y="1820618"/>
-              <a:ext cx="1" cy="2880922"/>
-            </a:xfrm>
-            <a:prstGeom prst="straightConnector1">
-              <a:avLst/>
-            </a:prstGeom>
-            <a:ln w="38100">
-              <a:solidFill>
-                <a:schemeClr val="tx1"/>
-              </a:solidFill>
-              <a:tailEnd type="triangle"/>
-            </a:ln>
-          </p:spPr>
-          <p:style>
-            <a:lnRef idx="1">
-              <a:schemeClr val="accent1"/>
-            </a:lnRef>
-            <a:fillRef idx="0">
-              <a:schemeClr val="accent1"/>
-            </a:fillRef>
-            <a:effectRef idx="0">
-              <a:schemeClr val="accent1"/>
-            </a:effectRef>
-            <a:fontRef idx="minor">
-              <a:schemeClr val="tx1"/>
-            </a:fontRef>
-          </p:style>
-        </p:cxnSp>
-        <p:sp>
-          <p:nvSpPr>
-            <p:cNvPr id="111" name="TextBox 110">
-              <a:extLst>
-                <a:ext uri="{FF2B5EF4-FFF2-40B4-BE49-F238E27FC236}">
-                  <a16:creationId xmlns:a16="http://schemas.microsoft.com/office/drawing/2014/main" id="{3470A00B-2B9F-4E1E-8DA6-D1FFB0DD3EAF}"/>
-                </a:ext>
-              </a:extLst>
-            </p:cNvPr>
-            <p:cNvSpPr txBox="1"/>
-            <p:nvPr/>
-          </p:nvSpPr>
-          <p:spPr>
-            <a:xfrm>
-              <a:off x="3667563" y="3178877"/>
-              <a:ext cx="567699" cy="307777"/>
-            </a:xfrm>
-            <a:prstGeom prst="rect">
-              <a:avLst/>
-            </a:prstGeom>
-            <a:solidFill>
-              <a:schemeClr val="bg1"/>
-            </a:solidFill>
-            <a:ln>
-              <a:solidFill>
-                <a:schemeClr val="tx1"/>
-              </a:solidFill>
-            </a:ln>
-          </p:spPr>
-          <p:txBody>
-            <a:bodyPr wrap="square" rtlCol="0">
-              <a:spAutoFit/>
-            </a:bodyPr>
-            <a:lstStyle/>
-            <a:p>
-              <a:pPr algn="ctr"/>
-              <a:r>
-                <a:rPr lang="en-US" sz="1400" dirty="0"/>
-                <a:t>m12</a:t>
-              </a:r>
-            </a:p>
-          </p:txBody>
-        </p:sp>
-        <p:sp>
-          <p:nvSpPr>
-            <p:cNvPr id="112" name="TextBox 111">
-              <a:extLst>
-                <a:ext uri="{FF2B5EF4-FFF2-40B4-BE49-F238E27FC236}">
-                  <a16:creationId xmlns:a16="http://schemas.microsoft.com/office/drawing/2014/main" id="{145F8EAF-47D4-45F1-8492-A4B1091AE8C3}"/>
-                </a:ext>
-              </a:extLst>
-            </p:cNvPr>
-            <p:cNvSpPr txBox="1"/>
-            <p:nvPr/>
-          </p:nvSpPr>
-          <p:spPr>
-            <a:xfrm>
-              <a:off x="4237636" y="3178774"/>
-              <a:ext cx="567699" cy="307777"/>
-            </a:xfrm>
-            <a:prstGeom prst="rect">
-              <a:avLst/>
-            </a:prstGeom>
-            <a:solidFill>
-              <a:schemeClr val="bg1"/>
-            </a:solidFill>
-            <a:ln>
-              <a:solidFill>
-                <a:schemeClr val="tx1"/>
-              </a:solidFill>
-            </a:ln>
-          </p:spPr>
-          <p:txBody>
-            <a:bodyPr wrap="square" rtlCol="0">
-              <a:spAutoFit/>
-            </a:bodyPr>
-            <a:lstStyle/>
-            <a:p>
-              <a:pPr algn="ctr"/>
-              <a:r>
-                <a:rPr lang="en-US" sz="1400" dirty="0"/>
-                <a:t>m21</a:t>
-              </a:r>
-            </a:p>
-          </p:txBody>
-        </p:sp>
       </p:grpSp>
     </p:spTree>
     <p:extLst>
@@ -5063,10 +5079,9 @@
             <a:p>
               <a:pPr algn="ctr"/>
               <a:r>
-                <a:rPr lang="en-US" dirty="0" err="1"/>
+                <a:rPr lang="en-US" dirty="0"/>
                 <a:t>NuA</a:t>
               </a:r>
-              <a:endParaRPr lang="en-US" dirty="0"/>
             </a:p>
           </p:txBody>
         </p:sp>
@@ -5107,12 +5122,8 @@
             <a:p>
               <a:pPr algn="ctr"/>
               <a:r>
-                <a:rPr lang="en-US" sz="1400" dirty="0" err="1"/>
-                <a:t>NuA</a:t>
-              </a:r>
-              <a:r>
                 <a:rPr lang="en-US" sz="1400" dirty="0"/>
-                <a:t> - s</a:t>
+                <a:t>NuA - s</a:t>
               </a:r>
             </a:p>
           </p:txBody>
@@ -6281,10 +6292,9 @@
             <a:p>
               <a:pPr algn="ctr"/>
               <a:r>
-                <a:rPr lang="en-US" dirty="0" err="1"/>
+                <a:rPr lang="en-US" dirty="0"/>
                 <a:t>NuA</a:t>
               </a:r>
-              <a:endParaRPr lang="en-US" dirty="0"/>
             </a:p>
           </p:txBody>
         </p:sp>
@@ -6325,12 +6335,8 @@
             <a:p>
               <a:pPr algn="ctr"/>
               <a:r>
-                <a:rPr lang="en-US" sz="1400" dirty="0" err="1"/>
-                <a:t>NuA</a:t>
-              </a:r>
-              <a:r>
                 <a:rPr lang="en-US" sz="1400" dirty="0"/>
-                <a:t> - s</a:t>
+                <a:t>NuA - s</a:t>
               </a:r>
             </a:p>
           </p:txBody>
@@ -7819,10 +7825,9 @@
             <a:p>
               <a:pPr algn="ctr"/>
               <a:r>
-                <a:rPr lang="en-US" dirty="0" err="1"/>
+                <a:rPr lang="en-US" dirty="0"/>
                 <a:t>NuA</a:t>
               </a:r>
-              <a:endParaRPr lang="en-US" dirty="0"/>
             </a:p>
           </p:txBody>
         </p:sp>
@@ -7863,12 +7868,8 @@
             <a:p>
               <a:pPr algn="ctr"/>
               <a:r>
-                <a:rPr lang="en-US" sz="1400" dirty="0" err="1"/>
-                <a:t>NuA</a:t>
-              </a:r>
-              <a:r>
                 <a:rPr lang="en-US" sz="1400" dirty="0"/>
-                <a:t> - s</a:t>
+                <a:t>NuA - s</a:t>
               </a:r>
             </a:p>
           </p:txBody>
@@ -9004,10 +9005,9 @@
             <a:p>
               <a:pPr algn="ctr"/>
               <a:r>
-                <a:rPr lang="en-US" dirty="0" err="1"/>
+                <a:rPr lang="en-US" dirty="0"/>
                 <a:t>Ti</a:t>
               </a:r>
-              <a:endParaRPr lang="en-US" dirty="0"/>
             </a:p>
           </p:txBody>
         </p:sp>
@@ -9433,10 +9433,9 @@
               <a:p>
                 <a:pPr algn="ctr"/>
                 <a:r>
-                  <a:rPr lang="en-US" dirty="0" err="1"/>
+                  <a:rPr lang="en-US" dirty="0"/>
                   <a:t>NuA</a:t>
                 </a:r>
-                <a:endParaRPr lang="en-US" dirty="0"/>
               </a:p>
             </p:txBody>
           </p:sp>
@@ -11204,6 +11203,5063 @@
 </p:sld>
 </file>
 
+<file path=ppt/slides/slide5.xml><?xml version="1.0" encoding="utf-8"?>
+<p:sld xmlns:a="http://schemas.openxmlformats.org/drawingml/2006/main" xmlns:r="http://schemas.openxmlformats.org/officeDocument/2006/relationships" xmlns:p="http://schemas.openxmlformats.org/presentationml/2006/main">
+  <p:cSld>
+    <p:spTree>
+      <p:nvGrpSpPr>
+        <p:cNvPr id="1" name=""/>
+        <p:cNvGrpSpPr/>
+        <p:nvPr/>
+      </p:nvGrpSpPr>
+      <p:grpSpPr>
+        <a:xfrm>
+          <a:off x="0" y="0"/>
+          <a:ext cx="0" cy="0"/>
+          <a:chOff x="0" y="0"/>
+          <a:chExt cx="0" cy="0"/>
+        </a:xfrm>
+      </p:grpSpPr>
+      <p:grpSp>
+        <p:nvGrpSpPr>
+          <p:cNvPr id="4" name="Group 3">
+            <a:extLst>
+              <a:ext uri="{FF2B5EF4-FFF2-40B4-BE49-F238E27FC236}">
+                <a16:creationId xmlns:a16="http://schemas.microsoft.com/office/drawing/2014/main" id="{622E4A9F-33DF-4D04-8A45-10F318EDD4EA}"/>
+              </a:ext>
+            </a:extLst>
+          </p:cNvPr>
+          <p:cNvGrpSpPr/>
+          <p:nvPr/>
+        </p:nvGrpSpPr>
+        <p:grpSpPr>
+          <a:xfrm>
+            <a:off x="194209" y="905253"/>
+            <a:ext cx="3493767" cy="5023934"/>
+            <a:chOff x="2398387" y="22278"/>
+            <a:chExt cx="4602103" cy="6617693"/>
+          </a:xfrm>
+        </p:grpSpPr>
+        <p:grpSp>
+          <p:nvGrpSpPr>
+            <p:cNvPr id="5" name="Group 4">
+              <a:extLst>
+                <a:ext uri="{FF2B5EF4-FFF2-40B4-BE49-F238E27FC236}">
+                  <a16:creationId xmlns:a16="http://schemas.microsoft.com/office/drawing/2014/main" id="{AF975B36-0557-4531-A7C7-687E142E9687}"/>
+                </a:ext>
+              </a:extLst>
+            </p:cNvPr>
+            <p:cNvGrpSpPr/>
+            <p:nvPr/>
+          </p:nvGrpSpPr>
+          <p:grpSpPr>
+            <a:xfrm>
+              <a:off x="3392464" y="5976415"/>
+              <a:ext cx="1144275" cy="663556"/>
+              <a:chOff x="312066" y="5680820"/>
+              <a:chExt cx="1005290" cy="663556"/>
+            </a:xfrm>
+          </p:grpSpPr>
+          <p:sp>
+            <p:nvSpPr>
+              <p:cNvPr id="36" name="Left Brace 35">
+                <a:extLst>
+                  <a:ext uri="{FF2B5EF4-FFF2-40B4-BE49-F238E27FC236}">
+                    <a16:creationId xmlns:a16="http://schemas.microsoft.com/office/drawing/2014/main" id="{DDEDCF58-7FE3-44A8-ABD2-5BC3BF244798}"/>
+                  </a:ext>
+                </a:extLst>
+              </p:cNvPr>
+              <p:cNvSpPr/>
+              <p:nvPr/>
+            </p:nvSpPr>
+            <p:spPr>
+              <a:xfrm rot="16200000">
+                <a:off x="661932" y="5344352"/>
+                <a:ext cx="318956" cy="991892"/>
+              </a:xfrm>
+              <a:prstGeom prst="leftBrace">
+                <a:avLst/>
+              </a:prstGeom>
+              <a:ln w="19050">
+                <a:solidFill>
+                  <a:schemeClr val="tx1">
+                    <a:lumMod val="85000"/>
+                    <a:lumOff val="15000"/>
+                  </a:schemeClr>
+                </a:solidFill>
+              </a:ln>
+            </p:spPr>
+            <p:style>
+              <a:lnRef idx="1">
+                <a:schemeClr val="accent1"/>
+              </a:lnRef>
+              <a:fillRef idx="0">
+                <a:schemeClr val="accent1"/>
+              </a:fillRef>
+              <a:effectRef idx="0">
+                <a:schemeClr val="accent1"/>
+              </a:effectRef>
+              <a:fontRef idx="minor">
+                <a:schemeClr val="tx1"/>
+              </a:fontRef>
+            </p:style>
+            <p:txBody>
+              <a:bodyPr rtlCol="0" anchor="ctr"/>
+              <a:lstStyle/>
+              <a:p>
+                <a:pPr algn="ctr"/>
+                <a:endParaRPr lang="en-US" sz="1050" dirty="0"/>
+              </a:p>
+            </p:txBody>
+          </p:sp>
+          <p:sp>
+            <p:nvSpPr>
+              <p:cNvPr id="37" name="TextBox 36">
+                <a:extLst>
+                  <a:ext uri="{FF2B5EF4-FFF2-40B4-BE49-F238E27FC236}">
+                    <a16:creationId xmlns:a16="http://schemas.microsoft.com/office/drawing/2014/main" id="{82227B8C-622E-4BA2-A1C7-718561678835}"/>
+                  </a:ext>
+                </a:extLst>
+              </p:cNvPr>
+              <p:cNvSpPr txBox="1"/>
+              <p:nvPr/>
+            </p:nvSpPr>
+            <p:spPr>
+              <a:xfrm>
+                <a:off x="312066" y="5999775"/>
+                <a:ext cx="991891" cy="344601"/>
+              </a:xfrm>
+              <a:prstGeom prst="rect">
+                <a:avLst/>
+              </a:prstGeom>
+              <a:noFill/>
+            </p:spPr>
+            <p:txBody>
+              <a:bodyPr wrap="square" rtlCol="0">
+                <a:spAutoFit/>
+              </a:bodyPr>
+              <a:lstStyle/>
+              <a:p>
+                <a:pPr algn="ctr"/>
+                <a:r>
+                  <a:rPr lang="en-US" sz="1050" dirty="0"/>
+                  <a:t>Ti</a:t>
+                </a:r>
+              </a:p>
+            </p:txBody>
+          </p:sp>
+        </p:grpSp>
+        <p:grpSp>
+          <p:nvGrpSpPr>
+            <p:cNvPr id="6" name="Group 5">
+              <a:extLst>
+                <a:ext uri="{FF2B5EF4-FFF2-40B4-BE49-F238E27FC236}">
+                  <a16:creationId xmlns:a16="http://schemas.microsoft.com/office/drawing/2014/main" id="{7645A2CB-6173-446C-B915-F4533869A617}"/>
+                </a:ext>
+              </a:extLst>
+            </p:cNvPr>
+            <p:cNvGrpSpPr/>
+            <p:nvPr/>
+          </p:nvGrpSpPr>
+          <p:grpSpPr>
+            <a:xfrm>
+              <a:off x="2398387" y="22278"/>
+              <a:ext cx="4602103" cy="5954142"/>
+              <a:chOff x="2398387" y="22278"/>
+              <a:chExt cx="4602103" cy="5954142"/>
+            </a:xfrm>
+          </p:grpSpPr>
+          <p:sp>
+            <p:nvSpPr>
+              <p:cNvPr id="7" name="Rectangle 6">
+                <a:extLst>
+                  <a:ext uri="{FF2B5EF4-FFF2-40B4-BE49-F238E27FC236}">
+                    <a16:creationId xmlns:a16="http://schemas.microsoft.com/office/drawing/2014/main" id="{5066DC5C-2E9F-494D-B8DC-37B4798C6AE7}"/>
+                  </a:ext>
+                </a:extLst>
+              </p:cNvPr>
+              <p:cNvSpPr/>
+              <p:nvPr/>
+            </p:nvSpPr>
+            <p:spPr>
+              <a:xfrm>
+                <a:off x="2398387" y="2338481"/>
+                <a:ext cx="991892" cy="1903879"/>
+              </a:xfrm>
+              <a:prstGeom prst="rect">
+                <a:avLst/>
+              </a:prstGeom>
+              <a:solidFill>
+                <a:schemeClr val="bg1"/>
+              </a:solidFill>
+              <a:ln>
+                <a:solidFill>
+                  <a:schemeClr val="tx1"/>
+                </a:solidFill>
+              </a:ln>
+            </p:spPr>
+            <p:style>
+              <a:lnRef idx="2">
+                <a:schemeClr val="accent1">
+                  <a:shade val="50000"/>
+                </a:schemeClr>
+              </a:lnRef>
+              <a:fillRef idx="1">
+                <a:schemeClr val="accent1"/>
+              </a:fillRef>
+              <a:effectRef idx="0">
+                <a:schemeClr val="accent1"/>
+              </a:effectRef>
+              <a:fontRef idx="minor">
+                <a:schemeClr val="lt1"/>
+              </a:fontRef>
+            </p:style>
+            <p:txBody>
+              <a:bodyPr rtlCol="0" anchor="ctr"/>
+              <a:lstStyle/>
+              <a:p>
+                <a:pPr algn="ctr"/>
+                <a:endParaRPr lang="en-US" sz="1050"/>
+              </a:p>
+            </p:txBody>
+          </p:sp>
+          <p:sp>
+            <p:nvSpPr>
+              <p:cNvPr id="8" name="TextBox 7">
+                <a:extLst>
+                  <a:ext uri="{FF2B5EF4-FFF2-40B4-BE49-F238E27FC236}">
+                    <a16:creationId xmlns:a16="http://schemas.microsoft.com/office/drawing/2014/main" id="{594B468C-3F79-46F5-9920-C8E7D799FB15}"/>
+                  </a:ext>
+                </a:extLst>
+              </p:cNvPr>
+              <p:cNvSpPr txBox="1"/>
+              <p:nvPr/>
+            </p:nvSpPr>
+            <p:spPr>
+              <a:xfrm>
+                <a:off x="2539680" y="1820618"/>
+                <a:ext cx="650927" cy="344601"/>
+              </a:xfrm>
+              <a:prstGeom prst="rect">
+                <a:avLst/>
+              </a:prstGeom>
+              <a:solidFill>
+                <a:schemeClr val="bg1"/>
+              </a:solidFill>
+              <a:ln>
+                <a:solidFill>
+                  <a:schemeClr val="tx1"/>
+                </a:solidFill>
+              </a:ln>
+            </p:spPr>
+            <p:txBody>
+              <a:bodyPr wrap="square" rtlCol="0">
+                <a:spAutoFit/>
+              </a:bodyPr>
+              <a:lstStyle/>
+              <a:p>
+                <a:pPr algn="ctr"/>
+                <a:r>
+                  <a:rPr lang="en-US" sz="1050" dirty="0"/>
+                  <a:t>NuA</a:t>
+                </a:r>
+              </a:p>
+            </p:txBody>
+          </p:sp>
+          <p:sp>
+            <p:nvSpPr>
+              <p:cNvPr id="9" name="TextBox 8">
+                <a:extLst>
+                  <a:ext uri="{FF2B5EF4-FFF2-40B4-BE49-F238E27FC236}">
+                    <a16:creationId xmlns:a16="http://schemas.microsoft.com/office/drawing/2014/main" id="{DE35303B-34F2-407F-9A67-F6D394E43EA1}"/>
+                  </a:ext>
+                </a:extLst>
+              </p:cNvPr>
+              <p:cNvSpPr txBox="1"/>
+              <p:nvPr/>
+            </p:nvSpPr>
+            <p:spPr>
+              <a:xfrm>
+                <a:off x="2863190" y="30108"/>
+                <a:ext cx="1146873" cy="344599"/>
+              </a:xfrm>
+              <a:prstGeom prst="rect">
+                <a:avLst/>
+              </a:prstGeom>
+              <a:solidFill>
+                <a:schemeClr val="bg1"/>
+              </a:solidFill>
+              <a:ln>
+                <a:solidFill>
+                  <a:schemeClr val="tx1"/>
+                </a:solidFill>
+              </a:ln>
+            </p:spPr>
+            <p:txBody>
+              <a:bodyPr wrap="square" rtlCol="0">
+                <a:spAutoFit/>
+              </a:bodyPr>
+              <a:lstStyle/>
+              <a:p>
+                <a:pPr algn="ctr"/>
+                <a:r>
+                  <a:rPr lang="en-US" sz="1050" dirty="0"/>
+                  <a:t>NuA - s</a:t>
+                </a:r>
+              </a:p>
+            </p:txBody>
+          </p:sp>
+          <p:cxnSp>
+            <p:nvCxnSpPr>
+              <p:cNvPr id="10" name="Straight Connector 9">
+                <a:extLst>
+                  <a:ext uri="{FF2B5EF4-FFF2-40B4-BE49-F238E27FC236}">
+                    <a16:creationId xmlns:a16="http://schemas.microsoft.com/office/drawing/2014/main" id="{6ECFACFC-75F4-4A90-A9D3-FF41F2EFFDD9}"/>
+                  </a:ext>
+                </a:extLst>
+              </p:cNvPr>
+              <p:cNvCxnSpPr>
+                <a:cxnSpLocks/>
+              </p:cNvCxnSpPr>
+              <p:nvPr/>
+            </p:nvCxnSpPr>
+            <p:spPr>
+              <a:xfrm>
+                <a:off x="3277891" y="3591602"/>
+                <a:ext cx="247973" cy="0"/>
+              </a:xfrm>
+              <a:prstGeom prst="line">
+                <a:avLst/>
+              </a:prstGeom>
+              <a:ln w="12700">
+                <a:solidFill>
+                  <a:schemeClr val="tx1"/>
+                </a:solidFill>
+                <a:prstDash val="sysDot"/>
+              </a:ln>
+            </p:spPr>
+            <p:style>
+              <a:lnRef idx="1">
+                <a:schemeClr val="accent1"/>
+              </a:lnRef>
+              <a:fillRef idx="0">
+                <a:schemeClr val="accent1"/>
+              </a:fillRef>
+              <a:effectRef idx="0">
+                <a:schemeClr val="accent1"/>
+              </a:effectRef>
+              <a:fontRef idx="minor">
+                <a:schemeClr val="tx1"/>
+              </a:fontRef>
+            </p:style>
+          </p:cxnSp>
+          <p:cxnSp>
+            <p:nvCxnSpPr>
+              <p:cNvPr id="11" name="Straight Connector 10">
+                <a:extLst>
+                  <a:ext uri="{FF2B5EF4-FFF2-40B4-BE49-F238E27FC236}">
+                    <a16:creationId xmlns:a16="http://schemas.microsoft.com/office/drawing/2014/main" id="{D9958A00-8D7B-4F31-99AD-C2AEF8CCC8CC}"/>
+                  </a:ext>
+                </a:extLst>
+              </p:cNvPr>
+              <p:cNvCxnSpPr>
+                <a:cxnSpLocks/>
+              </p:cNvCxnSpPr>
+              <p:nvPr/>
+            </p:nvCxnSpPr>
+            <p:spPr>
+              <a:xfrm flipV="1">
+                <a:off x="3407711" y="662072"/>
+                <a:ext cx="1145181" cy="369333"/>
+              </a:xfrm>
+              <a:prstGeom prst="line">
+                <a:avLst/>
+              </a:prstGeom>
+              <a:ln w="12700">
+                <a:solidFill>
+                  <a:schemeClr val="tx1"/>
+                </a:solidFill>
+              </a:ln>
+            </p:spPr>
+            <p:style>
+              <a:lnRef idx="1">
+                <a:schemeClr val="accent1"/>
+              </a:lnRef>
+              <a:fillRef idx="0">
+                <a:schemeClr val="accent1"/>
+              </a:fillRef>
+              <a:effectRef idx="0">
+                <a:schemeClr val="accent1"/>
+              </a:effectRef>
+              <a:fontRef idx="minor">
+                <a:schemeClr val="tx1"/>
+              </a:fontRef>
+            </p:style>
+          </p:cxnSp>
+          <p:cxnSp>
+            <p:nvCxnSpPr>
+              <p:cNvPr id="12" name="Straight Connector 11">
+                <a:extLst>
+                  <a:ext uri="{FF2B5EF4-FFF2-40B4-BE49-F238E27FC236}">
+                    <a16:creationId xmlns:a16="http://schemas.microsoft.com/office/drawing/2014/main" id="{012B59A7-AE91-4DCA-91F9-19A6BC91266E}"/>
+                  </a:ext>
+                </a:extLst>
+              </p:cNvPr>
+              <p:cNvCxnSpPr>
+                <a:cxnSpLocks/>
+              </p:cNvCxnSpPr>
+              <p:nvPr/>
+            </p:nvCxnSpPr>
+            <p:spPr>
+              <a:xfrm>
+                <a:off x="3407711" y="1650538"/>
+                <a:ext cx="1145181" cy="310991"/>
+              </a:xfrm>
+              <a:prstGeom prst="line">
+                <a:avLst/>
+              </a:prstGeom>
+              <a:ln w="12700">
+                <a:solidFill>
+                  <a:schemeClr val="tx1"/>
+                </a:solidFill>
+              </a:ln>
+            </p:spPr>
+            <p:style>
+              <a:lnRef idx="1">
+                <a:schemeClr val="accent1"/>
+              </a:lnRef>
+              <a:fillRef idx="0">
+                <a:schemeClr val="accent1"/>
+              </a:fillRef>
+              <a:effectRef idx="0">
+                <a:schemeClr val="accent1"/>
+              </a:effectRef>
+              <a:fontRef idx="minor">
+                <a:schemeClr val="tx1"/>
+              </a:fontRef>
+            </p:style>
+          </p:cxnSp>
+          <p:cxnSp>
+            <p:nvCxnSpPr>
+              <p:cNvPr id="13" name="Straight Connector 12">
+                <a:extLst>
+                  <a:ext uri="{FF2B5EF4-FFF2-40B4-BE49-F238E27FC236}">
+                    <a16:creationId xmlns:a16="http://schemas.microsoft.com/office/drawing/2014/main" id="{C9D78F39-A06C-44A1-A916-5D70DA0C008E}"/>
+                  </a:ext>
+                </a:extLst>
+              </p:cNvPr>
+              <p:cNvCxnSpPr>
+                <a:cxnSpLocks/>
+              </p:cNvCxnSpPr>
+              <p:nvPr/>
+            </p:nvCxnSpPr>
+            <p:spPr>
+              <a:xfrm>
+                <a:off x="3407711" y="1031405"/>
+                <a:ext cx="0" cy="625790"/>
+              </a:xfrm>
+              <a:prstGeom prst="line">
+                <a:avLst/>
+              </a:prstGeom>
+              <a:ln w="12700">
+                <a:solidFill>
+                  <a:schemeClr val="tx1"/>
+                </a:solidFill>
+              </a:ln>
+            </p:spPr>
+            <p:style>
+              <a:lnRef idx="1">
+                <a:schemeClr val="accent1"/>
+              </a:lnRef>
+              <a:fillRef idx="0">
+                <a:schemeClr val="accent1"/>
+              </a:fillRef>
+              <a:effectRef idx="0">
+                <a:schemeClr val="accent1"/>
+              </a:effectRef>
+              <a:fontRef idx="minor">
+                <a:schemeClr val="tx1"/>
+              </a:fontRef>
+            </p:style>
+          </p:cxnSp>
+          <p:cxnSp>
+            <p:nvCxnSpPr>
+              <p:cNvPr id="14" name="Straight Connector 13">
+                <a:extLst>
+                  <a:ext uri="{FF2B5EF4-FFF2-40B4-BE49-F238E27FC236}">
+                    <a16:creationId xmlns:a16="http://schemas.microsoft.com/office/drawing/2014/main" id="{AAB88BF0-D56D-46F3-9DB2-2F8BC9CDCD26}"/>
+                  </a:ext>
+                </a:extLst>
+              </p:cNvPr>
+              <p:cNvCxnSpPr>
+                <a:cxnSpLocks/>
+              </p:cNvCxnSpPr>
+              <p:nvPr/>
+            </p:nvCxnSpPr>
+            <p:spPr>
+              <a:xfrm>
+                <a:off x="4540158" y="659953"/>
+                <a:ext cx="8593" cy="1299457"/>
+              </a:xfrm>
+              <a:prstGeom prst="line">
+                <a:avLst/>
+              </a:prstGeom>
+              <a:ln w="12700">
+                <a:solidFill>
+                  <a:schemeClr val="tx1"/>
+                </a:solidFill>
+              </a:ln>
+            </p:spPr>
+            <p:style>
+              <a:lnRef idx="1">
+                <a:schemeClr val="accent1"/>
+              </a:lnRef>
+              <a:fillRef idx="0">
+                <a:schemeClr val="accent1"/>
+              </a:fillRef>
+              <a:effectRef idx="0">
+                <a:schemeClr val="accent1"/>
+              </a:effectRef>
+              <a:fontRef idx="minor">
+                <a:schemeClr val="tx1"/>
+              </a:fontRef>
+            </p:style>
+          </p:cxnSp>
+          <p:cxnSp>
+            <p:nvCxnSpPr>
+              <p:cNvPr id="15" name="Straight Connector 14">
+                <a:extLst>
+                  <a:ext uri="{FF2B5EF4-FFF2-40B4-BE49-F238E27FC236}">
+                    <a16:creationId xmlns:a16="http://schemas.microsoft.com/office/drawing/2014/main" id="{7A184DE4-6271-4ECB-9626-03753D86441C}"/>
+                  </a:ext>
+                </a:extLst>
+              </p:cNvPr>
+              <p:cNvCxnSpPr>
+                <a:cxnSpLocks/>
+              </p:cNvCxnSpPr>
+              <p:nvPr/>
+            </p:nvCxnSpPr>
+            <p:spPr>
+              <a:xfrm flipV="1">
+                <a:off x="3399608" y="361882"/>
+                <a:ext cx="0" cy="5614538"/>
+              </a:xfrm>
+              <a:prstGeom prst="line">
+                <a:avLst/>
+              </a:prstGeom>
+              <a:ln>
+                <a:solidFill>
+                  <a:schemeClr val="tx1">
+                    <a:lumMod val="85000"/>
+                    <a:lumOff val="15000"/>
+                  </a:schemeClr>
+                </a:solidFill>
+                <a:prstDash val="dash"/>
+              </a:ln>
+            </p:spPr>
+            <p:style>
+              <a:lnRef idx="1">
+                <a:schemeClr val="accent1"/>
+              </a:lnRef>
+              <a:fillRef idx="0">
+                <a:schemeClr val="accent1"/>
+              </a:fillRef>
+              <a:effectRef idx="0">
+                <a:schemeClr val="accent1"/>
+              </a:effectRef>
+              <a:fontRef idx="minor">
+                <a:schemeClr val="tx1"/>
+              </a:fontRef>
+            </p:style>
+          </p:cxnSp>
+          <p:cxnSp>
+            <p:nvCxnSpPr>
+              <p:cNvPr id="16" name="Straight Connector 15">
+                <a:extLst>
+                  <a:ext uri="{FF2B5EF4-FFF2-40B4-BE49-F238E27FC236}">
+                    <a16:creationId xmlns:a16="http://schemas.microsoft.com/office/drawing/2014/main" id="{6AC2E2CF-9632-4C95-B4BC-DE6FF21B9116}"/>
+                  </a:ext>
+                </a:extLst>
+              </p:cNvPr>
+              <p:cNvCxnSpPr>
+                <a:cxnSpLocks/>
+              </p:cNvCxnSpPr>
+              <p:nvPr/>
+            </p:nvCxnSpPr>
+            <p:spPr>
+              <a:xfrm flipV="1">
+                <a:off x="4536737" y="299076"/>
+                <a:ext cx="0" cy="5677344"/>
+              </a:xfrm>
+              <a:prstGeom prst="line">
+                <a:avLst/>
+              </a:prstGeom>
+              <a:ln>
+                <a:solidFill>
+                  <a:schemeClr val="tx1">
+                    <a:lumMod val="85000"/>
+                    <a:lumOff val="15000"/>
+                  </a:schemeClr>
+                </a:solidFill>
+                <a:prstDash val="dash"/>
+              </a:ln>
+            </p:spPr>
+            <p:style>
+              <a:lnRef idx="1">
+                <a:schemeClr val="accent1"/>
+              </a:lnRef>
+              <a:fillRef idx="0">
+                <a:schemeClr val="accent1"/>
+              </a:fillRef>
+              <a:effectRef idx="0">
+                <a:schemeClr val="accent1"/>
+              </a:effectRef>
+              <a:fontRef idx="minor">
+                <a:schemeClr val="tx1"/>
+              </a:fontRef>
+            </p:style>
+          </p:cxnSp>
+          <p:grpSp>
+            <p:nvGrpSpPr>
+              <p:cNvPr id="17" name="Group 16">
+                <a:extLst>
+                  <a:ext uri="{FF2B5EF4-FFF2-40B4-BE49-F238E27FC236}">
+                    <a16:creationId xmlns:a16="http://schemas.microsoft.com/office/drawing/2014/main" id="{2FEC79AB-8E63-402E-81E7-F8254A084A13}"/>
+                  </a:ext>
+                </a:extLst>
+              </p:cNvPr>
+              <p:cNvGrpSpPr/>
+              <p:nvPr/>
+            </p:nvGrpSpPr>
+            <p:grpSpPr>
+              <a:xfrm rot="16200000">
+                <a:off x="4505784" y="1096900"/>
+                <a:ext cx="2931648" cy="2057759"/>
+                <a:chOff x="325464" y="5278474"/>
+                <a:chExt cx="991892" cy="2057759"/>
+              </a:xfrm>
+            </p:grpSpPr>
+            <p:sp>
+              <p:nvSpPr>
+                <p:cNvPr id="34" name="Left Brace 33">
+                  <a:extLst>
+                    <a:ext uri="{FF2B5EF4-FFF2-40B4-BE49-F238E27FC236}">
+                      <a16:creationId xmlns:a16="http://schemas.microsoft.com/office/drawing/2014/main" id="{DDEBC8E5-54F7-4DD7-B163-7FE12821320F}"/>
+                    </a:ext>
+                  </a:extLst>
+                </p:cNvPr>
+                <p:cNvSpPr/>
+                <p:nvPr/>
+              </p:nvSpPr>
+              <p:spPr>
+                <a:xfrm rot="16200000">
+                  <a:off x="661932" y="4942006"/>
+                  <a:ext cx="318956" cy="991892"/>
+                </a:xfrm>
+                <a:prstGeom prst="leftBrace">
+                  <a:avLst/>
+                </a:prstGeom>
+                <a:ln w="19050">
+                  <a:solidFill>
+                    <a:schemeClr val="tx1">
+                      <a:lumMod val="85000"/>
+                      <a:lumOff val="15000"/>
+                    </a:schemeClr>
+                  </a:solidFill>
+                </a:ln>
+              </p:spPr>
+              <p:style>
+                <a:lnRef idx="1">
+                  <a:schemeClr val="accent1"/>
+                </a:lnRef>
+                <a:fillRef idx="0">
+                  <a:schemeClr val="accent1"/>
+                </a:fillRef>
+                <a:effectRef idx="0">
+                  <a:schemeClr val="accent1"/>
+                </a:effectRef>
+                <a:fontRef idx="minor">
+                  <a:schemeClr val="tx1"/>
+                </a:fontRef>
+              </p:style>
+              <p:txBody>
+                <a:bodyPr rtlCol="0" anchor="ctr"/>
+                <a:lstStyle/>
+                <a:p>
+                  <a:pPr algn="ctr"/>
+                  <a:endParaRPr lang="en-US" sz="1050"/>
+                </a:p>
+              </p:txBody>
+            </p:sp>
+            <p:sp>
+              <p:nvSpPr>
+                <p:cNvPr id="35" name="TextBox 34">
+                  <a:extLst>
+                    <a:ext uri="{FF2B5EF4-FFF2-40B4-BE49-F238E27FC236}">
+                      <a16:creationId xmlns:a16="http://schemas.microsoft.com/office/drawing/2014/main" id="{3700CDED-513C-4B55-BD29-1F5B99E5FCF3}"/>
+                    </a:ext>
+                  </a:extLst>
+                </p:cNvPr>
+                <p:cNvSpPr txBox="1"/>
+                <p:nvPr/>
+              </p:nvSpPr>
+              <p:spPr>
+                <a:xfrm rot="5400000">
+                  <a:off x="-118982" y="6335459"/>
+                  <a:ext cx="1884956" cy="116592"/>
+                </a:xfrm>
+                <a:prstGeom prst="rect">
+                  <a:avLst/>
+                </a:prstGeom>
+                <a:noFill/>
+              </p:spPr>
+              <p:txBody>
+                <a:bodyPr wrap="square" rtlCol="0">
+                  <a:spAutoFit/>
+                </a:bodyPr>
+                <a:lstStyle/>
+                <a:p>
+                  <a:pPr algn="ctr"/>
+                  <a:r>
+                    <a:rPr lang="en-US" sz="1050" dirty="0"/>
+                    <a:t>North America</a:t>
+                  </a:r>
+                </a:p>
+              </p:txBody>
+            </p:sp>
+          </p:grpSp>
+          <p:grpSp>
+            <p:nvGrpSpPr>
+              <p:cNvPr id="18" name="Group 17">
+                <a:extLst>
+                  <a:ext uri="{FF2B5EF4-FFF2-40B4-BE49-F238E27FC236}">
+                    <a16:creationId xmlns:a16="http://schemas.microsoft.com/office/drawing/2014/main" id="{40C2AF89-CF78-4D5C-B9EA-66F531D50EEE}"/>
+                  </a:ext>
+                </a:extLst>
+              </p:cNvPr>
+              <p:cNvGrpSpPr/>
+              <p:nvPr/>
+            </p:nvGrpSpPr>
+            <p:grpSpPr>
+              <a:xfrm rot="16200000">
+                <a:off x="5072952" y="3461386"/>
+                <a:ext cx="1797318" cy="2057758"/>
+                <a:chOff x="325464" y="5278476"/>
+                <a:chExt cx="991892" cy="2057758"/>
+              </a:xfrm>
+            </p:grpSpPr>
+            <p:sp>
+              <p:nvSpPr>
+                <p:cNvPr id="32" name="Left Brace 31">
+                  <a:extLst>
+                    <a:ext uri="{FF2B5EF4-FFF2-40B4-BE49-F238E27FC236}">
+                      <a16:creationId xmlns:a16="http://schemas.microsoft.com/office/drawing/2014/main" id="{CA0BDE55-CA39-42AC-B622-2805EC72DACE}"/>
+                    </a:ext>
+                  </a:extLst>
+                </p:cNvPr>
+                <p:cNvSpPr/>
+                <p:nvPr/>
+              </p:nvSpPr>
+              <p:spPr>
+                <a:xfrm rot="16200000">
+                  <a:off x="661932" y="4942008"/>
+                  <a:ext cx="318956" cy="991892"/>
+                </a:xfrm>
+                <a:prstGeom prst="leftBrace">
+                  <a:avLst/>
+                </a:prstGeom>
+                <a:ln w="19050">
+                  <a:solidFill>
+                    <a:schemeClr val="tx1">
+                      <a:lumMod val="85000"/>
+                      <a:lumOff val="15000"/>
+                    </a:schemeClr>
+                  </a:solidFill>
+                </a:ln>
+              </p:spPr>
+              <p:style>
+                <a:lnRef idx="1">
+                  <a:schemeClr val="accent1"/>
+                </a:lnRef>
+                <a:fillRef idx="0">
+                  <a:schemeClr val="accent1"/>
+                </a:fillRef>
+                <a:effectRef idx="0">
+                  <a:schemeClr val="accent1"/>
+                </a:effectRef>
+                <a:fontRef idx="minor">
+                  <a:schemeClr val="tx1"/>
+                </a:fontRef>
+              </p:style>
+              <p:txBody>
+                <a:bodyPr rtlCol="0" anchor="ctr"/>
+                <a:lstStyle/>
+                <a:p>
+                  <a:pPr algn="ctr"/>
+                  <a:endParaRPr lang="en-US" sz="1050"/>
+                </a:p>
+              </p:txBody>
+            </p:sp>
+            <p:sp>
+              <p:nvSpPr>
+                <p:cNvPr id="33" name="TextBox 32">
+                  <a:extLst>
+                    <a:ext uri="{FF2B5EF4-FFF2-40B4-BE49-F238E27FC236}">
+                      <a16:creationId xmlns:a16="http://schemas.microsoft.com/office/drawing/2014/main" id="{D6EE11F0-D1DB-45E4-B373-317C57F07290}"/>
+                    </a:ext>
+                  </a:extLst>
+                </p:cNvPr>
+                <p:cNvSpPr txBox="1"/>
+                <p:nvPr/>
+              </p:nvSpPr>
+              <p:spPr>
+                <a:xfrm rot="5400000">
+                  <a:off x="-155775" y="6298665"/>
+                  <a:ext cx="1884962" cy="190176"/>
+                </a:xfrm>
+                <a:prstGeom prst="rect">
+                  <a:avLst/>
+                </a:prstGeom>
+                <a:noFill/>
+              </p:spPr>
+              <p:txBody>
+                <a:bodyPr wrap="square" rtlCol="0">
+                  <a:spAutoFit/>
+                </a:bodyPr>
+                <a:lstStyle/>
+                <a:p>
+                  <a:pPr algn="ctr"/>
+                  <a:r>
+                    <a:rPr lang="en-US" sz="1050" dirty="0"/>
+                    <a:t>Hawaii</a:t>
+                  </a:r>
+                </a:p>
+              </p:txBody>
+            </p:sp>
+          </p:grpSp>
+          <p:cxnSp>
+            <p:nvCxnSpPr>
+              <p:cNvPr id="19" name="Straight Connector 18">
+                <a:extLst>
+                  <a:ext uri="{FF2B5EF4-FFF2-40B4-BE49-F238E27FC236}">
+                    <a16:creationId xmlns:a16="http://schemas.microsoft.com/office/drawing/2014/main" id="{044440BC-F652-40BD-92E5-89B97C0E6B11}"/>
+                  </a:ext>
+                </a:extLst>
+              </p:cNvPr>
+              <p:cNvCxnSpPr>
+                <a:cxnSpLocks/>
+              </p:cNvCxnSpPr>
+              <p:nvPr/>
+            </p:nvCxnSpPr>
+            <p:spPr>
+              <a:xfrm flipV="1">
+                <a:off x="3398427" y="4558365"/>
+                <a:ext cx="1148630" cy="331398"/>
+              </a:xfrm>
+              <a:prstGeom prst="line">
+                <a:avLst/>
+              </a:prstGeom>
+              <a:ln w="12700">
+                <a:solidFill>
+                  <a:schemeClr val="tx1"/>
+                </a:solidFill>
+              </a:ln>
+            </p:spPr>
+            <p:style>
+              <a:lnRef idx="1">
+                <a:schemeClr val="accent1"/>
+              </a:lnRef>
+              <a:fillRef idx="0">
+                <a:schemeClr val="accent1"/>
+              </a:fillRef>
+              <a:effectRef idx="0">
+                <a:schemeClr val="accent1"/>
+              </a:effectRef>
+              <a:fontRef idx="minor">
+                <a:schemeClr val="tx1"/>
+              </a:fontRef>
+            </p:style>
+          </p:cxnSp>
+          <p:cxnSp>
+            <p:nvCxnSpPr>
+              <p:cNvPr id="20" name="Straight Connector 19">
+                <a:extLst>
+                  <a:ext uri="{FF2B5EF4-FFF2-40B4-BE49-F238E27FC236}">
+                    <a16:creationId xmlns:a16="http://schemas.microsoft.com/office/drawing/2014/main" id="{B99BD341-C83C-43E4-AF71-B2C34EBB1675}"/>
+                  </a:ext>
+                </a:extLst>
+              </p:cNvPr>
+              <p:cNvCxnSpPr>
+                <a:cxnSpLocks/>
+              </p:cNvCxnSpPr>
+              <p:nvPr/>
+            </p:nvCxnSpPr>
+            <p:spPr>
+              <a:xfrm>
+                <a:off x="3388659" y="5118847"/>
+                <a:ext cx="1155796" cy="270073"/>
+              </a:xfrm>
+              <a:prstGeom prst="line">
+                <a:avLst/>
+              </a:prstGeom>
+              <a:ln w="12700">
+                <a:solidFill>
+                  <a:schemeClr val="tx1"/>
+                </a:solidFill>
+              </a:ln>
+            </p:spPr>
+            <p:style>
+              <a:lnRef idx="1">
+                <a:schemeClr val="accent1"/>
+              </a:lnRef>
+              <a:fillRef idx="0">
+                <a:schemeClr val="accent1"/>
+              </a:fillRef>
+              <a:effectRef idx="0">
+                <a:schemeClr val="accent1"/>
+              </a:effectRef>
+              <a:fontRef idx="minor">
+                <a:schemeClr val="tx1"/>
+              </a:fontRef>
+            </p:style>
+          </p:cxnSp>
+          <p:cxnSp>
+            <p:nvCxnSpPr>
+              <p:cNvPr id="21" name="Straight Connector 20">
+                <a:extLst>
+                  <a:ext uri="{FF2B5EF4-FFF2-40B4-BE49-F238E27FC236}">
+                    <a16:creationId xmlns:a16="http://schemas.microsoft.com/office/drawing/2014/main" id="{8B604940-988C-49EA-9D4C-029DB2DF6AA2}"/>
+                  </a:ext>
+                </a:extLst>
+              </p:cNvPr>
+              <p:cNvCxnSpPr>
+                <a:cxnSpLocks/>
+              </p:cNvCxnSpPr>
+              <p:nvPr/>
+            </p:nvCxnSpPr>
+            <p:spPr>
+              <a:xfrm>
+                <a:off x="3401876" y="4887398"/>
+                <a:ext cx="0" cy="231449"/>
+              </a:xfrm>
+              <a:prstGeom prst="line">
+                <a:avLst/>
+              </a:prstGeom>
+              <a:ln w="12700">
+                <a:solidFill>
+                  <a:schemeClr val="tx1"/>
+                </a:solidFill>
+              </a:ln>
+            </p:spPr>
+            <p:style>
+              <a:lnRef idx="1">
+                <a:schemeClr val="accent1"/>
+              </a:lnRef>
+              <a:fillRef idx="0">
+                <a:schemeClr val="accent1"/>
+              </a:fillRef>
+              <a:effectRef idx="0">
+                <a:schemeClr val="accent1"/>
+              </a:effectRef>
+              <a:fontRef idx="minor">
+                <a:schemeClr val="tx1"/>
+              </a:fontRef>
+            </p:style>
+          </p:cxnSp>
+          <p:cxnSp>
+            <p:nvCxnSpPr>
+              <p:cNvPr id="22" name="Straight Connector 21">
+                <a:extLst>
+                  <a:ext uri="{FF2B5EF4-FFF2-40B4-BE49-F238E27FC236}">
+                    <a16:creationId xmlns:a16="http://schemas.microsoft.com/office/drawing/2014/main" id="{FEE81E7C-6C28-4E13-9519-1166331B896E}"/>
+                  </a:ext>
+                </a:extLst>
+              </p:cNvPr>
+              <p:cNvCxnSpPr>
+                <a:cxnSpLocks/>
+              </p:cNvCxnSpPr>
+              <p:nvPr/>
+            </p:nvCxnSpPr>
+            <p:spPr>
+              <a:xfrm>
+                <a:off x="4547057" y="4558366"/>
+                <a:ext cx="0" cy="830554"/>
+              </a:xfrm>
+              <a:prstGeom prst="line">
+                <a:avLst/>
+              </a:prstGeom>
+              <a:ln w="12700">
+                <a:solidFill>
+                  <a:schemeClr val="tx1"/>
+                </a:solidFill>
+              </a:ln>
+            </p:spPr>
+            <p:style>
+              <a:lnRef idx="1">
+                <a:schemeClr val="accent1"/>
+              </a:lnRef>
+              <a:fillRef idx="0">
+                <a:schemeClr val="accent1"/>
+              </a:fillRef>
+              <a:effectRef idx="0">
+                <a:schemeClr val="accent1"/>
+              </a:effectRef>
+              <a:fontRef idx="minor">
+                <a:schemeClr val="tx1"/>
+              </a:fontRef>
+            </p:style>
+          </p:cxnSp>
+          <p:sp>
+            <p:nvSpPr>
+              <p:cNvPr id="23" name="TextBox 22">
+                <a:extLst>
+                  <a:ext uri="{FF2B5EF4-FFF2-40B4-BE49-F238E27FC236}">
+                    <a16:creationId xmlns:a16="http://schemas.microsoft.com/office/drawing/2014/main" id="{2C328FFC-98E9-4583-B6A0-55B2016E49E4}"/>
+                  </a:ext>
+                </a:extLst>
+              </p:cNvPr>
+              <p:cNvSpPr txBox="1"/>
+              <p:nvPr/>
+            </p:nvSpPr>
+            <p:spPr>
+              <a:xfrm>
+                <a:off x="3173701" y="5565725"/>
+                <a:ext cx="449452" cy="304060"/>
+              </a:xfrm>
+              <a:prstGeom prst="rect">
+                <a:avLst/>
+              </a:prstGeom>
+              <a:solidFill>
+                <a:schemeClr val="bg1"/>
+              </a:solidFill>
+              <a:ln>
+                <a:solidFill>
+                  <a:schemeClr val="tx1"/>
+                </a:solidFill>
+              </a:ln>
+            </p:spPr>
+            <p:txBody>
+              <a:bodyPr wrap="square" rtlCol="0">
+                <a:spAutoFit/>
+              </a:bodyPr>
+              <a:lstStyle/>
+              <a:p>
+                <a:pPr algn="ctr"/>
+                <a:r>
+                  <a:rPr lang="en-US" sz="900" dirty="0"/>
+                  <a:t>s</a:t>
+                </a:r>
+              </a:p>
+            </p:txBody>
+          </p:sp>
+          <p:sp>
+            <p:nvSpPr>
+              <p:cNvPr id="24" name="TextBox 23">
+                <a:extLst>
+                  <a:ext uri="{FF2B5EF4-FFF2-40B4-BE49-F238E27FC236}">
+                    <a16:creationId xmlns:a16="http://schemas.microsoft.com/office/drawing/2014/main" id="{75B311CE-F3F6-4D58-B2C6-49385FFEB490}"/>
+                  </a:ext>
+                </a:extLst>
+              </p:cNvPr>
+              <p:cNvSpPr txBox="1"/>
+              <p:nvPr/>
+            </p:nvSpPr>
+            <p:spPr>
+              <a:xfrm>
+                <a:off x="4137657" y="5498004"/>
+                <a:ext cx="798161" cy="344601"/>
+              </a:xfrm>
+              <a:prstGeom prst="rect">
+                <a:avLst/>
+              </a:prstGeom>
+              <a:solidFill>
+                <a:schemeClr val="bg1"/>
+              </a:solidFill>
+              <a:ln>
+                <a:solidFill>
+                  <a:schemeClr val="tx1"/>
+                </a:solidFill>
+              </a:ln>
+            </p:spPr>
+            <p:txBody>
+              <a:bodyPr wrap="square" rtlCol="0">
+                <a:spAutoFit/>
+              </a:bodyPr>
+              <a:lstStyle/>
+              <a:p>
+                <a:pPr algn="ctr"/>
+                <a:r>
+                  <a:rPr lang="en-US" sz="1050" dirty="0"/>
+                  <a:t>Nu2</a:t>
+                </a:r>
+              </a:p>
+            </p:txBody>
+          </p:sp>
+          <p:sp>
+            <p:nvSpPr>
+              <p:cNvPr id="25" name="Arrow: Bent 24">
+                <a:extLst>
+                  <a:ext uri="{FF2B5EF4-FFF2-40B4-BE49-F238E27FC236}">
+                    <a16:creationId xmlns:a16="http://schemas.microsoft.com/office/drawing/2014/main" id="{DF772429-EEDA-452A-AE96-92D4ED1D3DF0}"/>
+                  </a:ext>
+                </a:extLst>
+              </p:cNvPr>
+              <p:cNvSpPr/>
+              <p:nvPr/>
+            </p:nvSpPr>
+            <p:spPr>
+              <a:xfrm rot="5400000">
+                <a:off x="2934036" y="4116314"/>
+                <a:ext cx="1175907" cy="247972"/>
+              </a:xfrm>
+              <a:prstGeom prst="bentArrow">
+                <a:avLst/>
+              </a:prstGeom>
+              <a:noFill/>
+              <a:ln>
+                <a:solidFill>
+                  <a:schemeClr val="tx1"/>
+                </a:solidFill>
+              </a:ln>
+            </p:spPr>
+            <p:style>
+              <a:lnRef idx="2">
+                <a:schemeClr val="accent1">
+                  <a:shade val="50000"/>
+                </a:schemeClr>
+              </a:lnRef>
+              <a:fillRef idx="1">
+                <a:schemeClr val="accent1"/>
+              </a:fillRef>
+              <a:effectRef idx="0">
+                <a:schemeClr val="accent1"/>
+              </a:effectRef>
+              <a:fontRef idx="minor">
+                <a:schemeClr val="lt1"/>
+              </a:fontRef>
+            </p:style>
+            <p:txBody>
+              <a:bodyPr rtlCol="0" anchor="ctr"/>
+              <a:lstStyle/>
+              <a:p>
+                <a:pPr algn="ctr"/>
+                <a:endParaRPr lang="en-US" sz="1050">
+                  <a:solidFill>
+                    <a:schemeClr val="tx1"/>
+                  </a:solidFill>
+                </a:endParaRPr>
+              </a:p>
+            </p:txBody>
+          </p:sp>
+          <p:sp>
+            <p:nvSpPr>
+              <p:cNvPr id="26" name="Arrow: Bent 25">
+                <a:extLst>
+                  <a:ext uri="{FF2B5EF4-FFF2-40B4-BE49-F238E27FC236}">
+                    <a16:creationId xmlns:a16="http://schemas.microsoft.com/office/drawing/2014/main" id="{EF72C548-4E4B-4414-8B98-1C8ED0E54C9C}"/>
+                  </a:ext>
+                </a:extLst>
+              </p:cNvPr>
+              <p:cNvSpPr/>
+              <p:nvPr/>
+            </p:nvSpPr>
+            <p:spPr>
+              <a:xfrm rot="5400000" flipH="1">
+                <a:off x="2790246" y="2303353"/>
+                <a:ext cx="1419605" cy="207469"/>
+              </a:xfrm>
+              <a:prstGeom prst="bentArrow">
+                <a:avLst/>
+              </a:prstGeom>
+              <a:noFill/>
+              <a:ln>
+                <a:solidFill>
+                  <a:schemeClr val="tx1"/>
+                </a:solidFill>
+              </a:ln>
+            </p:spPr>
+            <p:style>
+              <a:lnRef idx="2">
+                <a:schemeClr val="accent1">
+                  <a:shade val="50000"/>
+                </a:schemeClr>
+              </a:lnRef>
+              <a:fillRef idx="1">
+                <a:schemeClr val="accent1"/>
+              </a:fillRef>
+              <a:effectRef idx="0">
+                <a:schemeClr val="accent1"/>
+              </a:effectRef>
+              <a:fontRef idx="minor">
+                <a:schemeClr val="lt1"/>
+              </a:fontRef>
+            </p:style>
+            <p:txBody>
+              <a:bodyPr rtlCol="0" anchor="ctr"/>
+              <a:lstStyle/>
+              <a:p>
+                <a:pPr algn="ctr"/>
+                <a:endParaRPr lang="en-US" sz="1050" dirty="0">
+                  <a:solidFill>
+                    <a:schemeClr val="tx1"/>
+                  </a:solidFill>
+                </a:endParaRPr>
+              </a:p>
+            </p:txBody>
+          </p:sp>
+          <p:sp>
+            <p:nvSpPr>
+              <p:cNvPr id="27" name="TextBox 26">
+                <a:extLst>
+                  <a:ext uri="{FF2B5EF4-FFF2-40B4-BE49-F238E27FC236}">
+                    <a16:creationId xmlns:a16="http://schemas.microsoft.com/office/drawing/2014/main" id="{79249B34-99D0-4B13-956F-3C50F22815FE}"/>
+                  </a:ext>
+                </a:extLst>
+              </p:cNvPr>
+              <p:cNvSpPr txBox="1"/>
+              <p:nvPr/>
+            </p:nvSpPr>
+            <p:spPr>
+              <a:xfrm>
+                <a:off x="4196020" y="22278"/>
+                <a:ext cx="650927" cy="344601"/>
+              </a:xfrm>
+              <a:prstGeom prst="rect">
+                <a:avLst/>
+              </a:prstGeom>
+              <a:solidFill>
+                <a:schemeClr val="bg1"/>
+              </a:solidFill>
+              <a:ln>
+                <a:solidFill>
+                  <a:schemeClr val="tx1"/>
+                </a:solidFill>
+              </a:ln>
+            </p:spPr>
+            <p:txBody>
+              <a:bodyPr wrap="square" rtlCol="0">
+                <a:spAutoFit/>
+              </a:bodyPr>
+              <a:lstStyle/>
+              <a:p>
+                <a:pPr algn="ctr"/>
+                <a:r>
+                  <a:rPr lang="en-US" sz="1050" dirty="0"/>
+                  <a:t>Nu1</a:t>
+                </a:r>
+              </a:p>
+            </p:txBody>
+          </p:sp>
+          <p:cxnSp>
+            <p:nvCxnSpPr>
+              <p:cNvPr id="28" name="Straight Arrow Connector 27">
+                <a:extLst>
+                  <a:ext uri="{FF2B5EF4-FFF2-40B4-BE49-F238E27FC236}">
+                    <a16:creationId xmlns:a16="http://schemas.microsoft.com/office/drawing/2014/main" id="{66D93A59-C93F-434E-A715-A896CC9B692E}"/>
+                  </a:ext>
+                </a:extLst>
+              </p:cNvPr>
+              <p:cNvCxnSpPr>
+                <a:cxnSpLocks/>
+              </p:cNvCxnSpPr>
+              <p:nvPr/>
+            </p:nvCxnSpPr>
+            <p:spPr>
+              <a:xfrm>
+                <a:off x="4536737" y="1959410"/>
+                <a:ext cx="14077" cy="2592124"/>
+              </a:xfrm>
+              <a:prstGeom prst="straightConnector1">
+                <a:avLst/>
+              </a:prstGeom>
+              <a:ln w="38100">
+                <a:solidFill>
+                  <a:schemeClr val="tx1"/>
+                </a:solidFill>
+                <a:tailEnd type="triangle"/>
+              </a:ln>
+            </p:spPr>
+            <p:style>
+              <a:lnRef idx="1">
+                <a:schemeClr val="accent1"/>
+              </a:lnRef>
+              <a:fillRef idx="0">
+                <a:schemeClr val="accent1"/>
+              </a:fillRef>
+              <a:effectRef idx="0">
+                <a:schemeClr val="accent1"/>
+              </a:effectRef>
+              <a:fontRef idx="minor">
+                <a:schemeClr val="tx1"/>
+              </a:fontRef>
+            </p:style>
+          </p:cxnSp>
+          <p:cxnSp>
+            <p:nvCxnSpPr>
+              <p:cNvPr id="29" name="Straight Arrow Connector 28">
+                <a:extLst>
+                  <a:ext uri="{FF2B5EF4-FFF2-40B4-BE49-F238E27FC236}">
+                    <a16:creationId xmlns:a16="http://schemas.microsoft.com/office/drawing/2014/main" id="{23E3BC41-36A2-42A7-B2FC-085333CB45FB}"/>
+                  </a:ext>
+                </a:extLst>
+              </p:cNvPr>
+              <p:cNvCxnSpPr>
+                <a:cxnSpLocks/>
+              </p:cNvCxnSpPr>
+              <p:nvPr/>
+            </p:nvCxnSpPr>
+            <p:spPr>
+              <a:xfrm flipV="1">
+                <a:off x="3970591" y="1820618"/>
+                <a:ext cx="1" cy="2880922"/>
+              </a:xfrm>
+              <a:prstGeom prst="straightConnector1">
+                <a:avLst/>
+              </a:prstGeom>
+              <a:ln w="38100">
+                <a:solidFill>
+                  <a:schemeClr val="tx1"/>
+                </a:solidFill>
+                <a:tailEnd type="triangle"/>
+              </a:ln>
+            </p:spPr>
+            <p:style>
+              <a:lnRef idx="1">
+                <a:schemeClr val="accent1"/>
+              </a:lnRef>
+              <a:fillRef idx="0">
+                <a:schemeClr val="accent1"/>
+              </a:fillRef>
+              <a:effectRef idx="0">
+                <a:schemeClr val="accent1"/>
+              </a:effectRef>
+              <a:fontRef idx="minor">
+                <a:schemeClr val="tx1"/>
+              </a:fontRef>
+            </p:style>
+          </p:cxnSp>
+          <p:sp>
+            <p:nvSpPr>
+              <p:cNvPr id="30" name="TextBox 29">
+                <a:extLst>
+                  <a:ext uri="{FF2B5EF4-FFF2-40B4-BE49-F238E27FC236}">
+                    <a16:creationId xmlns:a16="http://schemas.microsoft.com/office/drawing/2014/main" id="{058EF69F-0F26-480F-8DE8-BEA2C4463D2B}"/>
+                  </a:ext>
+                </a:extLst>
+              </p:cNvPr>
+              <p:cNvSpPr txBox="1"/>
+              <p:nvPr/>
+            </p:nvSpPr>
+            <p:spPr>
+              <a:xfrm>
+                <a:off x="3667561" y="3178877"/>
+                <a:ext cx="567699" cy="304060"/>
+              </a:xfrm>
+              <a:prstGeom prst="rect">
+                <a:avLst/>
+              </a:prstGeom>
+              <a:solidFill>
+                <a:schemeClr val="bg1"/>
+              </a:solidFill>
+              <a:ln>
+                <a:solidFill>
+                  <a:schemeClr val="tx1"/>
+                </a:solidFill>
+              </a:ln>
+            </p:spPr>
+            <p:txBody>
+              <a:bodyPr wrap="square" rtlCol="0">
+                <a:spAutoFit/>
+              </a:bodyPr>
+              <a:lstStyle/>
+              <a:p>
+                <a:pPr algn="ctr"/>
+                <a:r>
+                  <a:rPr lang="en-US" sz="900" dirty="0"/>
+                  <a:t>m12</a:t>
+                </a:r>
+              </a:p>
+            </p:txBody>
+          </p:sp>
+          <p:sp>
+            <p:nvSpPr>
+              <p:cNvPr id="31" name="TextBox 30">
+                <a:extLst>
+                  <a:ext uri="{FF2B5EF4-FFF2-40B4-BE49-F238E27FC236}">
+                    <a16:creationId xmlns:a16="http://schemas.microsoft.com/office/drawing/2014/main" id="{8524153E-8B6C-4701-B59F-38BB42EAA70E}"/>
+                  </a:ext>
+                </a:extLst>
+              </p:cNvPr>
+              <p:cNvSpPr txBox="1"/>
+              <p:nvPr/>
+            </p:nvSpPr>
+            <p:spPr>
+              <a:xfrm>
+                <a:off x="4237636" y="3178775"/>
+                <a:ext cx="567699" cy="304060"/>
+              </a:xfrm>
+              <a:prstGeom prst="rect">
+                <a:avLst/>
+              </a:prstGeom>
+              <a:solidFill>
+                <a:schemeClr val="bg1"/>
+              </a:solidFill>
+              <a:ln>
+                <a:solidFill>
+                  <a:schemeClr val="tx1"/>
+                </a:solidFill>
+              </a:ln>
+            </p:spPr>
+            <p:txBody>
+              <a:bodyPr wrap="square" rtlCol="0">
+                <a:spAutoFit/>
+              </a:bodyPr>
+              <a:lstStyle/>
+              <a:p>
+                <a:pPr algn="ctr"/>
+                <a:r>
+                  <a:rPr lang="en-US" sz="900" dirty="0"/>
+                  <a:t>m21</a:t>
+                </a:r>
+              </a:p>
+            </p:txBody>
+          </p:sp>
+        </p:grpSp>
+      </p:grpSp>
+      <p:grpSp>
+        <p:nvGrpSpPr>
+          <p:cNvPr id="38" name="Group 37">
+            <a:extLst>
+              <a:ext uri="{FF2B5EF4-FFF2-40B4-BE49-F238E27FC236}">
+                <a16:creationId xmlns:a16="http://schemas.microsoft.com/office/drawing/2014/main" id="{7246CCF1-241B-436D-A9DD-04A9DED29B9E}"/>
+              </a:ext>
+            </a:extLst>
+          </p:cNvPr>
+          <p:cNvGrpSpPr/>
+          <p:nvPr/>
+        </p:nvGrpSpPr>
+        <p:grpSpPr>
+          <a:xfrm>
+            <a:off x="3723254" y="848345"/>
+            <a:ext cx="3564728" cy="5126075"/>
+            <a:chOff x="2398388" y="22278"/>
+            <a:chExt cx="4596985" cy="6610459"/>
+          </a:xfrm>
+        </p:grpSpPr>
+        <p:grpSp>
+          <p:nvGrpSpPr>
+            <p:cNvPr id="39" name="Group 38">
+              <a:extLst>
+                <a:ext uri="{FF2B5EF4-FFF2-40B4-BE49-F238E27FC236}">
+                  <a16:creationId xmlns:a16="http://schemas.microsoft.com/office/drawing/2014/main" id="{077969C3-399F-4157-BCDA-436E2FBE28E6}"/>
+                </a:ext>
+              </a:extLst>
+            </p:cNvPr>
+            <p:cNvGrpSpPr/>
+            <p:nvPr/>
+          </p:nvGrpSpPr>
+          <p:grpSpPr>
+            <a:xfrm>
+              <a:off x="3129027" y="5976415"/>
+              <a:ext cx="1690343" cy="656322"/>
+              <a:chOff x="80626" y="5680820"/>
+              <a:chExt cx="1485032" cy="656322"/>
+            </a:xfrm>
+          </p:grpSpPr>
+          <p:sp>
+            <p:nvSpPr>
+              <p:cNvPr id="67" name="Left Brace 66">
+                <a:extLst>
+                  <a:ext uri="{FF2B5EF4-FFF2-40B4-BE49-F238E27FC236}">
+                    <a16:creationId xmlns:a16="http://schemas.microsoft.com/office/drawing/2014/main" id="{66F535C5-1D4F-4C02-859A-7A7E8F0C87A8}"/>
+                  </a:ext>
+                </a:extLst>
+              </p:cNvPr>
+              <p:cNvSpPr/>
+              <p:nvPr/>
+            </p:nvSpPr>
+            <p:spPr>
+              <a:xfrm rot="16200000">
+                <a:off x="420316" y="5585970"/>
+                <a:ext cx="318955" cy="508657"/>
+              </a:xfrm>
+              <a:prstGeom prst="leftBrace">
+                <a:avLst/>
+              </a:prstGeom>
+              <a:ln w="19050">
+                <a:solidFill>
+                  <a:schemeClr val="tx1">
+                    <a:lumMod val="85000"/>
+                    <a:lumOff val="15000"/>
+                  </a:schemeClr>
+                </a:solidFill>
+              </a:ln>
+            </p:spPr>
+            <p:style>
+              <a:lnRef idx="1">
+                <a:schemeClr val="accent1"/>
+              </a:lnRef>
+              <a:fillRef idx="0">
+                <a:schemeClr val="accent1"/>
+              </a:fillRef>
+              <a:effectRef idx="0">
+                <a:schemeClr val="accent1"/>
+              </a:effectRef>
+              <a:fontRef idx="minor">
+                <a:schemeClr val="tx1"/>
+              </a:fontRef>
+            </p:style>
+            <p:txBody>
+              <a:bodyPr rtlCol="0" anchor="ctr"/>
+              <a:lstStyle/>
+              <a:p>
+                <a:pPr algn="ctr"/>
+                <a:endParaRPr lang="en-US" sz="1050" dirty="0"/>
+              </a:p>
+            </p:txBody>
+          </p:sp>
+          <p:sp>
+            <p:nvSpPr>
+              <p:cNvPr id="68" name="TextBox 67">
+                <a:extLst>
+                  <a:ext uri="{FF2B5EF4-FFF2-40B4-BE49-F238E27FC236}">
+                    <a16:creationId xmlns:a16="http://schemas.microsoft.com/office/drawing/2014/main" id="{82DBDBC2-6B51-45AC-A7D9-AC83DE8528F3}"/>
+                  </a:ext>
+                </a:extLst>
+              </p:cNvPr>
+              <p:cNvSpPr txBox="1"/>
+              <p:nvPr/>
+            </p:nvSpPr>
+            <p:spPr>
+              <a:xfrm>
+                <a:off x="80626" y="5999776"/>
+                <a:ext cx="991892" cy="337366"/>
+              </a:xfrm>
+              <a:prstGeom prst="rect">
+                <a:avLst/>
+              </a:prstGeom>
+              <a:noFill/>
+            </p:spPr>
+            <p:txBody>
+              <a:bodyPr wrap="square" rtlCol="0">
+                <a:spAutoFit/>
+              </a:bodyPr>
+              <a:lstStyle/>
+              <a:p>
+                <a:pPr algn="ctr"/>
+                <a:r>
+                  <a:rPr lang="en-US" sz="1050" dirty="0"/>
+                  <a:t>T1</a:t>
+                </a:r>
+              </a:p>
+            </p:txBody>
+          </p:sp>
+          <p:sp>
+            <p:nvSpPr>
+              <p:cNvPr id="69" name="Left Brace 68">
+                <a:extLst>
+                  <a:ext uri="{FF2B5EF4-FFF2-40B4-BE49-F238E27FC236}">
+                    <a16:creationId xmlns:a16="http://schemas.microsoft.com/office/drawing/2014/main" id="{D8C308C3-A42B-4B94-8D0E-03898AF36A7A}"/>
+                  </a:ext>
+                </a:extLst>
+              </p:cNvPr>
+              <p:cNvSpPr/>
+              <p:nvPr/>
+            </p:nvSpPr>
+            <p:spPr>
+              <a:xfrm rot="16200000">
+                <a:off x="922735" y="5592206"/>
+                <a:ext cx="312789" cy="490018"/>
+              </a:xfrm>
+              <a:prstGeom prst="leftBrace">
+                <a:avLst/>
+              </a:prstGeom>
+              <a:ln w="19050">
+                <a:solidFill>
+                  <a:schemeClr val="tx1">
+                    <a:lumMod val="85000"/>
+                    <a:lumOff val="15000"/>
+                  </a:schemeClr>
+                </a:solidFill>
+              </a:ln>
+            </p:spPr>
+            <p:style>
+              <a:lnRef idx="1">
+                <a:schemeClr val="accent1"/>
+              </a:lnRef>
+              <a:fillRef idx="0">
+                <a:schemeClr val="accent1"/>
+              </a:fillRef>
+              <a:effectRef idx="0">
+                <a:schemeClr val="accent1"/>
+              </a:effectRef>
+              <a:fontRef idx="minor">
+                <a:schemeClr val="tx1"/>
+              </a:fontRef>
+            </p:style>
+            <p:txBody>
+              <a:bodyPr rtlCol="0" anchor="ctr"/>
+              <a:lstStyle/>
+              <a:p>
+                <a:pPr algn="ctr"/>
+                <a:endParaRPr lang="en-US" sz="1050" dirty="0"/>
+              </a:p>
+            </p:txBody>
+          </p:sp>
+          <p:sp>
+            <p:nvSpPr>
+              <p:cNvPr id="70" name="TextBox 69">
+                <a:extLst>
+                  <a:ext uri="{FF2B5EF4-FFF2-40B4-BE49-F238E27FC236}">
+                    <a16:creationId xmlns:a16="http://schemas.microsoft.com/office/drawing/2014/main" id="{FAA12CEE-E87C-44D9-BBE1-1F72CAE4DC50}"/>
+                  </a:ext>
+                </a:extLst>
+              </p:cNvPr>
+              <p:cNvSpPr txBox="1"/>
+              <p:nvPr/>
+            </p:nvSpPr>
+            <p:spPr>
+              <a:xfrm>
+                <a:off x="573766" y="5999776"/>
+                <a:ext cx="991892" cy="337366"/>
+              </a:xfrm>
+              <a:prstGeom prst="rect">
+                <a:avLst/>
+              </a:prstGeom>
+              <a:noFill/>
+            </p:spPr>
+            <p:txBody>
+              <a:bodyPr wrap="square" rtlCol="0">
+                <a:spAutoFit/>
+              </a:bodyPr>
+              <a:lstStyle/>
+              <a:p>
+                <a:pPr algn="ctr"/>
+                <a:r>
+                  <a:rPr lang="en-US" sz="1050" dirty="0"/>
+                  <a:t>T2</a:t>
+                </a:r>
+              </a:p>
+            </p:txBody>
+          </p:sp>
+        </p:grpSp>
+        <p:sp>
+          <p:nvSpPr>
+            <p:cNvPr id="40" name="Rectangle 39">
+              <a:extLst>
+                <a:ext uri="{FF2B5EF4-FFF2-40B4-BE49-F238E27FC236}">
+                  <a16:creationId xmlns:a16="http://schemas.microsoft.com/office/drawing/2014/main" id="{DF120980-D2F4-418D-88C4-C73197FF5D67}"/>
+                </a:ext>
+              </a:extLst>
+            </p:cNvPr>
+            <p:cNvSpPr/>
+            <p:nvPr/>
+          </p:nvSpPr>
+          <p:spPr>
+            <a:xfrm>
+              <a:off x="2398388" y="2338483"/>
+              <a:ext cx="991892" cy="1903879"/>
+            </a:xfrm>
+            <a:prstGeom prst="rect">
+              <a:avLst/>
+            </a:prstGeom>
+            <a:solidFill>
+              <a:schemeClr val="bg1"/>
+            </a:solidFill>
+            <a:ln>
+              <a:solidFill>
+                <a:schemeClr val="tx1"/>
+              </a:solidFill>
+            </a:ln>
+          </p:spPr>
+          <p:style>
+            <a:lnRef idx="2">
+              <a:schemeClr val="accent1">
+                <a:shade val="50000"/>
+              </a:schemeClr>
+            </a:lnRef>
+            <a:fillRef idx="1">
+              <a:schemeClr val="accent1"/>
+            </a:fillRef>
+            <a:effectRef idx="0">
+              <a:schemeClr val="accent1"/>
+            </a:effectRef>
+            <a:fontRef idx="minor">
+              <a:schemeClr val="lt1"/>
+            </a:fontRef>
+          </p:style>
+          <p:txBody>
+            <a:bodyPr rtlCol="0" anchor="ctr"/>
+            <a:lstStyle/>
+            <a:p>
+              <a:pPr algn="ctr"/>
+              <a:endParaRPr lang="en-US" sz="1050"/>
+            </a:p>
+          </p:txBody>
+        </p:sp>
+        <p:sp>
+          <p:nvSpPr>
+            <p:cNvPr id="41" name="TextBox 40">
+              <a:extLst>
+                <a:ext uri="{FF2B5EF4-FFF2-40B4-BE49-F238E27FC236}">
+                  <a16:creationId xmlns:a16="http://schemas.microsoft.com/office/drawing/2014/main" id="{4A49E235-CC6B-43AF-85C2-83CB83E3E680}"/>
+                </a:ext>
+              </a:extLst>
+            </p:cNvPr>
+            <p:cNvSpPr txBox="1"/>
+            <p:nvPr/>
+          </p:nvSpPr>
+          <p:spPr>
+            <a:xfrm>
+              <a:off x="2539679" y="1820618"/>
+              <a:ext cx="650929" cy="337366"/>
+            </a:xfrm>
+            <a:prstGeom prst="rect">
+              <a:avLst/>
+            </a:prstGeom>
+            <a:solidFill>
+              <a:schemeClr val="bg1"/>
+            </a:solidFill>
+            <a:ln>
+              <a:solidFill>
+                <a:schemeClr val="tx1"/>
+              </a:solidFill>
+            </a:ln>
+          </p:spPr>
+          <p:txBody>
+            <a:bodyPr wrap="square" rtlCol="0">
+              <a:spAutoFit/>
+            </a:bodyPr>
+            <a:lstStyle/>
+            <a:p>
+              <a:pPr algn="ctr"/>
+              <a:r>
+                <a:rPr lang="en-US" sz="1050" dirty="0"/>
+                <a:t>NuA</a:t>
+              </a:r>
+            </a:p>
+          </p:txBody>
+        </p:sp>
+        <p:sp>
+          <p:nvSpPr>
+            <p:cNvPr id="42" name="TextBox 41">
+              <a:extLst>
+                <a:ext uri="{FF2B5EF4-FFF2-40B4-BE49-F238E27FC236}">
+                  <a16:creationId xmlns:a16="http://schemas.microsoft.com/office/drawing/2014/main" id="{D0691767-DBDA-4723-B87F-33A145C2F71A}"/>
+                </a:ext>
+              </a:extLst>
+            </p:cNvPr>
+            <p:cNvSpPr txBox="1"/>
+            <p:nvPr/>
+          </p:nvSpPr>
+          <p:spPr>
+            <a:xfrm>
+              <a:off x="2799723" y="26937"/>
+              <a:ext cx="1146875" cy="327444"/>
+            </a:xfrm>
+            <a:prstGeom prst="rect">
+              <a:avLst/>
+            </a:prstGeom>
+            <a:solidFill>
+              <a:schemeClr val="bg1"/>
+            </a:solidFill>
+            <a:ln>
+              <a:solidFill>
+                <a:schemeClr val="tx1"/>
+              </a:solidFill>
+            </a:ln>
+          </p:spPr>
+          <p:txBody>
+            <a:bodyPr wrap="square" rtlCol="0">
+              <a:spAutoFit/>
+            </a:bodyPr>
+            <a:lstStyle/>
+            <a:p>
+              <a:pPr algn="ctr"/>
+              <a:r>
+                <a:rPr lang="en-US" sz="1050" dirty="0"/>
+                <a:t>NuA - s</a:t>
+              </a:r>
+            </a:p>
+          </p:txBody>
+        </p:sp>
+        <p:cxnSp>
+          <p:nvCxnSpPr>
+            <p:cNvPr id="43" name="Straight Connector 42">
+              <a:extLst>
+                <a:ext uri="{FF2B5EF4-FFF2-40B4-BE49-F238E27FC236}">
+                  <a16:creationId xmlns:a16="http://schemas.microsoft.com/office/drawing/2014/main" id="{F2ACD50D-5928-4A24-9E3D-0E9BC990551D}"/>
+                </a:ext>
+              </a:extLst>
+            </p:cNvPr>
+            <p:cNvCxnSpPr>
+              <a:cxnSpLocks/>
+            </p:cNvCxnSpPr>
+            <p:nvPr/>
+          </p:nvCxnSpPr>
+          <p:spPr>
+            <a:xfrm>
+              <a:off x="3277894" y="3591602"/>
+              <a:ext cx="247973" cy="0"/>
+            </a:xfrm>
+            <a:prstGeom prst="line">
+              <a:avLst/>
+            </a:prstGeom>
+            <a:ln w="12700">
+              <a:solidFill>
+                <a:schemeClr val="tx1"/>
+              </a:solidFill>
+              <a:prstDash val="sysDot"/>
+            </a:ln>
+          </p:spPr>
+          <p:style>
+            <a:lnRef idx="1">
+              <a:schemeClr val="accent1"/>
+            </a:lnRef>
+            <a:fillRef idx="0">
+              <a:schemeClr val="accent1"/>
+            </a:fillRef>
+            <a:effectRef idx="0">
+              <a:schemeClr val="accent1"/>
+            </a:effectRef>
+            <a:fontRef idx="minor">
+              <a:schemeClr val="tx1"/>
+            </a:fontRef>
+          </p:style>
+        </p:cxnSp>
+        <p:cxnSp>
+          <p:nvCxnSpPr>
+            <p:cNvPr id="44" name="Straight Connector 43">
+              <a:extLst>
+                <a:ext uri="{FF2B5EF4-FFF2-40B4-BE49-F238E27FC236}">
+                  <a16:creationId xmlns:a16="http://schemas.microsoft.com/office/drawing/2014/main" id="{C047B932-CF75-4BA6-82A8-610A1C7E3A6A}"/>
+                </a:ext>
+              </a:extLst>
+            </p:cNvPr>
+            <p:cNvCxnSpPr>
+              <a:cxnSpLocks/>
+            </p:cNvCxnSpPr>
+            <p:nvPr/>
+          </p:nvCxnSpPr>
+          <p:spPr>
+            <a:xfrm flipV="1">
+              <a:off x="3389717" y="667165"/>
+              <a:ext cx="1147396" cy="375134"/>
+            </a:xfrm>
+            <a:prstGeom prst="line">
+              <a:avLst/>
+            </a:prstGeom>
+            <a:ln w="12700">
+              <a:solidFill>
+                <a:schemeClr val="tx1"/>
+              </a:solidFill>
+            </a:ln>
+          </p:spPr>
+          <p:style>
+            <a:lnRef idx="1">
+              <a:schemeClr val="accent1"/>
+            </a:lnRef>
+            <a:fillRef idx="0">
+              <a:schemeClr val="accent1"/>
+            </a:fillRef>
+            <a:effectRef idx="0">
+              <a:schemeClr val="accent1"/>
+            </a:effectRef>
+            <a:fontRef idx="minor">
+              <a:schemeClr val="tx1"/>
+            </a:fontRef>
+          </p:style>
+        </p:cxnSp>
+        <p:cxnSp>
+          <p:nvCxnSpPr>
+            <p:cNvPr id="45" name="Straight Connector 44">
+              <a:extLst>
+                <a:ext uri="{FF2B5EF4-FFF2-40B4-BE49-F238E27FC236}">
+                  <a16:creationId xmlns:a16="http://schemas.microsoft.com/office/drawing/2014/main" id="{F485BC2C-A9A5-4B04-B3AB-06EDB0216473}"/>
+                </a:ext>
+              </a:extLst>
+            </p:cNvPr>
+            <p:cNvCxnSpPr>
+              <a:cxnSpLocks/>
+            </p:cNvCxnSpPr>
+            <p:nvPr/>
+          </p:nvCxnSpPr>
+          <p:spPr>
+            <a:xfrm>
+              <a:off x="3389717" y="1649500"/>
+              <a:ext cx="1163179" cy="312031"/>
+            </a:xfrm>
+            <a:prstGeom prst="line">
+              <a:avLst/>
+            </a:prstGeom>
+            <a:ln w="12700">
+              <a:solidFill>
+                <a:schemeClr val="tx1"/>
+              </a:solidFill>
+            </a:ln>
+          </p:spPr>
+          <p:style>
+            <a:lnRef idx="1">
+              <a:schemeClr val="accent1"/>
+            </a:lnRef>
+            <a:fillRef idx="0">
+              <a:schemeClr val="accent1"/>
+            </a:fillRef>
+            <a:effectRef idx="0">
+              <a:schemeClr val="accent1"/>
+            </a:effectRef>
+            <a:fontRef idx="minor">
+              <a:schemeClr val="tx1"/>
+            </a:fontRef>
+          </p:style>
+        </p:cxnSp>
+        <p:cxnSp>
+          <p:nvCxnSpPr>
+            <p:cNvPr id="46" name="Straight Connector 45">
+              <a:extLst>
+                <a:ext uri="{FF2B5EF4-FFF2-40B4-BE49-F238E27FC236}">
+                  <a16:creationId xmlns:a16="http://schemas.microsoft.com/office/drawing/2014/main" id="{53E7090B-9CC2-46BA-9F4A-A0C2198E273A}"/>
+                </a:ext>
+              </a:extLst>
+            </p:cNvPr>
+            <p:cNvCxnSpPr>
+              <a:cxnSpLocks/>
+            </p:cNvCxnSpPr>
+            <p:nvPr/>
+          </p:nvCxnSpPr>
+          <p:spPr>
+            <a:xfrm>
+              <a:off x="4540160" y="659956"/>
+              <a:ext cx="8593" cy="1299457"/>
+            </a:xfrm>
+            <a:prstGeom prst="line">
+              <a:avLst/>
+            </a:prstGeom>
+            <a:ln w="12700">
+              <a:solidFill>
+                <a:schemeClr val="tx1"/>
+              </a:solidFill>
+            </a:ln>
+          </p:spPr>
+          <p:style>
+            <a:lnRef idx="1">
+              <a:schemeClr val="accent1"/>
+            </a:lnRef>
+            <a:fillRef idx="0">
+              <a:schemeClr val="accent1"/>
+            </a:fillRef>
+            <a:effectRef idx="0">
+              <a:schemeClr val="accent1"/>
+            </a:effectRef>
+            <a:fontRef idx="minor">
+              <a:schemeClr val="tx1"/>
+            </a:fontRef>
+          </p:style>
+        </p:cxnSp>
+        <p:cxnSp>
+          <p:nvCxnSpPr>
+            <p:cNvPr id="47" name="Straight Connector 46">
+              <a:extLst>
+                <a:ext uri="{FF2B5EF4-FFF2-40B4-BE49-F238E27FC236}">
+                  <a16:creationId xmlns:a16="http://schemas.microsoft.com/office/drawing/2014/main" id="{41E9F966-8F37-4DE5-92C7-DD3B1E18DDD9}"/>
+                </a:ext>
+              </a:extLst>
+            </p:cNvPr>
+            <p:cNvCxnSpPr>
+              <a:cxnSpLocks/>
+            </p:cNvCxnSpPr>
+            <p:nvPr/>
+          </p:nvCxnSpPr>
+          <p:spPr>
+            <a:xfrm flipV="1">
+              <a:off x="3388659" y="361882"/>
+              <a:ext cx="0" cy="5614538"/>
+            </a:xfrm>
+            <a:prstGeom prst="line">
+              <a:avLst/>
+            </a:prstGeom>
+            <a:ln>
+              <a:solidFill>
+                <a:schemeClr val="tx1">
+                  <a:lumMod val="85000"/>
+                  <a:lumOff val="15000"/>
+                </a:schemeClr>
+              </a:solidFill>
+              <a:prstDash val="dash"/>
+            </a:ln>
+          </p:spPr>
+          <p:style>
+            <a:lnRef idx="1">
+              <a:schemeClr val="accent1"/>
+            </a:lnRef>
+            <a:fillRef idx="0">
+              <a:schemeClr val="accent1"/>
+            </a:fillRef>
+            <a:effectRef idx="0">
+              <a:schemeClr val="accent1"/>
+            </a:effectRef>
+            <a:fontRef idx="minor">
+              <a:schemeClr val="tx1"/>
+            </a:fontRef>
+          </p:style>
+        </p:cxnSp>
+        <p:cxnSp>
+          <p:nvCxnSpPr>
+            <p:cNvPr id="48" name="Straight Connector 47">
+              <a:extLst>
+                <a:ext uri="{FF2B5EF4-FFF2-40B4-BE49-F238E27FC236}">
+                  <a16:creationId xmlns:a16="http://schemas.microsoft.com/office/drawing/2014/main" id="{0F73667D-6F4A-423A-92CD-7C3B0EE6C4EE}"/>
+                </a:ext>
+              </a:extLst>
+            </p:cNvPr>
+            <p:cNvCxnSpPr>
+              <a:cxnSpLocks/>
+            </p:cNvCxnSpPr>
+            <p:nvPr/>
+          </p:nvCxnSpPr>
+          <p:spPr>
+            <a:xfrm flipV="1">
+              <a:off x="4536737" y="299076"/>
+              <a:ext cx="0" cy="5677344"/>
+            </a:xfrm>
+            <a:prstGeom prst="line">
+              <a:avLst/>
+            </a:prstGeom>
+            <a:ln>
+              <a:solidFill>
+                <a:schemeClr val="tx1">
+                  <a:lumMod val="85000"/>
+                  <a:lumOff val="15000"/>
+                </a:schemeClr>
+              </a:solidFill>
+              <a:prstDash val="dash"/>
+            </a:ln>
+          </p:spPr>
+          <p:style>
+            <a:lnRef idx="1">
+              <a:schemeClr val="accent1"/>
+            </a:lnRef>
+            <a:fillRef idx="0">
+              <a:schemeClr val="accent1"/>
+            </a:fillRef>
+            <a:effectRef idx="0">
+              <a:schemeClr val="accent1"/>
+            </a:effectRef>
+            <a:fontRef idx="minor">
+              <a:schemeClr val="tx1"/>
+            </a:fontRef>
+          </p:style>
+        </p:cxnSp>
+        <p:grpSp>
+          <p:nvGrpSpPr>
+            <p:cNvPr id="49" name="Group 48">
+              <a:extLst>
+                <a:ext uri="{FF2B5EF4-FFF2-40B4-BE49-F238E27FC236}">
+                  <a16:creationId xmlns:a16="http://schemas.microsoft.com/office/drawing/2014/main" id="{3D6A7A2F-3F96-4789-9CD4-E0A896B03A83}"/>
+                </a:ext>
+              </a:extLst>
+            </p:cNvPr>
+            <p:cNvGrpSpPr/>
+            <p:nvPr/>
+          </p:nvGrpSpPr>
+          <p:grpSpPr>
+            <a:xfrm rot="16200000">
+              <a:off x="4500671" y="1104682"/>
+              <a:ext cx="2931648" cy="2057750"/>
+              <a:chOff x="325464" y="5419123"/>
+              <a:chExt cx="991892" cy="2057750"/>
+            </a:xfrm>
+          </p:grpSpPr>
+          <p:sp>
+            <p:nvSpPr>
+              <p:cNvPr id="65" name="Left Brace 64">
+                <a:extLst>
+                  <a:ext uri="{FF2B5EF4-FFF2-40B4-BE49-F238E27FC236}">
+                    <a16:creationId xmlns:a16="http://schemas.microsoft.com/office/drawing/2014/main" id="{91B0D81B-1B6F-4C84-A236-8C961CFFCC67}"/>
+                  </a:ext>
+                </a:extLst>
+              </p:cNvPr>
+              <p:cNvSpPr/>
+              <p:nvPr/>
+            </p:nvSpPr>
+            <p:spPr>
+              <a:xfrm rot="16200000">
+                <a:off x="661932" y="5082655"/>
+                <a:ext cx="318956" cy="991892"/>
+              </a:xfrm>
+              <a:prstGeom prst="leftBrace">
+                <a:avLst/>
+              </a:prstGeom>
+              <a:ln w="19050">
+                <a:solidFill>
+                  <a:schemeClr val="tx1">
+                    <a:lumMod val="85000"/>
+                    <a:lumOff val="15000"/>
+                  </a:schemeClr>
+                </a:solidFill>
+              </a:ln>
+            </p:spPr>
+            <p:style>
+              <a:lnRef idx="1">
+                <a:schemeClr val="accent1"/>
+              </a:lnRef>
+              <a:fillRef idx="0">
+                <a:schemeClr val="accent1"/>
+              </a:fillRef>
+              <a:effectRef idx="0">
+                <a:schemeClr val="accent1"/>
+              </a:effectRef>
+              <a:fontRef idx="minor">
+                <a:schemeClr val="tx1"/>
+              </a:fontRef>
+            </p:style>
+            <p:txBody>
+              <a:bodyPr rtlCol="0" anchor="ctr"/>
+              <a:lstStyle/>
+              <a:p>
+                <a:pPr algn="ctr"/>
+                <a:endParaRPr lang="en-US" sz="1050"/>
+              </a:p>
+            </p:txBody>
+          </p:sp>
+          <p:sp>
+            <p:nvSpPr>
+              <p:cNvPr id="66" name="TextBox 65">
+                <a:extLst>
+                  <a:ext uri="{FF2B5EF4-FFF2-40B4-BE49-F238E27FC236}">
+                    <a16:creationId xmlns:a16="http://schemas.microsoft.com/office/drawing/2014/main" id="{3A8A22BF-44E6-4562-B3F8-12DFDE02C4F1}"/>
+                  </a:ext>
+                </a:extLst>
+              </p:cNvPr>
+              <p:cNvSpPr txBox="1"/>
+              <p:nvPr/>
+            </p:nvSpPr>
+            <p:spPr>
+              <a:xfrm rot="5400000">
+                <a:off x="-117757" y="6477324"/>
+                <a:ext cx="1884955" cy="114144"/>
+              </a:xfrm>
+              <a:prstGeom prst="rect">
+                <a:avLst/>
+              </a:prstGeom>
+              <a:noFill/>
+            </p:spPr>
+            <p:txBody>
+              <a:bodyPr wrap="square" rtlCol="0">
+                <a:spAutoFit/>
+              </a:bodyPr>
+              <a:lstStyle/>
+              <a:p>
+                <a:pPr algn="ctr"/>
+                <a:r>
+                  <a:rPr lang="en-US" sz="1050" dirty="0"/>
+                  <a:t>North America</a:t>
+                </a:r>
+              </a:p>
+            </p:txBody>
+          </p:sp>
+        </p:grpSp>
+        <p:grpSp>
+          <p:nvGrpSpPr>
+            <p:cNvPr id="50" name="Group 49">
+              <a:extLst>
+                <a:ext uri="{FF2B5EF4-FFF2-40B4-BE49-F238E27FC236}">
+                  <a16:creationId xmlns:a16="http://schemas.microsoft.com/office/drawing/2014/main" id="{48F74C7B-1715-4486-98CD-70FD7504B9F3}"/>
+                </a:ext>
+              </a:extLst>
+            </p:cNvPr>
+            <p:cNvGrpSpPr/>
+            <p:nvPr/>
+          </p:nvGrpSpPr>
+          <p:grpSpPr>
+            <a:xfrm rot="16200000">
+              <a:off x="5067837" y="3469162"/>
+              <a:ext cx="1797318" cy="2057755"/>
+              <a:chOff x="325464" y="5419124"/>
+              <a:chExt cx="991892" cy="2057755"/>
+            </a:xfrm>
+          </p:grpSpPr>
+          <p:sp>
+            <p:nvSpPr>
+              <p:cNvPr id="63" name="Left Brace 62">
+                <a:extLst>
+                  <a:ext uri="{FF2B5EF4-FFF2-40B4-BE49-F238E27FC236}">
+                    <a16:creationId xmlns:a16="http://schemas.microsoft.com/office/drawing/2014/main" id="{89466FB5-87B0-4A5E-95F3-F87288AC2F8D}"/>
+                  </a:ext>
+                </a:extLst>
+              </p:cNvPr>
+              <p:cNvSpPr/>
+              <p:nvPr/>
+            </p:nvSpPr>
+            <p:spPr>
+              <a:xfrm rot="16200000">
+                <a:off x="661932" y="5082656"/>
+                <a:ext cx="318956" cy="991892"/>
+              </a:xfrm>
+              <a:prstGeom prst="leftBrace">
+                <a:avLst/>
+              </a:prstGeom>
+              <a:ln w="19050">
+                <a:solidFill>
+                  <a:schemeClr val="tx1">
+                    <a:lumMod val="85000"/>
+                    <a:lumOff val="15000"/>
+                  </a:schemeClr>
+                </a:solidFill>
+              </a:ln>
+            </p:spPr>
+            <p:style>
+              <a:lnRef idx="1">
+                <a:schemeClr val="accent1"/>
+              </a:lnRef>
+              <a:fillRef idx="0">
+                <a:schemeClr val="accent1"/>
+              </a:fillRef>
+              <a:effectRef idx="0">
+                <a:schemeClr val="accent1"/>
+              </a:effectRef>
+              <a:fontRef idx="minor">
+                <a:schemeClr val="tx1"/>
+              </a:fontRef>
+            </p:style>
+            <p:txBody>
+              <a:bodyPr rtlCol="0" anchor="ctr"/>
+              <a:lstStyle/>
+              <a:p>
+                <a:pPr algn="ctr"/>
+                <a:endParaRPr lang="en-US" sz="1050"/>
+              </a:p>
+            </p:txBody>
+          </p:sp>
+          <p:sp>
+            <p:nvSpPr>
+              <p:cNvPr id="64" name="TextBox 63">
+                <a:extLst>
+                  <a:ext uri="{FF2B5EF4-FFF2-40B4-BE49-F238E27FC236}">
+                    <a16:creationId xmlns:a16="http://schemas.microsoft.com/office/drawing/2014/main" id="{B3932B0A-BC57-4664-A513-509981ED8AF5}"/>
+                  </a:ext>
+                </a:extLst>
+              </p:cNvPr>
+              <p:cNvSpPr txBox="1"/>
+              <p:nvPr/>
+            </p:nvSpPr>
+            <p:spPr>
+              <a:xfrm rot="5400000">
+                <a:off x="-153776" y="6441309"/>
+                <a:ext cx="1884956" cy="186183"/>
+              </a:xfrm>
+              <a:prstGeom prst="rect">
+                <a:avLst/>
+              </a:prstGeom>
+              <a:noFill/>
+            </p:spPr>
+            <p:txBody>
+              <a:bodyPr wrap="square" rtlCol="0">
+                <a:spAutoFit/>
+              </a:bodyPr>
+              <a:lstStyle/>
+              <a:p>
+                <a:pPr algn="ctr"/>
+                <a:r>
+                  <a:rPr lang="en-US" sz="1050" dirty="0"/>
+                  <a:t>Hawaii</a:t>
+                </a:r>
+              </a:p>
+            </p:txBody>
+          </p:sp>
+        </p:grpSp>
+        <p:cxnSp>
+          <p:nvCxnSpPr>
+            <p:cNvPr id="51" name="Straight Connector 50">
+              <a:extLst>
+                <a:ext uri="{FF2B5EF4-FFF2-40B4-BE49-F238E27FC236}">
+                  <a16:creationId xmlns:a16="http://schemas.microsoft.com/office/drawing/2014/main" id="{DE369EF2-382A-4987-BF41-0C4172CD9D62}"/>
+                </a:ext>
+              </a:extLst>
+            </p:cNvPr>
+            <p:cNvCxnSpPr>
+              <a:cxnSpLocks/>
+            </p:cNvCxnSpPr>
+            <p:nvPr/>
+          </p:nvCxnSpPr>
+          <p:spPr>
+            <a:xfrm flipV="1">
+              <a:off x="3398427" y="4558366"/>
+              <a:ext cx="1148630" cy="331398"/>
+            </a:xfrm>
+            <a:prstGeom prst="line">
+              <a:avLst/>
+            </a:prstGeom>
+            <a:ln w="12700">
+              <a:solidFill>
+                <a:schemeClr val="tx1"/>
+              </a:solidFill>
+            </a:ln>
+          </p:spPr>
+          <p:style>
+            <a:lnRef idx="1">
+              <a:schemeClr val="accent1"/>
+            </a:lnRef>
+            <a:fillRef idx="0">
+              <a:schemeClr val="accent1"/>
+            </a:fillRef>
+            <a:effectRef idx="0">
+              <a:schemeClr val="accent1"/>
+            </a:effectRef>
+            <a:fontRef idx="minor">
+              <a:schemeClr val="tx1"/>
+            </a:fontRef>
+          </p:style>
+        </p:cxnSp>
+        <p:cxnSp>
+          <p:nvCxnSpPr>
+            <p:cNvPr id="52" name="Straight Connector 51">
+              <a:extLst>
+                <a:ext uri="{FF2B5EF4-FFF2-40B4-BE49-F238E27FC236}">
+                  <a16:creationId xmlns:a16="http://schemas.microsoft.com/office/drawing/2014/main" id="{034C396D-06CD-47FE-AA05-06C07C7B53E7}"/>
+                </a:ext>
+              </a:extLst>
+            </p:cNvPr>
+            <p:cNvCxnSpPr>
+              <a:cxnSpLocks/>
+            </p:cNvCxnSpPr>
+            <p:nvPr/>
+          </p:nvCxnSpPr>
+          <p:spPr>
+            <a:xfrm>
+              <a:off x="3388659" y="5118849"/>
+              <a:ext cx="1155796" cy="270073"/>
+            </a:xfrm>
+            <a:prstGeom prst="line">
+              <a:avLst/>
+            </a:prstGeom>
+            <a:ln w="12700">
+              <a:solidFill>
+                <a:schemeClr val="tx1"/>
+              </a:solidFill>
+            </a:ln>
+          </p:spPr>
+          <p:style>
+            <a:lnRef idx="1">
+              <a:schemeClr val="accent1"/>
+            </a:lnRef>
+            <a:fillRef idx="0">
+              <a:schemeClr val="accent1"/>
+            </a:fillRef>
+            <a:effectRef idx="0">
+              <a:schemeClr val="accent1"/>
+            </a:effectRef>
+            <a:fontRef idx="minor">
+              <a:schemeClr val="tx1"/>
+            </a:fontRef>
+          </p:style>
+        </p:cxnSp>
+        <p:cxnSp>
+          <p:nvCxnSpPr>
+            <p:cNvPr id="53" name="Straight Connector 52">
+              <a:extLst>
+                <a:ext uri="{FF2B5EF4-FFF2-40B4-BE49-F238E27FC236}">
+                  <a16:creationId xmlns:a16="http://schemas.microsoft.com/office/drawing/2014/main" id="{C63AA7B3-8F9F-4621-9E46-68A12656F69D}"/>
+                </a:ext>
+              </a:extLst>
+            </p:cNvPr>
+            <p:cNvCxnSpPr>
+              <a:cxnSpLocks/>
+            </p:cNvCxnSpPr>
+            <p:nvPr/>
+          </p:nvCxnSpPr>
+          <p:spPr>
+            <a:xfrm>
+              <a:off x="3401876" y="4887400"/>
+              <a:ext cx="0" cy="231449"/>
+            </a:xfrm>
+            <a:prstGeom prst="line">
+              <a:avLst/>
+            </a:prstGeom>
+            <a:ln w="12700">
+              <a:solidFill>
+                <a:schemeClr val="tx1"/>
+              </a:solidFill>
+            </a:ln>
+          </p:spPr>
+          <p:style>
+            <a:lnRef idx="1">
+              <a:schemeClr val="accent1"/>
+            </a:lnRef>
+            <a:fillRef idx="0">
+              <a:schemeClr val="accent1"/>
+            </a:fillRef>
+            <a:effectRef idx="0">
+              <a:schemeClr val="accent1"/>
+            </a:effectRef>
+            <a:fontRef idx="minor">
+              <a:schemeClr val="tx1"/>
+            </a:fontRef>
+          </p:style>
+        </p:cxnSp>
+        <p:cxnSp>
+          <p:nvCxnSpPr>
+            <p:cNvPr id="54" name="Straight Connector 53">
+              <a:extLst>
+                <a:ext uri="{FF2B5EF4-FFF2-40B4-BE49-F238E27FC236}">
+                  <a16:creationId xmlns:a16="http://schemas.microsoft.com/office/drawing/2014/main" id="{10AF92C2-1049-4E7A-96AB-30C700BBFBCA}"/>
+                </a:ext>
+              </a:extLst>
+            </p:cNvPr>
+            <p:cNvCxnSpPr>
+              <a:cxnSpLocks/>
+            </p:cNvCxnSpPr>
+            <p:nvPr/>
+          </p:nvCxnSpPr>
+          <p:spPr>
+            <a:xfrm>
+              <a:off x="4547057" y="4558366"/>
+              <a:ext cx="0" cy="830554"/>
+            </a:xfrm>
+            <a:prstGeom prst="line">
+              <a:avLst/>
+            </a:prstGeom>
+            <a:ln w="12700">
+              <a:solidFill>
+                <a:schemeClr val="tx1"/>
+              </a:solidFill>
+            </a:ln>
+          </p:spPr>
+          <p:style>
+            <a:lnRef idx="1">
+              <a:schemeClr val="accent1"/>
+            </a:lnRef>
+            <a:fillRef idx="0">
+              <a:schemeClr val="accent1"/>
+            </a:fillRef>
+            <a:effectRef idx="0">
+              <a:schemeClr val="accent1"/>
+            </a:effectRef>
+            <a:fontRef idx="minor">
+              <a:schemeClr val="tx1"/>
+            </a:fontRef>
+          </p:style>
+        </p:cxnSp>
+        <p:sp>
+          <p:nvSpPr>
+            <p:cNvPr id="55" name="TextBox 54">
+              <a:extLst>
+                <a:ext uri="{FF2B5EF4-FFF2-40B4-BE49-F238E27FC236}">
+                  <a16:creationId xmlns:a16="http://schemas.microsoft.com/office/drawing/2014/main" id="{60C62E60-690F-44C4-BB45-3E235144F371}"/>
+                </a:ext>
+              </a:extLst>
+            </p:cNvPr>
+            <p:cNvSpPr txBox="1"/>
+            <p:nvPr/>
+          </p:nvSpPr>
+          <p:spPr>
+            <a:xfrm>
+              <a:off x="3173701" y="5565727"/>
+              <a:ext cx="449452" cy="297675"/>
+            </a:xfrm>
+            <a:prstGeom prst="rect">
+              <a:avLst/>
+            </a:prstGeom>
+            <a:solidFill>
+              <a:schemeClr val="bg1"/>
+            </a:solidFill>
+            <a:ln>
+              <a:solidFill>
+                <a:schemeClr val="tx1"/>
+              </a:solidFill>
+            </a:ln>
+          </p:spPr>
+          <p:txBody>
+            <a:bodyPr wrap="square" rtlCol="0">
+              <a:spAutoFit/>
+            </a:bodyPr>
+            <a:lstStyle/>
+            <a:p>
+              <a:pPr algn="ctr"/>
+              <a:r>
+                <a:rPr lang="en-US" sz="900" dirty="0"/>
+                <a:t>s</a:t>
+              </a:r>
+            </a:p>
+          </p:txBody>
+        </p:sp>
+        <p:sp>
+          <p:nvSpPr>
+            <p:cNvPr id="56" name="TextBox 55">
+              <a:extLst>
+                <a:ext uri="{FF2B5EF4-FFF2-40B4-BE49-F238E27FC236}">
+                  <a16:creationId xmlns:a16="http://schemas.microsoft.com/office/drawing/2014/main" id="{37CC8DF9-E3BC-42CF-910F-1A12AB8A242B}"/>
+                </a:ext>
+              </a:extLst>
+            </p:cNvPr>
+            <p:cNvSpPr txBox="1"/>
+            <p:nvPr/>
+          </p:nvSpPr>
+          <p:spPr>
+            <a:xfrm>
+              <a:off x="4137656" y="5498005"/>
+              <a:ext cx="798162" cy="337366"/>
+            </a:xfrm>
+            <a:prstGeom prst="rect">
+              <a:avLst/>
+            </a:prstGeom>
+            <a:solidFill>
+              <a:schemeClr val="bg1"/>
+            </a:solidFill>
+            <a:ln>
+              <a:solidFill>
+                <a:schemeClr val="tx1"/>
+              </a:solidFill>
+            </a:ln>
+          </p:spPr>
+          <p:txBody>
+            <a:bodyPr wrap="square" rtlCol="0">
+              <a:spAutoFit/>
+            </a:bodyPr>
+            <a:lstStyle/>
+            <a:p>
+              <a:pPr algn="ctr"/>
+              <a:r>
+                <a:rPr lang="en-US" sz="1050" dirty="0"/>
+                <a:t>Nu2</a:t>
+              </a:r>
+            </a:p>
+          </p:txBody>
+        </p:sp>
+        <p:sp>
+          <p:nvSpPr>
+            <p:cNvPr id="57" name="Arrow: Bent 56">
+              <a:extLst>
+                <a:ext uri="{FF2B5EF4-FFF2-40B4-BE49-F238E27FC236}">
+                  <a16:creationId xmlns:a16="http://schemas.microsoft.com/office/drawing/2014/main" id="{62778A71-28E5-4638-97F7-4C1C5AB56F6D}"/>
+                </a:ext>
+              </a:extLst>
+            </p:cNvPr>
+            <p:cNvSpPr/>
+            <p:nvPr/>
+          </p:nvSpPr>
+          <p:spPr>
+            <a:xfrm rot="5400000">
+              <a:off x="2934039" y="4116314"/>
+              <a:ext cx="1175907" cy="247972"/>
+            </a:xfrm>
+            <a:prstGeom prst="bentArrow">
+              <a:avLst/>
+            </a:prstGeom>
+            <a:noFill/>
+            <a:ln>
+              <a:solidFill>
+                <a:schemeClr val="tx1"/>
+              </a:solidFill>
+            </a:ln>
+          </p:spPr>
+          <p:style>
+            <a:lnRef idx="2">
+              <a:schemeClr val="accent1">
+                <a:shade val="50000"/>
+              </a:schemeClr>
+            </a:lnRef>
+            <a:fillRef idx="1">
+              <a:schemeClr val="accent1"/>
+            </a:fillRef>
+            <a:effectRef idx="0">
+              <a:schemeClr val="accent1"/>
+            </a:effectRef>
+            <a:fontRef idx="minor">
+              <a:schemeClr val="lt1"/>
+            </a:fontRef>
+          </p:style>
+          <p:txBody>
+            <a:bodyPr rtlCol="0" anchor="ctr"/>
+            <a:lstStyle/>
+            <a:p>
+              <a:pPr algn="ctr"/>
+              <a:endParaRPr lang="en-US" sz="1050">
+                <a:solidFill>
+                  <a:schemeClr val="tx1"/>
+                </a:solidFill>
+              </a:endParaRPr>
+            </a:p>
+          </p:txBody>
+        </p:sp>
+        <p:sp>
+          <p:nvSpPr>
+            <p:cNvPr id="58" name="Arrow: Bent 57">
+              <a:extLst>
+                <a:ext uri="{FF2B5EF4-FFF2-40B4-BE49-F238E27FC236}">
+                  <a16:creationId xmlns:a16="http://schemas.microsoft.com/office/drawing/2014/main" id="{8D96F3C6-2332-466D-B480-03AC3904E6AF}"/>
+                </a:ext>
+              </a:extLst>
+            </p:cNvPr>
+            <p:cNvSpPr/>
+            <p:nvPr/>
+          </p:nvSpPr>
+          <p:spPr>
+            <a:xfrm rot="5400000" flipH="1">
+              <a:off x="2790249" y="2303356"/>
+              <a:ext cx="1419606" cy="207469"/>
+            </a:xfrm>
+            <a:prstGeom prst="bentArrow">
+              <a:avLst/>
+            </a:prstGeom>
+            <a:noFill/>
+            <a:ln>
+              <a:solidFill>
+                <a:schemeClr val="tx1"/>
+              </a:solidFill>
+            </a:ln>
+          </p:spPr>
+          <p:style>
+            <a:lnRef idx="2">
+              <a:schemeClr val="accent1">
+                <a:shade val="50000"/>
+              </a:schemeClr>
+            </a:lnRef>
+            <a:fillRef idx="1">
+              <a:schemeClr val="accent1"/>
+            </a:fillRef>
+            <a:effectRef idx="0">
+              <a:schemeClr val="accent1"/>
+            </a:effectRef>
+            <a:fontRef idx="minor">
+              <a:schemeClr val="lt1"/>
+            </a:fontRef>
+          </p:style>
+          <p:txBody>
+            <a:bodyPr rtlCol="0" anchor="ctr"/>
+            <a:lstStyle/>
+            <a:p>
+              <a:pPr algn="ctr"/>
+              <a:endParaRPr lang="en-US" sz="1050" dirty="0">
+                <a:solidFill>
+                  <a:schemeClr val="tx1"/>
+                </a:solidFill>
+              </a:endParaRPr>
+            </a:p>
+          </p:txBody>
+        </p:sp>
+        <p:sp>
+          <p:nvSpPr>
+            <p:cNvPr id="59" name="TextBox 58">
+              <a:extLst>
+                <a:ext uri="{FF2B5EF4-FFF2-40B4-BE49-F238E27FC236}">
+                  <a16:creationId xmlns:a16="http://schemas.microsoft.com/office/drawing/2014/main" id="{937D67D3-8CB1-461B-BBC4-0745100A26BD}"/>
+                </a:ext>
+              </a:extLst>
+            </p:cNvPr>
+            <p:cNvSpPr txBox="1"/>
+            <p:nvPr/>
+          </p:nvSpPr>
+          <p:spPr>
+            <a:xfrm>
+              <a:off x="4196022" y="22278"/>
+              <a:ext cx="650929" cy="337366"/>
+            </a:xfrm>
+            <a:prstGeom prst="rect">
+              <a:avLst/>
+            </a:prstGeom>
+            <a:solidFill>
+              <a:schemeClr val="bg1"/>
+            </a:solidFill>
+            <a:ln>
+              <a:solidFill>
+                <a:schemeClr val="tx1"/>
+              </a:solidFill>
+            </a:ln>
+          </p:spPr>
+          <p:txBody>
+            <a:bodyPr wrap="square" rtlCol="0">
+              <a:spAutoFit/>
+            </a:bodyPr>
+            <a:lstStyle/>
+            <a:p>
+              <a:pPr algn="ctr"/>
+              <a:r>
+                <a:rPr lang="en-US" sz="1050" dirty="0"/>
+                <a:t>Nu1</a:t>
+              </a:r>
+            </a:p>
+          </p:txBody>
+        </p:sp>
+        <p:cxnSp>
+          <p:nvCxnSpPr>
+            <p:cNvPr id="60" name="Straight Connector 59">
+              <a:extLst>
+                <a:ext uri="{FF2B5EF4-FFF2-40B4-BE49-F238E27FC236}">
+                  <a16:creationId xmlns:a16="http://schemas.microsoft.com/office/drawing/2014/main" id="{2A73E04A-84C6-4D10-96E7-792DF31C9ADE}"/>
+                </a:ext>
+              </a:extLst>
+            </p:cNvPr>
+            <p:cNvCxnSpPr>
+              <a:cxnSpLocks/>
+            </p:cNvCxnSpPr>
+            <p:nvPr/>
+          </p:nvCxnSpPr>
+          <p:spPr>
+            <a:xfrm>
+              <a:off x="3398006" y="1031405"/>
+              <a:ext cx="0" cy="625790"/>
+            </a:xfrm>
+            <a:prstGeom prst="line">
+              <a:avLst/>
+            </a:prstGeom>
+            <a:ln w="12700">
+              <a:solidFill>
+                <a:schemeClr val="tx1"/>
+              </a:solidFill>
+            </a:ln>
+          </p:spPr>
+          <p:style>
+            <a:lnRef idx="1">
+              <a:schemeClr val="accent1"/>
+            </a:lnRef>
+            <a:fillRef idx="0">
+              <a:schemeClr val="accent1"/>
+            </a:fillRef>
+            <a:effectRef idx="0">
+              <a:schemeClr val="accent1"/>
+            </a:effectRef>
+            <a:fontRef idx="minor">
+              <a:schemeClr val="tx1"/>
+            </a:fontRef>
+          </p:style>
+        </p:cxnSp>
+        <p:cxnSp>
+          <p:nvCxnSpPr>
+            <p:cNvPr id="61" name="Straight Arrow Connector 60">
+              <a:extLst>
+                <a:ext uri="{FF2B5EF4-FFF2-40B4-BE49-F238E27FC236}">
+                  <a16:creationId xmlns:a16="http://schemas.microsoft.com/office/drawing/2014/main" id="{99A0A819-C85E-42AD-8294-476FE4A2D107}"/>
+                </a:ext>
+              </a:extLst>
+            </p:cNvPr>
+            <p:cNvCxnSpPr>
+              <a:cxnSpLocks/>
+            </p:cNvCxnSpPr>
+            <p:nvPr/>
+          </p:nvCxnSpPr>
+          <p:spPr>
+            <a:xfrm flipH="1">
+              <a:off x="3986694" y="1820620"/>
+              <a:ext cx="13335" cy="2928899"/>
+            </a:xfrm>
+            <a:prstGeom prst="straightConnector1">
+              <a:avLst/>
+            </a:prstGeom>
+            <a:ln w="38100">
+              <a:solidFill>
+                <a:schemeClr val="tx1"/>
+              </a:solidFill>
+              <a:tailEnd type="triangle"/>
+            </a:ln>
+          </p:spPr>
+          <p:style>
+            <a:lnRef idx="1">
+              <a:schemeClr val="accent1"/>
+            </a:lnRef>
+            <a:fillRef idx="0">
+              <a:schemeClr val="accent1"/>
+            </a:fillRef>
+            <a:effectRef idx="0">
+              <a:schemeClr val="accent1"/>
+            </a:effectRef>
+            <a:fontRef idx="minor">
+              <a:schemeClr val="tx1"/>
+            </a:fontRef>
+          </p:style>
+        </p:cxnSp>
+        <p:sp>
+          <p:nvSpPr>
+            <p:cNvPr id="62" name="TextBox 61">
+              <a:extLst>
+                <a:ext uri="{FF2B5EF4-FFF2-40B4-BE49-F238E27FC236}">
+                  <a16:creationId xmlns:a16="http://schemas.microsoft.com/office/drawing/2014/main" id="{9BFCE331-E0AF-4A6D-964C-F788D8766E55}"/>
+                </a:ext>
+              </a:extLst>
+            </p:cNvPr>
+            <p:cNvSpPr txBox="1"/>
+            <p:nvPr/>
+          </p:nvSpPr>
+          <p:spPr>
+            <a:xfrm>
+              <a:off x="3698662" y="3079647"/>
+              <a:ext cx="567699" cy="297675"/>
+            </a:xfrm>
+            <a:prstGeom prst="rect">
+              <a:avLst/>
+            </a:prstGeom>
+            <a:solidFill>
+              <a:schemeClr val="bg1"/>
+            </a:solidFill>
+            <a:ln>
+              <a:solidFill>
+                <a:schemeClr val="tx1"/>
+              </a:solidFill>
+            </a:ln>
+          </p:spPr>
+          <p:txBody>
+            <a:bodyPr wrap="square" rtlCol="0">
+              <a:spAutoFit/>
+            </a:bodyPr>
+            <a:lstStyle/>
+            <a:p>
+              <a:pPr algn="ctr"/>
+              <a:r>
+                <a:rPr lang="en-US" sz="900" dirty="0"/>
+                <a:t>f</a:t>
+              </a:r>
+            </a:p>
+          </p:txBody>
+        </p:sp>
+      </p:grpSp>
+      <p:grpSp>
+        <p:nvGrpSpPr>
+          <p:cNvPr id="71" name="Group 70">
+            <a:extLst>
+              <a:ext uri="{FF2B5EF4-FFF2-40B4-BE49-F238E27FC236}">
+                <a16:creationId xmlns:a16="http://schemas.microsoft.com/office/drawing/2014/main" id="{1F2B3C73-DC06-4873-A673-DD5235C41471}"/>
+              </a:ext>
+            </a:extLst>
+          </p:cNvPr>
+          <p:cNvGrpSpPr/>
+          <p:nvPr/>
+        </p:nvGrpSpPr>
+        <p:grpSpPr>
+          <a:xfrm>
+            <a:off x="7236869" y="856039"/>
+            <a:ext cx="5187883" cy="5075239"/>
+            <a:chOff x="325464" y="-169402"/>
+            <a:chExt cx="7077363" cy="6833616"/>
+          </a:xfrm>
+        </p:grpSpPr>
+        <p:grpSp>
+          <p:nvGrpSpPr>
+            <p:cNvPr id="72" name="Group 71">
+              <a:extLst>
+                <a:ext uri="{FF2B5EF4-FFF2-40B4-BE49-F238E27FC236}">
+                  <a16:creationId xmlns:a16="http://schemas.microsoft.com/office/drawing/2014/main" id="{B6B9F95D-7A4B-42EE-AB47-F39E83FFEE0A}"/>
+                </a:ext>
+              </a:extLst>
+            </p:cNvPr>
+            <p:cNvGrpSpPr/>
+            <p:nvPr/>
+          </p:nvGrpSpPr>
+          <p:grpSpPr>
+            <a:xfrm rot="16200000">
+              <a:off x="4741247" y="930026"/>
+              <a:ext cx="3265405" cy="2057751"/>
+              <a:chOff x="325464" y="5680820"/>
+              <a:chExt cx="991892" cy="2057751"/>
+            </a:xfrm>
+          </p:grpSpPr>
+          <p:sp>
+            <p:nvSpPr>
+              <p:cNvPr id="120" name="Left Brace 119">
+                <a:extLst>
+                  <a:ext uri="{FF2B5EF4-FFF2-40B4-BE49-F238E27FC236}">
+                    <a16:creationId xmlns:a16="http://schemas.microsoft.com/office/drawing/2014/main" id="{53EA98B0-1440-4E27-AF0F-E96012B503B4}"/>
+                  </a:ext>
+                </a:extLst>
+              </p:cNvPr>
+              <p:cNvSpPr/>
+              <p:nvPr/>
+            </p:nvSpPr>
+            <p:spPr>
+              <a:xfrm rot="16200000">
+                <a:off x="661932" y="5344352"/>
+                <a:ext cx="318956" cy="991892"/>
+              </a:xfrm>
+              <a:prstGeom prst="leftBrace">
+                <a:avLst/>
+              </a:prstGeom>
+              <a:ln w="19050">
+                <a:solidFill>
+                  <a:schemeClr val="tx1">
+                    <a:lumMod val="85000"/>
+                    <a:lumOff val="15000"/>
+                  </a:schemeClr>
+                </a:solidFill>
+              </a:ln>
+            </p:spPr>
+            <p:style>
+              <a:lnRef idx="1">
+                <a:schemeClr val="accent1"/>
+              </a:lnRef>
+              <a:fillRef idx="0">
+                <a:schemeClr val="accent1"/>
+              </a:fillRef>
+              <a:effectRef idx="0">
+                <a:schemeClr val="accent1"/>
+              </a:effectRef>
+              <a:fontRef idx="minor">
+                <a:schemeClr val="tx1"/>
+              </a:fontRef>
+            </p:style>
+            <p:txBody>
+              <a:bodyPr rtlCol="0" anchor="ctr"/>
+              <a:lstStyle/>
+              <a:p>
+                <a:pPr algn="ctr"/>
+                <a:endParaRPr lang="en-US" sz="1050"/>
+              </a:p>
+            </p:txBody>
+          </p:sp>
+          <p:sp>
+            <p:nvSpPr>
+              <p:cNvPr id="121" name="TextBox 120">
+                <a:extLst>
+                  <a:ext uri="{FF2B5EF4-FFF2-40B4-BE49-F238E27FC236}">
+                    <a16:creationId xmlns:a16="http://schemas.microsoft.com/office/drawing/2014/main" id="{09055166-B15A-4793-B03D-E1A202A64DB9}"/>
+                  </a:ext>
+                </a:extLst>
+              </p:cNvPr>
+              <p:cNvSpPr txBox="1"/>
+              <p:nvPr/>
+            </p:nvSpPr>
+            <p:spPr>
+              <a:xfrm rot="5400000">
+                <a:off x="-114185" y="6742594"/>
+                <a:ext cx="1884956" cy="106998"/>
+              </a:xfrm>
+              <a:prstGeom prst="rect">
+                <a:avLst/>
+              </a:prstGeom>
+              <a:noFill/>
+            </p:spPr>
+            <p:txBody>
+              <a:bodyPr wrap="square" rtlCol="0">
+                <a:spAutoFit/>
+              </a:bodyPr>
+              <a:lstStyle/>
+              <a:p>
+                <a:pPr algn="ctr"/>
+                <a:r>
+                  <a:rPr lang="en-US" sz="1050" dirty="0"/>
+                  <a:t>North America</a:t>
+                </a:r>
+              </a:p>
+            </p:txBody>
+          </p:sp>
+        </p:grpSp>
+        <p:grpSp>
+          <p:nvGrpSpPr>
+            <p:cNvPr id="73" name="Group 72">
+              <a:extLst>
+                <a:ext uri="{FF2B5EF4-FFF2-40B4-BE49-F238E27FC236}">
+                  <a16:creationId xmlns:a16="http://schemas.microsoft.com/office/drawing/2014/main" id="{B207BC83-9F77-47BE-B414-15398E6C6D52}"/>
+                </a:ext>
+              </a:extLst>
+            </p:cNvPr>
+            <p:cNvGrpSpPr/>
+            <p:nvPr/>
+          </p:nvGrpSpPr>
+          <p:grpSpPr>
+            <a:xfrm rot="16200000">
+              <a:off x="5546663" y="3390013"/>
+              <a:ext cx="1654574" cy="2057754"/>
+              <a:chOff x="325464" y="5680820"/>
+              <a:chExt cx="991892" cy="2057754"/>
+            </a:xfrm>
+          </p:grpSpPr>
+          <p:sp>
+            <p:nvSpPr>
+              <p:cNvPr id="118" name="Left Brace 117">
+                <a:extLst>
+                  <a:ext uri="{FF2B5EF4-FFF2-40B4-BE49-F238E27FC236}">
+                    <a16:creationId xmlns:a16="http://schemas.microsoft.com/office/drawing/2014/main" id="{CB20F89F-E4CD-4276-BEDE-36CD578BD6F2}"/>
+                  </a:ext>
+                </a:extLst>
+              </p:cNvPr>
+              <p:cNvSpPr/>
+              <p:nvPr/>
+            </p:nvSpPr>
+            <p:spPr>
+              <a:xfrm rot="16200000">
+                <a:off x="661932" y="5344352"/>
+                <a:ext cx="318956" cy="991892"/>
+              </a:xfrm>
+              <a:prstGeom prst="leftBrace">
+                <a:avLst/>
+              </a:prstGeom>
+              <a:ln w="19050">
+                <a:solidFill>
+                  <a:schemeClr val="tx1">
+                    <a:lumMod val="85000"/>
+                    <a:lumOff val="15000"/>
+                  </a:schemeClr>
+                </a:solidFill>
+              </a:ln>
+            </p:spPr>
+            <p:style>
+              <a:lnRef idx="1">
+                <a:schemeClr val="accent1"/>
+              </a:lnRef>
+              <a:fillRef idx="0">
+                <a:schemeClr val="accent1"/>
+              </a:fillRef>
+              <a:effectRef idx="0">
+                <a:schemeClr val="accent1"/>
+              </a:effectRef>
+              <a:fontRef idx="minor">
+                <a:schemeClr val="tx1"/>
+              </a:fontRef>
+            </p:style>
+            <p:txBody>
+              <a:bodyPr rtlCol="0" anchor="ctr"/>
+              <a:lstStyle/>
+              <a:p>
+                <a:pPr algn="ctr"/>
+                <a:endParaRPr lang="en-US" sz="1050"/>
+              </a:p>
+            </p:txBody>
+          </p:sp>
+          <p:sp>
+            <p:nvSpPr>
+              <p:cNvPr id="119" name="TextBox 118">
+                <a:extLst>
+                  <a:ext uri="{FF2B5EF4-FFF2-40B4-BE49-F238E27FC236}">
+                    <a16:creationId xmlns:a16="http://schemas.microsoft.com/office/drawing/2014/main" id="{6AD7C89B-6BE0-46E8-B601-FFE9E08388A7}"/>
+                  </a:ext>
+                </a:extLst>
+              </p:cNvPr>
+              <p:cNvSpPr txBox="1"/>
+              <p:nvPr/>
+            </p:nvSpPr>
+            <p:spPr>
+              <a:xfrm rot="5400000">
+                <a:off x="-166268" y="6690512"/>
+                <a:ext cx="1884956" cy="211167"/>
+              </a:xfrm>
+              <a:prstGeom prst="rect">
+                <a:avLst/>
+              </a:prstGeom>
+              <a:noFill/>
+            </p:spPr>
+            <p:txBody>
+              <a:bodyPr wrap="square" rtlCol="0">
+                <a:spAutoFit/>
+              </a:bodyPr>
+              <a:lstStyle/>
+              <a:p>
+                <a:pPr algn="ctr"/>
+                <a:r>
+                  <a:rPr lang="en-US" sz="1050" dirty="0"/>
+                  <a:t>Hawaii</a:t>
+                </a:r>
+              </a:p>
+            </p:txBody>
+          </p:sp>
+        </p:grpSp>
+        <p:grpSp>
+          <p:nvGrpSpPr>
+            <p:cNvPr id="74" name="Group 73">
+              <a:extLst>
+                <a:ext uri="{FF2B5EF4-FFF2-40B4-BE49-F238E27FC236}">
+                  <a16:creationId xmlns:a16="http://schemas.microsoft.com/office/drawing/2014/main" id="{8A895F08-8B83-49D1-9876-43653EFEC545}"/>
+                </a:ext>
+              </a:extLst>
+            </p:cNvPr>
+            <p:cNvGrpSpPr/>
+            <p:nvPr/>
+          </p:nvGrpSpPr>
+          <p:grpSpPr>
+            <a:xfrm>
+              <a:off x="325464" y="-169402"/>
+              <a:ext cx="4620674" cy="6833616"/>
+              <a:chOff x="325464" y="-169402"/>
+              <a:chExt cx="4620674" cy="6833616"/>
+            </a:xfrm>
+          </p:grpSpPr>
+          <p:sp>
+            <p:nvSpPr>
+              <p:cNvPr id="75" name="Rectangle 74">
+                <a:extLst>
+                  <a:ext uri="{FF2B5EF4-FFF2-40B4-BE49-F238E27FC236}">
+                    <a16:creationId xmlns:a16="http://schemas.microsoft.com/office/drawing/2014/main" id="{288424EE-53F8-4FC5-B2B6-858045200537}"/>
+                  </a:ext>
+                </a:extLst>
+              </p:cNvPr>
+              <p:cNvSpPr/>
+              <p:nvPr/>
+            </p:nvSpPr>
+            <p:spPr>
+              <a:xfrm>
+                <a:off x="325464" y="2776690"/>
+                <a:ext cx="991892" cy="457200"/>
+              </a:xfrm>
+              <a:prstGeom prst="rect">
+                <a:avLst/>
+              </a:prstGeom>
+              <a:solidFill>
+                <a:schemeClr val="bg1"/>
+              </a:solidFill>
+              <a:ln>
+                <a:solidFill>
+                  <a:schemeClr val="tx1"/>
+                </a:solidFill>
+              </a:ln>
+            </p:spPr>
+            <p:style>
+              <a:lnRef idx="2">
+                <a:schemeClr val="accent1">
+                  <a:shade val="50000"/>
+                </a:schemeClr>
+              </a:lnRef>
+              <a:fillRef idx="1">
+                <a:schemeClr val="accent1"/>
+              </a:fillRef>
+              <a:effectRef idx="0">
+                <a:schemeClr val="accent1"/>
+              </a:effectRef>
+              <a:fontRef idx="minor">
+                <a:schemeClr val="lt1"/>
+              </a:fontRef>
+            </p:style>
+            <p:txBody>
+              <a:bodyPr rtlCol="0" anchor="ctr"/>
+              <a:lstStyle/>
+              <a:p>
+                <a:pPr algn="ctr"/>
+                <a:endParaRPr lang="en-US" sz="1050"/>
+              </a:p>
+            </p:txBody>
+          </p:sp>
+          <p:sp>
+            <p:nvSpPr>
+              <p:cNvPr id="76" name="Rectangle 75">
+                <a:extLst>
+                  <a:ext uri="{FF2B5EF4-FFF2-40B4-BE49-F238E27FC236}">
+                    <a16:creationId xmlns:a16="http://schemas.microsoft.com/office/drawing/2014/main" id="{F4163197-D93F-4D4D-B44C-DD83ED03A714}"/>
+                  </a:ext>
+                </a:extLst>
+              </p:cNvPr>
+              <p:cNvSpPr/>
+              <p:nvPr/>
+            </p:nvSpPr>
+            <p:spPr>
+              <a:xfrm>
+                <a:off x="1317356" y="2572718"/>
+                <a:ext cx="991892" cy="856281"/>
+              </a:xfrm>
+              <a:prstGeom prst="rect">
+                <a:avLst/>
+              </a:prstGeom>
+              <a:solidFill>
+                <a:schemeClr val="bg1"/>
+              </a:solidFill>
+              <a:ln>
+                <a:solidFill>
+                  <a:schemeClr val="tx1"/>
+                </a:solidFill>
+              </a:ln>
+            </p:spPr>
+            <p:style>
+              <a:lnRef idx="2">
+                <a:schemeClr val="accent1">
+                  <a:shade val="50000"/>
+                </a:schemeClr>
+              </a:lnRef>
+              <a:fillRef idx="1">
+                <a:schemeClr val="accent1"/>
+              </a:fillRef>
+              <a:effectRef idx="0">
+                <a:schemeClr val="accent1"/>
+              </a:effectRef>
+              <a:fontRef idx="minor">
+                <a:schemeClr val="lt1"/>
+              </a:fontRef>
+            </p:style>
+            <p:txBody>
+              <a:bodyPr rtlCol="0" anchor="ctr"/>
+              <a:lstStyle/>
+              <a:p>
+                <a:pPr algn="ctr"/>
+                <a:endParaRPr lang="en-US" sz="1050"/>
+              </a:p>
+            </p:txBody>
+          </p:sp>
+          <p:sp>
+            <p:nvSpPr>
+              <p:cNvPr id="77" name="TextBox 76">
+                <a:extLst>
+                  <a:ext uri="{FF2B5EF4-FFF2-40B4-BE49-F238E27FC236}">
+                    <a16:creationId xmlns:a16="http://schemas.microsoft.com/office/drawing/2014/main" id="{537C56EB-B92D-489F-AD6E-DE043340A31B}"/>
+                  </a:ext>
+                </a:extLst>
+              </p:cNvPr>
+              <p:cNvSpPr txBox="1"/>
+              <p:nvPr/>
+            </p:nvSpPr>
+            <p:spPr>
+              <a:xfrm>
+                <a:off x="495947" y="2324052"/>
+                <a:ext cx="650927" cy="352248"/>
+              </a:xfrm>
+              <a:prstGeom prst="rect">
+                <a:avLst/>
+              </a:prstGeom>
+              <a:solidFill>
+                <a:schemeClr val="bg1"/>
+              </a:solidFill>
+              <a:ln>
+                <a:solidFill>
+                  <a:schemeClr val="tx1"/>
+                </a:solidFill>
+              </a:ln>
+            </p:spPr>
+            <p:txBody>
+              <a:bodyPr wrap="square" rtlCol="0">
+                <a:spAutoFit/>
+              </a:bodyPr>
+              <a:lstStyle/>
+              <a:p>
+                <a:pPr algn="ctr"/>
+                <a:r>
+                  <a:rPr lang="en-US" sz="1050" dirty="0"/>
+                  <a:t>NuA</a:t>
+                </a:r>
+              </a:p>
+            </p:txBody>
+          </p:sp>
+          <p:cxnSp>
+            <p:nvCxnSpPr>
+              <p:cNvPr id="78" name="Straight Connector 77">
+                <a:extLst>
+                  <a:ext uri="{FF2B5EF4-FFF2-40B4-BE49-F238E27FC236}">
+                    <a16:creationId xmlns:a16="http://schemas.microsoft.com/office/drawing/2014/main" id="{0EB0092D-F667-4F42-AD9C-0BF6A8F67F59}"/>
+                  </a:ext>
+                </a:extLst>
+              </p:cNvPr>
+              <p:cNvCxnSpPr/>
+              <p:nvPr/>
+            </p:nvCxnSpPr>
+            <p:spPr>
+              <a:xfrm>
+                <a:off x="3401878" y="2215007"/>
+                <a:ext cx="0" cy="1619573"/>
+              </a:xfrm>
+              <a:prstGeom prst="line">
+                <a:avLst/>
+              </a:prstGeom>
+              <a:ln w="12700">
+                <a:solidFill>
+                  <a:schemeClr val="tx1"/>
+                </a:solidFill>
+              </a:ln>
+            </p:spPr>
+            <p:style>
+              <a:lnRef idx="1">
+                <a:schemeClr val="accent1"/>
+              </a:lnRef>
+              <a:fillRef idx="0">
+                <a:schemeClr val="accent1"/>
+              </a:fillRef>
+              <a:effectRef idx="0">
+                <a:schemeClr val="accent1"/>
+              </a:effectRef>
+              <a:fontRef idx="minor">
+                <a:schemeClr val="tx1"/>
+              </a:fontRef>
+            </p:style>
+          </p:cxnSp>
+          <p:cxnSp>
+            <p:nvCxnSpPr>
+              <p:cNvPr id="79" name="Straight Connector 78">
+                <a:extLst>
+                  <a:ext uri="{FF2B5EF4-FFF2-40B4-BE49-F238E27FC236}">
+                    <a16:creationId xmlns:a16="http://schemas.microsoft.com/office/drawing/2014/main" id="{19AABC38-875C-4600-8F60-D5582EB895C9}"/>
+                  </a:ext>
+                </a:extLst>
+              </p:cNvPr>
+              <p:cNvCxnSpPr>
+                <a:cxnSpLocks/>
+              </p:cNvCxnSpPr>
+              <p:nvPr/>
+            </p:nvCxnSpPr>
+            <p:spPr>
+              <a:xfrm flipV="1">
+                <a:off x="2309248" y="2215007"/>
+                <a:ext cx="1092630" cy="357711"/>
+              </a:xfrm>
+              <a:prstGeom prst="line">
+                <a:avLst/>
+              </a:prstGeom>
+              <a:ln w="12700">
+                <a:solidFill>
+                  <a:schemeClr val="tx1"/>
+                </a:solidFill>
+              </a:ln>
+            </p:spPr>
+            <p:style>
+              <a:lnRef idx="1">
+                <a:schemeClr val="accent1"/>
+              </a:lnRef>
+              <a:fillRef idx="0">
+                <a:schemeClr val="accent1"/>
+              </a:fillRef>
+              <a:effectRef idx="0">
+                <a:schemeClr val="accent1"/>
+              </a:effectRef>
+              <a:fontRef idx="minor">
+                <a:schemeClr val="tx1"/>
+              </a:fontRef>
+            </p:style>
+          </p:cxnSp>
+          <p:cxnSp>
+            <p:nvCxnSpPr>
+              <p:cNvPr id="80" name="Straight Connector 79">
+                <a:extLst>
+                  <a:ext uri="{FF2B5EF4-FFF2-40B4-BE49-F238E27FC236}">
+                    <a16:creationId xmlns:a16="http://schemas.microsoft.com/office/drawing/2014/main" id="{A00A8F61-1E20-4C01-BAE7-119FF4A10FF1}"/>
+                  </a:ext>
+                </a:extLst>
+              </p:cNvPr>
+              <p:cNvCxnSpPr>
+                <a:cxnSpLocks/>
+              </p:cNvCxnSpPr>
+              <p:nvPr/>
+            </p:nvCxnSpPr>
+            <p:spPr>
+              <a:xfrm>
+                <a:off x="2309247" y="3429000"/>
+                <a:ext cx="1092631" cy="405580"/>
+              </a:xfrm>
+              <a:prstGeom prst="line">
+                <a:avLst/>
+              </a:prstGeom>
+              <a:ln w="12700">
+                <a:solidFill>
+                  <a:schemeClr val="tx1"/>
+                </a:solidFill>
+              </a:ln>
+            </p:spPr>
+            <p:style>
+              <a:lnRef idx="1">
+                <a:schemeClr val="accent1"/>
+              </a:lnRef>
+              <a:fillRef idx="0">
+                <a:schemeClr val="accent1"/>
+              </a:fillRef>
+              <a:effectRef idx="0">
+                <a:schemeClr val="accent1"/>
+              </a:effectRef>
+              <a:fontRef idx="minor">
+                <a:schemeClr val="tx1"/>
+              </a:fontRef>
+            </p:style>
+          </p:cxnSp>
+          <p:cxnSp>
+            <p:nvCxnSpPr>
+              <p:cNvPr id="81" name="Straight Connector 80">
+                <a:extLst>
+                  <a:ext uri="{FF2B5EF4-FFF2-40B4-BE49-F238E27FC236}">
+                    <a16:creationId xmlns:a16="http://schemas.microsoft.com/office/drawing/2014/main" id="{A272A855-0D38-4F9D-B0CE-0B91C4F6E510}"/>
+                  </a:ext>
+                </a:extLst>
+              </p:cNvPr>
+              <p:cNvCxnSpPr>
+                <a:cxnSpLocks/>
+              </p:cNvCxnSpPr>
+              <p:nvPr/>
+            </p:nvCxnSpPr>
+            <p:spPr>
+              <a:xfrm>
+                <a:off x="3277891" y="3591602"/>
+                <a:ext cx="247973" cy="0"/>
+              </a:xfrm>
+              <a:prstGeom prst="line">
+                <a:avLst/>
+              </a:prstGeom>
+              <a:ln w="12700">
+                <a:solidFill>
+                  <a:schemeClr val="tx1"/>
+                </a:solidFill>
+                <a:prstDash val="sysDot"/>
+              </a:ln>
+            </p:spPr>
+            <p:style>
+              <a:lnRef idx="1">
+                <a:schemeClr val="accent1"/>
+              </a:lnRef>
+              <a:fillRef idx="0">
+                <a:schemeClr val="accent1"/>
+              </a:fillRef>
+              <a:effectRef idx="0">
+                <a:schemeClr val="accent1"/>
+              </a:effectRef>
+              <a:fontRef idx="minor">
+                <a:schemeClr val="tx1"/>
+              </a:fontRef>
+            </p:style>
+          </p:cxnSp>
+          <p:sp>
+            <p:nvSpPr>
+              <p:cNvPr id="82" name="Rectangle 81">
+                <a:extLst>
+                  <a:ext uri="{FF2B5EF4-FFF2-40B4-BE49-F238E27FC236}">
+                    <a16:creationId xmlns:a16="http://schemas.microsoft.com/office/drawing/2014/main" id="{B5D25BE5-2884-4A0B-BD27-0F9793ABE79F}"/>
+                  </a:ext>
+                </a:extLst>
+              </p:cNvPr>
+              <p:cNvSpPr/>
+              <p:nvPr/>
+            </p:nvSpPr>
+            <p:spPr>
+              <a:xfrm>
+                <a:off x="3401876" y="4785595"/>
+                <a:ext cx="573438" cy="214223"/>
+              </a:xfrm>
+              <a:prstGeom prst="rect">
+                <a:avLst/>
+              </a:prstGeom>
+              <a:solidFill>
+                <a:schemeClr val="bg1"/>
+              </a:solidFill>
+              <a:ln>
+                <a:solidFill>
+                  <a:schemeClr val="tx1"/>
+                </a:solidFill>
+              </a:ln>
+            </p:spPr>
+            <p:style>
+              <a:lnRef idx="2">
+                <a:schemeClr val="accent1">
+                  <a:shade val="50000"/>
+                </a:schemeClr>
+              </a:lnRef>
+              <a:fillRef idx="1">
+                <a:schemeClr val="accent1"/>
+              </a:fillRef>
+              <a:effectRef idx="0">
+                <a:schemeClr val="accent1"/>
+              </a:effectRef>
+              <a:fontRef idx="minor">
+                <a:schemeClr val="lt1"/>
+              </a:fontRef>
+            </p:style>
+            <p:txBody>
+              <a:bodyPr rtlCol="0" anchor="ctr"/>
+              <a:lstStyle/>
+              <a:p>
+                <a:pPr algn="ctr"/>
+                <a:endParaRPr lang="en-US" sz="1050"/>
+              </a:p>
+            </p:txBody>
+          </p:sp>
+          <p:sp>
+            <p:nvSpPr>
+              <p:cNvPr id="83" name="Rectangle 82">
+                <a:extLst>
+                  <a:ext uri="{FF2B5EF4-FFF2-40B4-BE49-F238E27FC236}">
+                    <a16:creationId xmlns:a16="http://schemas.microsoft.com/office/drawing/2014/main" id="{2118DB1E-C7CF-49D7-B6E2-B34A59C43369}"/>
+                  </a:ext>
+                </a:extLst>
+              </p:cNvPr>
+              <p:cNvSpPr/>
+              <p:nvPr/>
+            </p:nvSpPr>
+            <p:spPr>
+              <a:xfrm>
+                <a:off x="3975314" y="4556502"/>
+                <a:ext cx="573438" cy="689673"/>
+              </a:xfrm>
+              <a:prstGeom prst="rect">
+                <a:avLst/>
+              </a:prstGeom>
+              <a:solidFill>
+                <a:schemeClr val="bg1"/>
+              </a:solidFill>
+              <a:ln>
+                <a:solidFill>
+                  <a:schemeClr val="tx1"/>
+                </a:solidFill>
+              </a:ln>
+            </p:spPr>
+            <p:style>
+              <a:lnRef idx="2">
+                <a:schemeClr val="accent1">
+                  <a:shade val="50000"/>
+                </a:schemeClr>
+              </a:lnRef>
+              <a:fillRef idx="1">
+                <a:schemeClr val="accent1"/>
+              </a:fillRef>
+              <a:effectRef idx="0">
+                <a:schemeClr val="accent1"/>
+              </a:effectRef>
+              <a:fontRef idx="minor">
+                <a:schemeClr val="lt1"/>
+              </a:fontRef>
+            </p:style>
+            <p:txBody>
+              <a:bodyPr rtlCol="0" anchor="ctr"/>
+              <a:lstStyle/>
+              <a:p>
+                <a:pPr algn="ctr"/>
+                <a:endParaRPr lang="en-US" sz="1050"/>
+              </a:p>
+            </p:txBody>
+          </p:sp>
+          <p:cxnSp>
+            <p:nvCxnSpPr>
+              <p:cNvPr id="84" name="Straight Connector 83">
+                <a:extLst>
+                  <a:ext uri="{FF2B5EF4-FFF2-40B4-BE49-F238E27FC236}">
+                    <a16:creationId xmlns:a16="http://schemas.microsoft.com/office/drawing/2014/main" id="{94F6B2B5-6CC9-48C3-A52D-1E286C1B59EB}"/>
+                  </a:ext>
+                </a:extLst>
+              </p:cNvPr>
+              <p:cNvCxnSpPr>
+                <a:cxnSpLocks/>
+              </p:cNvCxnSpPr>
+              <p:nvPr/>
+            </p:nvCxnSpPr>
+            <p:spPr>
+              <a:xfrm>
+                <a:off x="3372632" y="674004"/>
+                <a:ext cx="1176121" cy="166331"/>
+              </a:xfrm>
+              <a:prstGeom prst="line">
+                <a:avLst/>
+              </a:prstGeom>
+              <a:ln w="12700">
+                <a:solidFill>
+                  <a:schemeClr val="tx1"/>
+                </a:solidFill>
+              </a:ln>
+            </p:spPr>
+            <p:style>
+              <a:lnRef idx="1">
+                <a:schemeClr val="accent1"/>
+              </a:lnRef>
+              <a:fillRef idx="0">
+                <a:schemeClr val="accent1"/>
+              </a:fillRef>
+              <a:effectRef idx="0">
+                <a:schemeClr val="accent1"/>
+              </a:effectRef>
+              <a:fontRef idx="minor">
+                <a:schemeClr val="tx1"/>
+              </a:fontRef>
+            </p:style>
+          </p:cxnSp>
+          <p:cxnSp>
+            <p:nvCxnSpPr>
+              <p:cNvPr id="85" name="Straight Connector 84">
+                <a:extLst>
+                  <a:ext uri="{FF2B5EF4-FFF2-40B4-BE49-F238E27FC236}">
+                    <a16:creationId xmlns:a16="http://schemas.microsoft.com/office/drawing/2014/main" id="{C73E27D6-DA02-4578-BE35-2A2565F5BFE7}"/>
+                  </a:ext>
+                </a:extLst>
+              </p:cNvPr>
+              <p:cNvCxnSpPr>
+                <a:cxnSpLocks/>
+              </p:cNvCxnSpPr>
+              <p:nvPr/>
+            </p:nvCxnSpPr>
+            <p:spPr>
+              <a:xfrm flipV="1">
+                <a:off x="3370048" y="1124384"/>
+                <a:ext cx="1178705" cy="166328"/>
+              </a:xfrm>
+              <a:prstGeom prst="line">
+                <a:avLst/>
+              </a:prstGeom>
+              <a:ln w="12700">
+                <a:solidFill>
+                  <a:schemeClr val="tx1"/>
+                </a:solidFill>
+              </a:ln>
+            </p:spPr>
+            <p:style>
+              <a:lnRef idx="1">
+                <a:schemeClr val="accent1"/>
+              </a:lnRef>
+              <a:fillRef idx="0">
+                <a:schemeClr val="accent1"/>
+              </a:fillRef>
+              <a:effectRef idx="0">
+                <a:schemeClr val="accent1"/>
+              </a:effectRef>
+              <a:fontRef idx="minor">
+                <a:schemeClr val="tx1"/>
+              </a:fontRef>
+            </p:style>
+          </p:cxnSp>
+          <p:cxnSp>
+            <p:nvCxnSpPr>
+              <p:cNvPr id="86" name="Straight Connector 85">
+                <a:extLst>
+                  <a:ext uri="{FF2B5EF4-FFF2-40B4-BE49-F238E27FC236}">
+                    <a16:creationId xmlns:a16="http://schemas.microsoft.com/office/drawing/2014/main" id="{47CB5CA5-C139-4A4D-81A6-8FBFC098914E}"/>
+                  </a:ext>
+                </a:extLst>
+              </p:cNvPr>
+              <p:cNvCxnSpPr>
+                <a:cxnSpLocks/>
+              </p:cNvCxnSpPr>
+              <p:nvPr/>
+            </p:nvCxnSpPr>
+            <p:spPr>
+              <a:xfrm>
+                <a:off x="3374285" y="675401"/>
+                <a:ext cx="0" cy="625790"/>
+              </a:xfrm>
+              <a:prstGeom prst="line">
+                <a:avLst/>
+              </a:prstGeom>
+              <a:ln w="12700">
+                <a:solidFill>
+                  <a:schemeClr val="tx1"/>
+                </a:solidFill>
+              </a:ln>
+            </p:spPr>
+            <p:style>
+              <a:lnRef idx="1">
+                <a:schemeClr val="accent1"/>
+              </a:lnRef>
+              <a:fillRef idx="0">
+                <a:schemeClr val="accent1"/>
+              </a:fillRef>
+              <a:effectRef idx="0">
+                <a:schemeClr val="accent1"/>
+              </a:effectRef>
+              <a:fontRef idx="minor">
+                <a:schemeClr val="tx1"/>
+              </a:fontRef>
+            </p:style>
+          </p:cxnSp>
+          <p:cxnSp>
+            <p:nvCxnSpPr>
+              <p:cNvPr id="87" name="Straight Connector 86">
+                <a:extLst>
+                  <a:ext uri="{FF2B5EF4-FFF2-40B4-BE49-F238E27FC236}">
+                    <a16:creationId xmlns:a16="http://schemas.microsoft.com/office/drawing/2014/main" id="{DB908024-560E-4234-9F47-7227679DBC51}"/>
+                  </a:ext>
+                </a:extLst>
+              </p:cNvPr>
+              <p:cNvCxnSpPr>
+                <a:cxnSpLocks/>
+              </p:cNvCxnSpPr>
+              <p:nvPr/>
+            </p:nvCxnSpPr>
+            <p:spPr>
+              <a:xfrm>
+                <a:off x="4548752" y="840336"/>
+                <a:ext cx="0" cy="284046"/>
+              </a:xfrm>
+              <a:prstGeom prst="line">
+                <a:avLst/>
+              </a:prstGeom>
+              <a:ln w="12700">
+                <a:solidFill>
+                  <a:schemeClr val="tx1"/>
+                </a:solidFill>
+              </a:ln>
+            </p:spPr>
+            <p:style>
+              <a:lnRef idx="1">
+                <a:schemeClr val="accent1"/>
+              </a:lnRef>
+              <a:fillRef idx="0">
+                <a:schemeClr val="accent1"/>
+              </a:fillRef>
+              <a:effectRef idx="0">
+                <a:schemeClr val="accent1"/>
+              </a:effectRef>
+              <a:fontRef idx="minor">
+                <a:schemeClr val="tx1"/>
+              </a:fontRef>
+            </p:style>
+          </p:cxnSp>
+          <p:grpSp>
+            <p:nvGrpSpPr>
+              <p:cNvPr id="88" name="Group 87">
+                <a:extLst>
+                  <a:ext uri="{FF2B5EF4-FFF2-40B4-BE49-F238E27FC236}">
+                    <a16:creationId xmlns:a16="http://schemas.microsoft.com/office/drawing/2014/main" id="{C5CB773A-1EFE-4F46-A98E-288936937C7F}"/>
+                  </a:ext>
+                </a:extLst>
+              </p:cNvPr>
+              <p:cNvGrpSpPr/>
+              <p:nvPr/>
+            </p:nvGrpSpPr>
+            <p:grpSpPr>
+              <a:xfrm>
+                <a:off x="1317357" y="5988044"/>
+                <a:ext cx="991891" cy="671203"/>
+                <a:chOff x="325465" y="5966654"/>
+                <a:chExt cx="991892" cy="671203"/>
+              </a:xfrm>
+            </p:grpSpPr>
+            <p:sp>
+              <p:nvSpPr>
+                <p:cNvPr id="116" name="Left Brace 115">
+                  <a:extLst>
+                    <a:ext uri="{FF2B5EF4-FFF2-40B4-BE49-F238E27FC236}">
+                      <a16:creationId xmlns:a16="http://schemas.microsoft.com/office/drawing/2014/main" id="{BAB633EE-06D0-42ED-945C-AD1B47CCF06E}"/>
+                    </a:ext>
+                  </a:extLst>
+                </p:cNvPr>
+                <p:cNvSpPr/>
+                <p:nvPr/>
+              </p:nvSpPr>
+              <p:spPr>
+                <a:xfrm rot="16200000">
+                  <a:off x="661932" y="5630187"/>
+                  <a:ext cx="318957" cy="991892"/>
+                </a:xfrm>
+                <a:prstGeom prst="leftBrace">
+                  <a:avLst/>
+                </a:prstGeom>
+                <a:ln w="19050">
+                  <a:solidFill>
+                    <a:schemeClr val="tx1">
+                      <a:lumMod val="85000"/>
+                      <a:lumOff val="15000"/>
+                    </a:schemeClr>
+                  </a:solidFill>
+                </a:ln>
+              </p:spPr>
+              <p:style>
+                <a:lnRef idx="1">
+                  <a:schemeClr val="accent1"/>
+                </a:lnRef>
+                <a:fillRef idx="0">
+                  <a:schemeClr val="accent1"/>
+                </a:fillRef>
+                <a:effectRef idx="0">
+                  <a:schemeClr val="accent1"/>
+                </a:effectRef>
+                <a:fontRef idx="minor">
+                  <a:schemeClr val="tx1"/>
+                </a:fontRef>
+              </p:style>
+              <p:txBody>
+                <a:bodyPr rtlCol="0" anchor="ctr"/>
+                <a:lstStyle/>
+                <a:p>
+                  <a:pPr algn="ctr"/>
+                  <a:endParaRPr lang="en-US" sz="1050"/>
+                </a:p>
+              </p:txBody>
+            </p:sp>
+            <p:sp>
+              <p:nvSpPr>
+                <p:cNvPr id="117" name="TextBox 116">
+                  <a:extLst>
+                    <a:ext uri="{FF2B5EF4-FFF2-40B4-BE49-F238E27FC236}">
+                      <a16:creationId xmlns:a16="http://schemas.microsoft.com/office/drawing/2014/main" id="{5F323A3B-E06D-4D31-BDC5-C1B35D6993A9}"/>
+                    </a:ext>
+                  </a:extLst>
+                </p:cNvPr>
+                <p:cNvSpPr txBox="1"/>
+                <p:nvPr/>
+              </p:nvSpPr>
+              <p:spPr>
+                <a:xfrm>
+                  <a:off x="495945" y="6285610"/>
+                  <a:ext cx="650928" cy="352247"/>
+                </a:xfrm>
+                <a:prstGeom prst="rect">
+                  <a:avLst/>
+                </a:prstGeom>
+                <a:noFill/>
+              </p:spPr>
+              <p:txBody>
+                <a:bodyPr wrap="square" rtlCol="0">
+                  <a:spAutoFit/>
+                </a:bodyPr>
+                <a:lstStyle/>
+                <a:p>
+                  <a:pPr algn="ctr"/>
+                  <a:r>
+                    <a:rPr lang="en-US" sz="1050" dirty="0" err="1"/>
+                    <a:t>Tg</a:t>
+                  </a:r>
+                  <a:endParaRPr lang="en-US" sz="1050" dirty="0"/>
+                </a:p>
+              </p:txBody>
+            </p:sp>
+          </p:grpSp>
+          <p:grpSp>
+            <p:nvGrpSpPr>
+              <p:cNvPr id="89" name="Group 88">
+                <a:extLst>
+                  <a:ext uri="{FF2B5EF4-FFF2-40B4-BE49-F238E27FC236}">
+                    <a16:creationId xmlns:a16="http://schemas.microsoft.com/office/drawing/2014/main" id="{294C5090-5543-43C4-A482-44BF82DE20DC}"/>
+                  </a:ext>
+                </a:extLst>
+              </p:cNvPr>
+              <p:cNvGrpSpPr/>
+              <p:nvPr/>
+            </p:nvGrpSpPr>
+            <p:grpSpPr>
+              <a:xfrm>
+                <a:off x="2313122" y="5974921"/>
+                <a:ext cx="1084882" cy="671203"/>
+                <a:chOff x="325465" y="5966654"/>
+                <a:chExt cx="991892" cy="671203"/>
+              </a:xfrm>
+            </p:grpSpPr>
+            <p:sp>
+              <p:nvSpPr>
+                <p:cNvPr id="114" name="Left Brace 113">
+                  <a:extLst>
+                    <a:ext uri="{FF2B5EF4-FFF2-40B4-BE49-F238E27FC236}">
+                      <a16:creationId xmlns:a16="http://schemas.microsoft.com/office/drawing/2014/main" id="{A20A6C14-1B5A-48DE-A057-4DE32F7C5AE5}"/>
+                    </a:ext>
+                  </a:extLst>
+                </p:cNvPr>
+                <p:cNvSpPr/>
+                <p:nvPr/>
+              </p:nvSpPr>
+              <p:spPr>
+                <a:xfrm rot="16200000">
+                  <a:off x="661932" y="5630187"/>
+                  <a:ext cx="318957" cy="991892"/>
+                </a:xfrm>
+                <a:prstGeom prst="leftBrace">
+                  <a:avLst/>
+                </a:prstGeom>
+                <a:ln w="19050">
+                  <a:solidFill>
+                    <a:schemeClr val="tx1">
+                      <a:lumMod val="85000"/>
+                      <a:lumOff val="15000"/>
+                    </a:schemeClr>
+                  </a:solidFill>
+                </a:ln>
+              </p:spPr>
+              <p:style>
+                <a:lnRef idx="1">
+                  <a:schemeClr val="accent1"/>
+                </a:lnRef>
+                <a:fillRef idx="0">
+                  <a:schemeClr val="accent1"/>
+                </a:fillRef>
+                <a:effectRef idx="0">
+                  <a:schemeClr val="accent1"/>
+                </a:effectRef>
+                <a:fontRef idx="minor">
+                  <a:schemeClr val="tx1"/>
+                </a:fontRef>
+              </p:style>
+              <p:txBody>
+                <a:bodyPr rtlCol="0" anchor="ctr"/>
+                <a:lstStyle/>
+                <a:p>
+                  <a:pPr algn="ctr"/>
+                  <a:endParaRPr lang="en-US" sz="1050"/>
+                </a:p>
+              </p:txBody>
+            </p:sp>
+            <p:sp>
+              <p:nvSpPr>
+                <p:cNvPr id="115" name="TextBox 114">
+                  <a:extLst>
+                    <a:ext uri="{FF2B5EF4-FFF2-40B4-BE49-F238E27FC236}">
+                      <a16:creationId xmlns:a16="http://schemas.microsoft.com/office/drawing/2014/main" id="{3D4F886B-0099-4EE4-9C6D-0CCBD4BE5392}"/>
+                    </a:ext>
+                  </a:extLst>
+                </p:cNvPr>
+                <p:cNvSpPr txBox="1"/>
+                <p:nvPr/>
+              </p:nvSpPr>
+              <p:spPr>
+                <a:xfrm>
+                  <a:off x="495946" y="6285610"/>
+                  <a:ext cx="650928" cy="352247"/>
+                </a:xfrm>
+                <a:prstGeom prst="rect">
+                  <a:avLst/>
+                </a:prstGeom>
+                <a:noFill/>
+              </p:spPr>
+              <p:txBody>
+                <a:bodyPr wrap="square" rtlCol="0">
+                  <a:spAutoFit/>
+                </a:bodyPr>
+                <a:lstStyle/>
+                <a:p>
+                  <a:pPr algn="ctr"/>
+                  <a:r>
+                    <a:rPr lang="en-US" sz="1050" dirty="0"/>
+                    <a:t>Tg2</a:t>
+                  </a:r>
+                </a:p>
+              </p:txBody>
+            </p:sp>
+          </p:grpSp>
+          <p:grpSp>
+            <p:nvGrpSpPr>
+              <p:cNvPr id="90" name="Group 89">
+                <a:extLst>
+                  <a:ext uri="{FF2B5EF4-FFF2-40B4-BE49-F238E27FC236}">
+                    <a16:creationId xmlns:a16="http://schemas.microsoft.com/office/drawing/2014/main" id="{FFDCD68B-11B5-44F8-B49F-F2A21964BE58}"/>
+                  </a:ext>
+                </a:extLst>
+              </p:cNvPr>
+              <p:cNvGrpSpPr/>
+              <p:nvPr/>
+            </p:nvGrpSpPr>
+            <p:grpSpPr>
+              <a:xfrm>
+                <a:off x="3394172" y="5993011"/>
+                <a:ext cx="581185" cy="671203"/>
+                <a:chOff x="312066" y="5966654"/>
+                <a:chExt cx="1005292" cy="671203"/>
+              </a:xfrm>
+            </p:grpSpPr>
+            <p:sp>
+              <p:nvSpPr>
+                <p:cNvPr id="112" name="Left Brace 111">
+                  <a:extLst>
+                    <a:ext uri="{FF2B5EF4-FFF2-40B4-BE49-F238E27FC236}">
+                      <a16:creationId xmlns:a16="http://schemas.microsoft.com/office/drawing/2014/main" id="{40A73F4E-0023-4A7A-8305-9D6B77DA91AF}"/>
+                    </a:ext>
+                  </a:extLst>
+                </p:cNvPr>
+                <p:cNvSpPr/>
+                <p:nvPr/>
+              </p:nvSpPr>
+              <p:spPr>
+                <a:xfrm rot="16200000">
+                  <a:off x="661933" y="5630187"/>
+                  <a:ext cx="318957" cy="991892"/>
+                </a:xfrm>
+                <a:prstGeom prst="leftBrace">
+                  <a:avLst/>
+                </a:prstGeom>
+                <a:ln w="19050">
+                  <a:solidFill>
+                    <a:schemeClr val="tx1">
+                      <a:lumMod val="85000"/>
+                      <a:lumOff val="15000"/>
+                    </a:schemeClr>
+                  </a:solidFill>
+                </a:ln>
+              </p:spPr>
+              <p:style>
+                <a:lnRef idx="1">
+                  <a:schemeClr val="accent1"/>
+                </a:lnRef>
+                <a:fillRef idx="0">
+                  <a:schemeClr val="accent1"/>
+                </a:fillRef>
+                <a:effectRef idx="0">
+                  <a:schemeClr val="accent1"/>
+                </a:effectRef>
+                <a:fontRef idx="minor">
+                  <a:schemeClr val="tx1"/>
+                </a:fontRef>
+              </p:style>
+              <p:txBody>
+                <a:bodyPr rtlCol="0" anchor="ctr"/>
+                <a:lstStyle/>
+                <a:p>
+                  <a:pPr algn="ctr"/>
+                  <a:endParaRPr lang="en-US" sz="1050" dirty="0"/>
+                </a:p>
+              </p:txBody>
+            </p:sp>
+            <p:sp>
+              <p:nvSpPr>
+                <p:cNvPr id="113" name="TextBox 112">
+                  <a:extLst>
+                    <a:ext uri="{FF2B5EF4-FFF2-40B4-BE49-F238E27FC236}">
+                      <a16:creationId xmlns:a16="http://schemas.microsoft.com/office/drawing/2014/main" id="{9F62092A-39F0-4EC2-8643-80C4441E8E7C}"/>
+                    </a:ext>
+                  </a:extLst>
+                </p:cNvPr>
+                <p:cNvSpPr txBox="1"/>
+                <p:nvPr/>
+              </p:nvSpPr>
+              <p:spPr>
+                <a:xfrm>
+                  <a:off x="312066" y="6285610"/>
+                  <a:ext cx="991894" cy="352247"/>
+                </a:xfrm>
+                <a:prstGeom prst="rect">
+                  <a:avLst/>
+                </a:prstGeom>
+                <a:noFill/>
+              </p:spPr>
+              <p:txBody>
+                <a:bodyPr wrap="square" rtlCol="0">
+                  <a:spAutoFit/>
+                </a:bodyPr>
+                <a:lstStyle/>
+                <a:p>
+                  <a:pPr algn="ctr"/>
+                  <a:r>
+                    <a:rPr lang="en-US" sz="1050" dirty="0"/>
+                    <a:t>Ts</a:t>
+                  </a:r>
+                </a:p>
+              </p:txBody>
+            </p:sp>
+          </p:grpSp>
+          <p:grpSp>
+            <p:nvGrpSpPr>
+              <p:cNvPr id="91" name="Group 90">
+                <a:extLst>
+                  <a:ext uri="{FF2B5EF4-FFF2-40B4-BE49-F238E27FC236}">
+                    <a16:creationId xmlns:a16="http://schemas.microsoft.com/office/drawing/2014/main" id="{831036FB-3873-4E6A-B385-116A3CF1872A}"/>
+                  </a:ext>
+                </a:extLst>
+              </p:cNvPr>
+              <p:cNvGrpSpPr/>
+              <p:nvPr/>
+            </p:nvGrpSpPr>
+            <p:grpSpPr>
+              <a:xfrm>
+                <a:off x="3966721" y="5988044"/>
+                <a:ext cx="580335" cy="671203"/>
+                <a:chOff x="313532" y="5966655"/>
+                <a:chExt cx="1003822" cy="671203"/>
+              </a:xfrm>
+            </p:grpSpPr>
+            <p:sp>
+              <p:nvSpPr>
+                <p:cNvPr id="110" name="Left Brace 109">
+                  <a:extLst>
+                    <a:ext uri="{FF2B5EF4-FFF2-40B4-BE49-F238E27FC236}">
+                      <a16:creationId xmlns:a16="http://schemas.microsoft.com/office/drawing/2014/main" id="{B1CE79FA-C707-4A8C-A838-64B3273CC752}"/>
+                    </a:ext>
+                  </a:extLst>
+                </p:cNvPr>
+                <p:cNvSpPr/>
+                <p:nvPr/>
+              </p:nvSpPr>
+              <p:spPr>
+                <a:xfrm rot="16200000">
+                  <a:off x="661931" y="5630187"/>
+                  <a:ext cx="318956" cy="991891"/>
+                </a:xfrm>
+                <a:prstGeom prst="leftBrace">
+                  <a:avLst/>
+                </a:prstGeom>
+                <a:ln w="19050">
+                  <a:solidFill>
+                    <a:schemeClr val="tx1">
+                      <a:lumMod val="85000"/>
+                      <a:lumOff val="15000"/>
+                    </a:schemeClr>
+                  </a:solidFill>
+                </a:ln>
+              </p:spPr>
+              <p:style>
+                <a:lnRef idx="1">
+                  <a:schemeClr val="accent1"/>
+                </a:lnRef>
+                <a:fillRef idx="0">
+                  <a:schemeClr val="accent1"/>
+                </a:fillRef>
+                <a:effectRef idx="0">
+                  <a:schemeClr val="accent1"/>
+                </a:effectRef>
+                <a:fontRef idx="minor">
+                  <a:schemeClr val="tx1"/>
+                </a:fontRef>
+              </p:style>
+              <p:txBody>
+                <a:bodyPr rtlCol="0" anchor="ctr"/>
+                <a:lstStyle/>
+                <a:p>
+                  <a:pPr algn="ctr"/>
+                  <a:endParaRPr lang="en-US" sz="1050" dirty="0"/>
+                </a:p>
+              </p:txBody>
+            </p:sp>
+            <p:sp>
+              <p:nvSpPr>
+                <p:cNvPr id="111" name="TextBox 110">
+                  <a:extLst>
+                    <a:ext uri="{FF2B5EF4-FFF2-40B4-BE49-F238E27FC236}">
+                      <a16:creationId xmlns:a16="http://schemas.microsoft.com/office/drawing/2014/main" id="{7119B247-58AE-4236-B952-996FD26E5C8B}"/>
+                    </a:ext>
+                  </a:extLst>
+                </p:cNvPr>
+                <p:cNvSpPr txBox="1"/>
+                <p:nvPr/>
+              </p:nvSpPr>
+              <p:spPr>
+                <a:xfrm>
+                  <a:off x="313532" y="6285611"/>
+                  <a:ext cx="991891" cy="352247"/>
+                </a:xfrm>
+                <a:prstGeom prst="rect">
+                  <a:avLst/>
+                </a:prstGeom>
+                <a:noFill/>
+              </p:spPr>
+              <p:txBody>
+                <a:bodyPr wrap="square" rtlCol="0">
+                  <a:spAutoFit/>
+                </a:bodyPr>
+                <a:lstStyle/>
+                <a:p>
+                  <a:pPr algn="ctr"/>
+                  <a:r>
+                    <a:rPr lang="en-US" sz="1050" dirty="0"/>
+                    <a:t>Tg3</a:t>
+                  </a:r>
+                </a:p>
+              </p:txBody>
+            </p:sp>
+          </p:grpSp>
+          <p:cxnSp>
+            <p:nvCxnSpPr>
+              <p:cNvPr id="92" name="Straight Connector 91">
+                <a:extLst>
+                  <a:ext uri="{FF2B5EF4-FFF2-40B4-BE49-F238E27FC236}">
+                    <a16:creationId xmlns:a16="http://schemas.microsoft.com/office/drawing/2014/main" id="{FFFEF40A-79E3-4BC3-8FE9-05AF600413FD}"/>
+                  </a:ext>
+                </a:extLst>
+              </p:cNvPr>
+              <p:cNvCxnSpPr>
+                <a:cxnSpLocks/>
+              </p:cNvCxnSpPr>
+              <p:nvPr/>
+            </p:nvCxnSpPr>
+            <p:spPr>
+              <a:xfrm flipV="1">
+                <a:off x="1317357" y="165420"/>
+                <a:ext cx="0" cy="5809502"/>
+              </a:xfrm>
+              <a:prstGeom prst="line">
+                <a:avLst/>
+              </a:prstGeom>
+              <a:ln>
+                <a:solidFill>
+                  <a:schemeClr val="tx1">
+                    <a:lumMod val="85000"/>
+                    <a:lumOff val="15000"/>
+                  </a:schemeClr>
+                </a:solidFill>
+                <a:prstDash val="dash"/>
+              </a:ln>
+            </p:spPr>
+            <p:style>
+              <a:lnRef idx="1">
+                <a:schemeClr val="accent1"/>
+              </a:lnRef>
+              <a:fillRef idx="0">
+                <a:schemeClr val="accent1"/>
+              </a:fillRef>
+              <a:effectRef idx="0">
+                <a:schemeClr val="accent1"/>
+              </a:effectRef>
+              <a:fontRef idx="minor">
+                <a:schemeClr val="tx1"/>
+              </a:fontRef>
+            </p:style>
+          </p:cxnSp>
+          <p:cxnSp>
+            <p:nvCxnSpPr>
+              <p:cNvPr id="93" name="Straight Connector 92">
+                <a:extLst>
+                  <a:ext uri="{FF2B5EF4-FFF2-40B4-BE49-F238E27FC236}">
+                    <a16:creationId xmlns:a16="http://schemas.microsoft.com/office/drawing/2014/main" id="{BCB126B6-D38A-430D-BC1A-D074AF16DF0C}"/>
+                  </a:ext>
+                </a:extLst>
+              </p:cNvPr>
+              <p:cNvCxnSpPr>
+                <a:cxnSpLocks/>
+              </p:cNvCxnSpPr>
+              <p:nvPr/>
+            </p:nvCxnSpPr>
+            <p:spPr>
+              <a:xfrm flipV="1">
+                <a:off x="2306664" y="174824"/>
+                <a:ext cx="0" cy="5800099"/>
+              </a:xfrm>
+              <a:prstGeom prst="line">
+                <a:avLst/>
+              </a:prstGeom>
+              <a:ln>
+                <a:solidFill>
+                  <a:schemeClr val="tx1">
+                    <a:lumMod val="85000"/>
+                    <a:lumOff val="15000"/>
+                  </a:schemeClr>
+                </a:solidFill>
+                <a:prstDash val="dash"/>
+              </a:ln>
+            </p:spPr>
+            <p:style>
+              <a:lnRef idx="1">
+                <a:schemeClr val="accent1"/>
+              </a:lnRef>
+              <a:fillRef idx="0">
+                <a:schemeClr val="accent1"/>
+              </a:fillRef>
+              <a:effectRef idx="0">
+                <a:schemeClr val="accent1"/>
+              </a:effectRef>
+              <a:fontRef idx="minor">
+                <a:schemeClr val="tx1"/>
+              </a:fontRef>
+            </p:style>
+          </p:cxnSp>
+          <p:cxnSp>
+            <p:nvCxnSpPr>
+              <p:cNvPr id="94" name="Straight Connector 93">
+                <a:extLst>
+                  <a:ext uri="{FF2B5EF4-FFF2-40B4-BE49-F238E27FC236}">
+                    <a16:creationId xmlns:a16="http://schemas.microsoft.com/office/drawing/2014/main" id="{E35E8B52-3078-475F-8F18-04ECEAF47FF8}"/>
+                  </a:ext>
+                </a:extLst>
+              </p:cNvPr>
+              <p:cNvCxnSpPr>
+                <a:cxnSpLocks/>
+                <a:endCxn id="100" idx="2"/>
+              </p:cNvCxnSpPr>
+              <p:nvPr/>
+            </p:nvCxnSpPr>
+            <p:spPr>
+              <a:xfrm flipH="1" flipV="1">
+                <a:off x="3370048" y="172486"/>
+                <a:ext cx="51624" cy="5760336"/>
+              </a:xfrm>
+              <a:prstGeom prst="line">
+                <a:avLst/>
+              </a:prstGeom>
+              <a:ln>
+                <a:solidFill>
+                  <a:schemeClr val="tx1">
+                    <a:lumMod val="85000"/>
+                    <a:lumOff val="15000"/>
+                  </a:schemeClr>
+                </a:solidFill>
+                <a:prstDash val="dash"/>
+              </a:ln>
+            </p:spPr>
+            <p:style>
+              <a:lnRef idx="1">
+                <a:schemeClr val="accent1"/>
+              </a:lnRef>
+              <a:fillRef idx="0">
+                <a:schemeClr val="accent1"/>
+              </a:fillRef>
+              <a:effectRef idx="0">
+                <a:schemeClr val="accent1"/>
+              </a:effectRef>
+              <a:fontRef idx="minor">
+                <a:schemeClr val="tx1"/>
+              </a:fontRef>
+            </p:style>
+          </p:cxnSp>
+          <p:cxnSp>
+            <p:nvCxnSpPr>
+              <p:cNvPr id="95" name="Straight Connector 94">
+                <a:extLst>
+                  <a:ext uri="{FF2B5EF4-FFF2-40B4-BE49-F238E27FC236}">
+                    <a16:creationId xmlns:a16="http://schemas.microsoft.com/office/drawing/2014/main" id="{56C9833B-A5EF-4EBC-831A-1660BE9AEA85}"/>
+                  </a:ext>
+                </a:extLst>
+              </p:cNvPr>
+              <p:cNvCxnSpPr>
+                <a:cxnSpLocks/>
+              </p:cNvCxnSpPr>
+              <p:nvPr/>
+            </p:nvCxnSpPr>
+            <p:spPr>
+              <a:xfrm flipV="1">
+                <a:off x="3966721" y="165421"/>
+                <a:ext cx="0" cy="5809501"/>
+              </a:xfrm>
+              <a:prstGeom prst="line">
+                <a:avLst/>
+              </a:prstGeom>
+              <a:ln>
+                <a:solidFill>
+                  <a:schemeClr val="tx1">
+                    <a:lumMod val="85000"/>
+                    <a:lumOff val="15000"/>
+                  </a:schemeClr>
+                </a:solidFill>
+                <a:prstDash val="dash"/>
+              </a:ln>
+            </p:spPr>
+            <p:style>
+              <a:lnRef idx="1">
+                <a:schemeClr val="accent1"/>
+              </a:lnRef>
+              <a:fillRef idx="0">
+                <a:schemeClr val="accent1"/>
+              </a:fillRef>
+              <a:effectRef idx="0">
+                <a:schemeClr val="accent1"/>
+              </a:effectRef>
+              <a:fontRef idx="minor">
+                <a:schemeClr val="tx1"/>
+              </a:fontRef>
+            </p:style>
+          </p:cxnSp>
+          <p:cxnSp>
+            <p:nvCxnSpPr>
+              <p:cNvPr id="96" name="Straight Connector 95">
+                <a:extLst>
+                  <a:ext uri="{FF2B5EF4-FFF2-40B4-BE49-F238E27FC236}">
+                    <a16:creationId xmlns:a16="http://schemas.microsoft.com/office/drawing/2014/main" id="{08899EF6-4FEA-4B49-814F-79820A696A7F}"/>
+                  </a:ext>
+                </a:extLst>
+              </p:cNvPr>
+              <p:cNvCxnSpPr>
+                <a:cxnSpLocks/>
+                <a:stCxn id="110" idx="2"/>
+                <a:endCxn id="104" idx="2"/>
+              </p:cNvCxnSpPr>
+              <p:nvPr/>
+            </p:nvCxnSpPr>
+            <p:spPr>
+              <a:xfrm flipH="1" flipV="1">
+                <a:off x="4540159" y="162592"/>
+                <a:ext cx="6899" cy="5825451"/>
+              </a:xfrm>
+              <a:prstGeom prst="line">
+                <a:avLst/>
+              </a:prstGeom>
+              <a:ln>
+                <a:solidFill>
+                  <a:schemeClr val="tx1">
+                    <a:lumMod val="85000"/>
+                    <a:lumOff val="15000"/>
+                  </a:schemeClr>
+                </a:solidFill>
+                <a:prstDash val="dash"/>
+              </a:ln>
+            </p:spPr>
+            <p:style>
+              <a:lnRef idx="1">
+                <a:schemeClr val="accent1"/>
+              </a:lnRef>
+              <a:fillRef idx="0">
+                <a:schemeClr val="accent1"/>
+              </a:fillRef>
+              <a:effectRef idx="0">
+                <a:schemeClr val="accent1"/>
+              </a:effectRef>
+              <a:fontRef idx="minor">
+                <a:schemeClr val="tx1"/>
+              </a:fontRef>
+            </p:style>
+          </p:cxnSp>
+          <p:sp>
+            <p:nvSpPr>
+              <p:cNvPr id="97" name="Arrow: Bent 96">
+                <a:extLst>
+                  <a:ext uri="{FF2B5EF4-FFF2-40B4-BE49-F238E27FC236}">
+                    <a16:creationId xmlns:a16="http://schemas.microsoft.com/office/drawing/2014/main" id="{C68E300A-1B06-4595-9C31-0F1C3BA0E9DD}"/>
+                  </a:ext>
+                </a:extLst>
+              </p:cNvPr>
+              <p:cNvSpPr/>
+              <p:nvPr/>
+            </p:nvSpPr>
+            <p:spPr>
+              <a:xfrm rot="5400000">
+                <a:off x="2982170" y="4068180"/>
+                <a:ext cx="1096052" cy="264385"/>
+              </a:xfrm>
+              <a:prstGeom prst="bentArrow">
+                <a:avLst/>
+              </a:prstGeom>
+              <a:noFill/>
+              <a:ln>
+                <a:solidFill>
+                  <a:schemeClr val="tx1"/>
+                </a:solidFill>
+              </a:ln>
+            </p:spPr>
+            <p:style>
+              <a:lnRef idx="2">
+                <a:schemeClr val="accent1">
+                  <a:shade val="50000"/>
+                </a:schemeClr>
+              </a:lnRef>
+              <a:fillRef idx="1">
+                <a:schemeClr val="accent1"/>
+              </a:fillRef>
+              <a:effectRef idx="0">
+                <a:schemeClr val="accent1"/>
+              </a:effectRef>
+              <a:fontRef idx="minor">
+                <a:schemeClr val="lt1"/>
+              </a:fontRef>
+            </p:style>
+            <p:txBody>
+              <a:bodyPr rtlCol="0" anchor="ctr"/>
+              <a:lstStyle/>
+              <a:p>
+                <a:pPr algn="ctr"/>
+                <a:endParaRPr lang="en-US" sz="1050">
+                  <a:solidFill>
+                    <a:schemeClr val="tx1"/>
+                  </a:solidFill>
+                </a:endParaRPr>
+              </a:p>
+            </p:txBody>
+          </p:sp>
+          <p:sp>
+            <p:nvSpPr>
+              <p:cNvPr id="98" name="TextBox 97">
+                <a:extLst>
+                  <a:ext uri="{FF2B5EF4-FFF2-40B4-BE49-F238E27FC236}">
+                    <a16:creationId xmlns:a16="http://schemas.microsoft.com/office/drawing/2014/main" id="{755E8383-1847-46D1-B44B-697800479F7C}"/>
+                  </a:ext>
+                </a:extLst>
+              </p:cNvPr>
+              <p:cNvSpPr txBox="1"/>
+              <p:nvPr/>
+            </p:nvSpPr>
+            <p:spPr>
+              <a:xfrm>
+                <a:off x="1487838" y="2183387"/>
+                <a:ext cx="650927" cy="352248"/>
+              </a:xfrm>
+              <a:prstGeom prst="rect">
+                <a:avLst/>
+              </a:prstGeom>
+              <a:solidFill>
+                <a:schemeClr val="bg1"/>
+              </a:solidFill>
+              <a:ln>
+                <a:solidFill>
+                  <a:schemeClr val="tx1"/>
+                </a:solidFill>
+              </a:ln>
+            </p:spPr>
+            <p:txBody>
+              <a:bodyPr wrap="square" rtlCol="0">
+                <a:spAutoFit/>
+              </a:bodyPr>
+              <a:lstStyle/>
+              <a:p>
+                <a:pPr algn="ctr"/>
+                <a:r>
+                  <a:rPr lang="en-US" sz="1050" dirty="0" err="1"/>
+                  <a:t>NuG</a:t>
+                </a:r>
+                <a:endParaRPr lang="en-US" sz="1050" dirty="0"/>
+              </a:p>
+            </p:txBody>
+          </p:sp>
+          <p:sp>
+            <p:nvSpPr>
+              <p:cNvPr id="99" name="TextBox 98">
+                <a:extLst>
+                  <a:ext uri="{FF2B5EF4-FFF2-40B4-BE49-F238E27FC236}">
+                    <a16:creationId xmlns:a16="http://schemas.microsoft.com/office/drawing/2014/main" id="{20B5A168-45F7-4810-8391-FB61A81AFEBC}"/>
+                  </a:ext>
+                </a:extLst>
+              </p:cNvPr>
+              <p:cNvSpPr txBox="1"/>
+              <p:nvPr/>
+            </p:nvSpPr>
+            <p:spPr>
+              <a:xfrm>
+                <a:off x="2531240" y="1363125"/>
+                <a:ext cx="739748" cy="352248"/>
+              </a:xfrm>
+              <a:prstGeom prst="rect">
+                <a:avLst/>
+              </a:prstGeom>
+              <a:solidFill>
+                <a:schemeClr val="bg1"/>
+              </a:solidFill>
+              <a:ln>
+                <a:solidFill>
+                  <a:schemeClr val="tx1"/>
+                </a:solidFill>
+              </a:ln>
+            </p:spPr>
+            <p:txBody>
+              <a:bodyPr wrap="square" rtlCol="0">
+                <a:spAutoFit/>
+              </a:bodyPr>
+              <a:lstStyle/>
+              <a:p>
+                <a:pPr algn="ctr"/>
+                <a:r>
+                  <a:rPr lang="en-US" sz="1050" dirty="0"/>
+                  <a:t>NuG2</a:t>
+                </a:r>
+              </a:p>
+            </p:txBody>
+          </p:sp>
+          <p:sp>
+            <p:nvSpPr>
+              <p:cNvPr id="100" name="TextBox 99">
+                <a:extLst>
+                  <a:ext uri="{FF2B5EF4-FFF2-40B4-BE49-F238E27FC236}">
+                    <a16:creationId xmlns:a16="http://schemas.microsoft.com/office/drawing/2014/main" id="{6F950A77-B976-493E-8B89-5F448E3C9122}"/>
+                  </a:ext>
+                </a:extLst>
+              </p:cNvPr>
+              <p:cNvSpPr txBox="1"/>
+              <p:nvPr/>
+            </p:nvSpPr>
+            <p:spPr>
+              <a:xfrm>
+                <a:off x="2894206" y="-169402"/>
+                <a:ext cx="951683" cy="341888"/>
+              </a:xfrm>
+              <a:prstGeom prst="rect">
+                <a:avLst/>
+              </a:prstGeom>
+              <a:solidFill>
+                <a:schemeClr val="bg1"/>
+              </a:solidFill>
+              <a:ln>
+                <a:solidFill>
+                  <a:schemeClr val="tx1"/>
+                </a:solidFill>
+              </a:ln>
+            </p:spPr>
+            <p:txBody>
+              <a:bodyPr wrap="square" rtlCol="0">
+                <a:spAutoFit/>
+              </a:bodyPr>
+              <a:lstStyle/>
+              <a:p>
+                <a:pPr algn="ctr"/>
+                <a:r>
+                  <a:rPr lang="en-US" sz="1050" dirty="0"/>
+                  <a:t>NuG2 - s</a:t>
+                </a:r>
+              </a:p>
+            </p:txBody>
+          </p:sp>
+          <p:sp>
+            <p:nvSpPr>
+              <p:cNvPr id="101" name="TextBox 100">
+                <a:extLst>
+                  <a:ext uri="{FF2B5EF4-FFF2-40B4-BE49-F238E27FC236}">
+                    <a16:creationId xmlns:a16="http://schemas.microsoft.com/office/drawing/2014/main" id="{440FB4C0-A123-4D22-A4A5-401BB5D54637}"/>
+                  </a:ext>
+                </a:extLst>
+              </p:cNvPr>
+              <p:cNvSpPr txBox="1"/>
+              <p:nvPr/>
+            </p:nvSpPr>
+            <p:spPr>
+              <a:xfrm>
+                <a:off x="3177150" y="5554599"/>
+                <a:ext cx="449451" cy="310806"/>
+              </a:xfrm>
+              <a:prstGeom prst="rect">
+                <a:avLst/>
+              </a:prstGeom>
+              <a:solidFill>
+                <a:schemeClr val="bg1"/>
+              </a:solidFill>
+              <a:ln>
+                <a:solidFill>
+                  <a:schemeClr val="tx1"/>
+                </a:solidFill>
+              </a:ln>
+            </p:spPr>
+            <p:txBody>
+              <a:bodyPr wrap="square" rtlCol="0">
+                <a:spAutoFit/>
+              </a:bodyPr>
+              <a:lstStyle/>
+              <a:p>
+                <a:pPr algn="ctr"/>
+                <a:r>
+                  <a:rPr lang="en-US" sz="900" dirty="0"/>
+                  <a:t>s</a:t>
+                </a:r>
+              </a:p>
+            </p:txBody>
+          </p:sp>
+          <p:sp>
+            <p:nvSpPr>
+              <p:cNvPr id="102" name="Arrow: Bent 101">
+                <a:extLst>
+                  <a:ext uri="{FF2B5EF4-FFF2-40B4-BE49-F238E27FC236}">
+                    <a16:creationId xmlns:a16="http://schemas.microsoft.com/office/drawing/2014/main" id="{23605367-B434-42A8-B833-F9C31EAB86AD}"/>
+                  </a:ext>
+                </a:extLst>
+              </p:cNvPr>
+              <p:cNvSpPr/>
+              <p:nvPr/>
+            </p:nvSpPr>
+            <p:spPr>
+              <a:xfrm rot="5400000" flipH="1">
+                <a:off x="2612442" y="2085063"/>
+                <a:ext cx="1815702" cy="247956"/>
+              </a:xfrm>
+              <a:prstGeom prst="bentArrow">
+                <a:avLst/>
+              </a:prstGeom>
+              <a:noFill/>
+              <a:ln>
+                <a:solidFill>
+                  <a:schemeClr val="tx1"/>
+                </a:solidFill>
+              </a:ln>
+            </p:spPr>
+            <p:style>
+              <a:lnRef idx="2">
+                <a:schemeClr val="accent1">
+                  <a:shade val="50000"/>
+                </a:schemeClr>
+              </a:lnRef>
+              <a:fillRef idx="1">
+                <a:schemeClr val="accent1"/>
+              </a:fillRef>
+              <a:effectRef idx="0">
+                <a:schemeClr val="accent1"/>
+              </a:effectRef>
+              <a:fontRef idx="minor">
+                <a:schemeClr val="lt1"/>
+              </a:fontRef>
+            </p:style>
+            <p:txBody>
+              <a:bodyPr rtlCol="0" anchor="ctr"/>
+              <a:lstStyle/>
+              <a:p>
+                <a:pPr algn="ctr"/>
+                <a:endParaRPr lang="en-US" sz="1050" dirty="0">
+                  <a:solidFill>
+                    <a:schemeClr val="tx1"/>
+                  </a:solidFill>
+                </a:endParaRPr>
+              </a:p>
+            </p:txBody>
+          </p:sp>
+          <p:sp>
+            <p:nvSpPr>
+              <p:cNvPr id="103" name="TextBox 102">
+                <a:extLst>
+                  <a:ext uri="{FF2B5EF4-FFF2-40B4-BE49-F238E27FC236}">
+                    <a16:creationId xmlns:a16="http://schemas.microsoft.com/office/drawing/2014/main" id="{EE1666C4-64F8-4B93-95C8-BBA994C1AC78}"/>
+                  </a:ext>
+                </a:extLst>
+              </p:cNvPr>
+              <p:cNvSpPr txBox="1"/>
+              <p:nvPr/>
+            </p:nvSpPr>
+            <p:spPr>
+              <a:xfrm>
+                <a:off x="4147975" y="5531115"/>
+                <a:ext cx="798163" cy="352248"/>
+              </a:xfrm>
+              <a:prstGeom prst="rect">
+                <a:avLst/>
+              </a:prstGeom>
+              <a:solidFill>
+                <a:schemeClr val="bg1"/>
+              </a:solidFill>
+              <a:ln>
+                <a:solidFill>
+                  <a:schemeClr val="tx1"/>
+                </a:solidFill>
+              </a:ln>
+            </p:spPr>
+            <p:txBody>
+              <a:bodyPr wrap="square" rtlCol="0">
+                <a:spAutoFit/>
+              </a:bodyPr>
+              <a:lstStyle/>
+              <a:p>
+                <a:pPr algn="ctr"/>
+                <a:r>
+                  <a:rPr lang="en-US" sz="1050" dirty="0"/>
+                  <a:t>Nu2F</a:t>
+                </a:r>
+              </a:p>
+            </p:txBody>
+          </p:sp>
+          <p:sp>
+            <p:nvSpPr>
+              <p:cNvPr id="104" name="TextBox 103">
+                <a:extLst>
+                  <a:ext uri="{FF2B5EF4-FFF2-40B4-BE49-F238E27FC236}">
+                    <a16:creationId xmlns:a16="http://schemas.microsoft.com/office/drawing/2014/main" id="{D086A0EF-E94A-48D4-8948-DAA7B08807B6}"/>
+                  </a:ext>
+                </a:extLst>
+              </p:cNvPr>
+              <p:cNvSpPr txBox="1"/>
+              <p:nvPr/>
+            </p:nvSpPr>
+            <p:spPr>
+              <a:xfrm>
+                <a:off x="4193151" y="-148214"/>
+                <a:ext cx="694015" cy="310806"/>
+              </a:xfrm>
+              <a:prstGeom prst="rect">
+                <a:avLst/>
+              </a:prstGeom>
+              <a:solidFill>
+                <a:schemeClr val="bg1"/>
+              </a:solidFill>
+              <a:ln>
+                <a:solidFill>
+                  <a:schemeClr val="tx1"/>
+                </a:solidFill>
+              </a:ln>
+            </p:spPr>
+            <p:txBody>
+              <a:bodyPr wrap="square" rtlCol="0">
+                <a:spAutoFit/>
+              </a:bodyPr>
+              <a:lstStyle/>
+              <a:p>
+                <a:pPr algn="ctr"/>
+                <a:r>
+                  <a:rPr lang="en-US" sz="900" dirty="0"/>
+                  <a:t>Nu1F</a:t>
+                </a:r>
+              </a:p>
+            </p:txBody>
+          </p:sp>
+          <p:cxnSp>
+            <p:nvCxnSpPr>
+              <p:cNvPr id="105" name="Straight Arrow Connector 104">
+                <a:extLst>
+                  <a:ext uri="{FF2B5EF4-FFF2-40B4-BE49-F238E27FC236}">
+                    <a16:creationId xmlns:a16="http://schemas.microsoft.com/office/drawing/2014/main" id="{35FA5665-5EA7-47DE-B59A-AB1F856A2BD3}"/>
+                  </a:ext>
+                </a:extLst>
+              </p:cNvPr>
+              <p:cNvCxnSpPr>
+                <a:cxnSpLocks/>
+              </p:cNvCxnSpPr>
+              <p:nvPr/>
+            </p:nvCxnSpPr>
+            <p:spPr>
+              <a:xfrm>
+                <a:off x="4540159" y="1124382"/>
+                <a:ext cx="10655" cy="3427152"/>
+              </a:xfrm>
+              <a:prstGeom prst="straightConnector1">
+                <a:avLst/>
+              </a:prstGeom>
+              <a:ln w="38100">
+                <a:solidFill>
+                  <a:schemeClr val="tx1"/>
+                </a:solidFill>
+                <a:tailEnd type="triangle"/>
+              </a:ln>
+            </p:spPr>
+            <p:style>
+              <a:lnRef idx="1">
+                <a:schemeClr val="accent1"/>
+              </a:lnRef>
+              <a:fillRef idx="0">
+                <a:schemeClr val="accent1"/>
+              </a:fillRef>
+              <a:effectRef idx="0">
+                <a:schemeClr val="accent1"/>
+              </a:effectRef>
+              <a:fontRef idx="minor">
+                <a:schemeClr val="tx1"/>
+              </a:fontRef>
+            </p:style>
+          </p:cxnSp>
+          <p:cxnSp>
+            <p:nvCxnSpPr>
+              <p:cNvPr id="106" name="Straight Arrow Connector 105">
+                <a:extLst>
+                  <a:ext uri="{FF2B5EF4-FFF2-40B4-BE49-F238E27FC236}">
+                    <a16:creationId xmlns:a16="http://schemas.microsoft.com/office/drawing/2014/main" id="{127BC683-9B79-4E4D-81AC-94E7012AE31B}"/>
+                  </a:ext>
+                </a:extLst>
+              </p:cNvPr>
+              <p:cNvCxnSpPr>
+                <a:cxnSpLocks/>
+              </p:cNvCxnSpPr>
+              <p:nvPr/>
+            </p:nvCxnSpPr>
+            <p:spPr>
+              <a:xfrm flipH="1" flipV="1">
+                <a:off x="3970590" y="1209457"/>
+                <a:ext cx="1" cy="3329782"/>
+              </a:xfrm>
+              <a:prstGeom prst="straightConnector1">
+                <a:avLst/>
+              </a:prstGeom>
+              <a:ln w="38100">
+                <a:solidFill>
+                  <a:schemeClr val="tx1"/>
+                </a:solidFill>
+                <a:tailEnd type="triangle"/>
+              </a:ln>
+            </p:spPr>
+            <p:style>
+              <a:lnRef idx="1">
+                <a:schemeClr val="accent1"/>
+              </a:lnRef>
+              <a:fillRef idx="0">
+                <a:schemeClr val="accent1"/>
+              </a:fillRef>
+              <a:effectRef idx="0">
+                <a:schemeClr val="accent1"/>
+              </a:effectRef>
+              <a:fontRef idx="minor">
+                <a:schemeClr val="tx1"/>
+              </a:fontRef>
+            </p:style>
+          </p:cxnSp>
+          <p:sp>
+            <p:nvSpPr>
+              <p:cNvPr id="107" name="TextBox 106">
+                <a:extLst>
+                  <a:ext uri="{FF2B5EF4-FFF2-40B4-BE49-F238E27FC236}">
+                    <a16:creationId xmlns:a16="http://schemas.microsoft.com/office/drawing/2014/main" id="{6C74F1CE-9842-4D04-AC03-79FDF95930B4}"/>
+                  </a:ext>
+                </a:extLst>
+              </p:cNvPr>
+              <p:cNvSpPr txBox="1"/>
+              <p:nvPr/>
+            </p:nvSpPr>
+            <p:spPr>
+              <a:xfrm>
+                <a:off x="3668913" y="2764019"/>
+                <a:ext cx="567698" cy="310806"/>
+              </a:xfrm>
+              <a:prstGeom prst="rect">
+                <a:avLst/>
+              </a:prstGeom>
+              <a:solidFill>
+                <a:schemeClr val="bg1"/>
+              </a:solidFill>
+              <a:ln>
+                <a:solidFill>
+                  <a:schemeClr val="tx1"/>
+                </a:solidFill>
+              </a:ln>
+            </p:spPr>
+            <p:txBody>
+              <a:bodyPr wrap="square" rtlCol="0">
+                <a:spAutoFit/>
+              </a:bodyPr>
+              <a:lstStyle/>
+              <a:p>
+                <a:pPr algn="ctr"/>
+                <a:r>
+                  <a:rPr lang="en-US" sz="900" dirty="0"/>
+                  <a:t>m12</a:t>
+                </a:r>
+              </a:p>
+            </p:txBody>
+          </p:sp>
+          <p:cxnSp>
+            <p:nvCxnSpPr>
+              <p:cNvPr id="108" name="Straight Arrow Connector 107">
+                <a:extLst>
+                  <a:ext uri="{FF2B5EF4-FFF2-40B4-BE49-F238E27FC236}">
+                    <a16:creationId xmlns:a16="http://schemas.microsoft.com/office/drawing/2014/main" id="{D2B8F353-6A5E-4E46-BE0B-81AFC1C5ED88}"/>
+                  </a:ext>
+                </a:extLst>
+              </p:cNvPr>
+              <p:cNvCxnSpPr>
+                <a:cxnSpLocks/>
+                <a:stCxn id="99" idx="2"/>
+              </p:cNvCxnSpPr>
+              <p:nvPr/>
+            </p:nvCxnSpPr>
+            <p:spPr>
+              <a:xfrm>
+                <a:off x="2901115" y="1715373"/>
+                <a:ext cx="492170" cy="493669"/>
+              </a:xfrm>
+              <a:prstGeom prst="straightConnector1">
+                <a:avLst/>
+              </a:prstGeom>
+              <a:ln>
+                <a:solidFill>
+                  <a:schemeClr val="tx1"/>
+                </a:solidFill>
+                <a:tailEnd type="triangle"/>
+              </a:ln>
+            </p:spPr>
+            <p:style>
+              <a:lnRef idx="1">
+                <a:schemeClr val="accent1"/>
+              </a:lnRef>
+              <a:fillRef idx="0">
+                <a:schemeClr val="accent1"/>
+              </a:fillRef>
+              <a:effectRef idx="0">
+                <a:schemeClr val="accent1"/>
+              </a:effectRef>
+              <a:fontRef idx="minor">
+                <a:schemeClr val="tx1"/>
+              </a:fontRef>
+            </p:style>
+          </p:cxnSp>
+          <p:sp>
+            <p:nvSpPr>
+              <p:cNvPr id="109" name="TextBox 108">
+                <a:extLst>
+                  <a:ext uri="{FF2B5EF4-FFF2-40B4-BE49-F238E27FC236}">
+                    <a16:creationId xmlns:a16="http://schemas.microsoft.com/office/drawing/2014/main" id="{61D1BDF1-A394-41DB-AC88-F808C0E0B929}"/>
+                  </a:ext>
+                </a:extLst>
+              </p:cNvPr>
+              <p:cNvSpPr txBox="1"/>
+              <p:nvPr/>
+            </p:nvSpPr>
+            <p:spPr>
+              <a:xfrm>
+                <a:off x="4238986" y="2763916"/>
+                <a:ext cx="567698" cy="310806"/>
+              </a:xfrm>
+              <a:prstGeom prst="rect">
+                <a:avLst/>
+              </a:prstGeom>
+              <a:solidFill>
+                <a:schemeClr val="bg1"/>
+              </a:solidFill>
+              <a:ln>
+                <a:solidFill>
+                  <a:schemeClr val="tx1"/>
+                </a:solidFill>
+              </a:ln>
+            </p:spPr>
+            <p:txBody>
+              <a:bodyPr wrap="square" rtlCol="0">
+                <a:spAutoFit/>
+              </a:bodyPr>
+              <a:lstStyle/>
+              <a:p>
+                <a:pPr algn="ctr"/>
+                <a:r>
+                  <a:rPr lang="en-US" sz="900" dirty="0"/>
+                  <a:t>m21</a:t>
+                </a:r>
+              </a:p>
+            </p:txBody>
+          </p:sp>
+        </p:grpSp>
+      </p:grpSp>
+      <p:sp>
+        <p:nvSpPr>
+          <p:cNvPr id="183" name="TextBox 182">
+            <a:extLst>
+              <a:ext uri="{FF2B5EF4-FFF2-40B4-BE49-F238E27FC236}">
+                <a16:creationId xmlns:a16="http://schemas.microsoft.com/office/drawing/2014/main" id="{507010AB-5D59-45B5-B7DF-A246500BBAE6}"/>
+              </a:ext>
+            </a:extLst>
+          </p:cNvPr>
+          <p:cNvSpPr txBox="1"/>
+          <p:nvPr/>
+        </p:nvSpPr>
+        <p:spPr>
+          <a:xfrm>
+            <a:off x="-107462" y="469451"/>
+            <a:ext cx="774700" cy="461665"/>
+          </a:xfrm>
+          <a:prstGeom prst="rect">
+            <a:avLst/>
+          </a:prstGeom>
+          <a:noFill/>
+        </p:spPr>
+        <p:txBody>
+          <a:bodyPr wrap="square" rtlCol="0">
+            <a:spAutoFit/>
+          </a:bodyPr>
+          <a:lstStyle/>
+          <a:p>
+            <a:pPr algn="ctr"/>
+            <a:r>
+              <a:rPr lang="en-US" sz="2400" b="1" dirty="0"/>
+              <a:t>(A)</a:t>
+            </a:r>
+          </a:p>
+        </p:txBody>
+      </p:sp>
+      <p:sp>
+        <p:nvSpPr>
+          <p:cNvPr id="185" name="TextBox 184">
+            <a:extLst>
+              <a:ext uri="{FF2B5EF4-FFF2-40B4-BE49-F238E27FC236}">
+                <a16:creationId xmlns:a16="http://schemas.microsoft.com/office/drawing/2014/main" id="{1D743C31-5897-48C8-8A50-98BBC369AC03}"/>
+              </a:ext>
+            </a:extLst>
+          </p:cNvPr>
+          <p:cNvSpPr txBox="1"/>
+          <p:nvPr/>
+        </p:nvSpPr>
+        <p:spPr>
+          <a:xfrm>
+            <a:off x="3382516" y="469451"/>
+            <a:ext cx="774700" cy="461665"/>
+          </a:xfrm>
+          <a:prstGeom prst="rect">
+            <a:avLst/>
+          </a:prstGeom>
+          <a:noFill/>
+        </p:spPr>
+        <p:txBody>
+          <a:bodyPr wrap="square" rtlCol="0">
+            <a:spAutoFit/>
+          </a:bodyPr>
+          <a:lstStyle/>
+          <a:p>
+            <a:pPr algn="ctr"/>
+            <a:r>
+              <a:rPr lang="en-US" sz="2400" b="1" dirty="0"/>
+              <a:t>(B)</a:t>
+            </a:r>
+          </a:p>
+        </p:txBody>
+      </p:sp>
+      <p:sp>
+        <p:nvSpPr>
+          <p:cNvPr id="186" name="TextBox 185">
+            <a:extLst>
+              <a:ext uri="{FF2B5EF4-FFF2-40B4-BE49-F238E27FC236}">
+                <a16:creationId xmlns:a16="http://schemas.microsoft.com/office/drawing/2014/main" id="{92B3016F-110D-4CD2-8C15-6B723821744F}"/>
+              </a:ext>
+            </a:extLst>
+          </p:cNvPr>
+          <p:cNvSpPr txBox="1"/>
+          <p:nvPr/>
+        </p:nvSpPr>
+        <p:spPr>
+          <a:xfrm>
+            <a:off x="6992124" y="469451"/>
+            <a:ext cx="774700" cy="461665"/>
+          </a:xfrm>
+          <a:prstGeom prst="rect">
+            <a:avLst/>
+          </a:prstGeom>
+          <a:noFill/>
+        </p:spPr>
+        <p:txBody>
+          <a:bodyPr wrap="square" rtlCol="0">
+            <a:spAutoFit/>
+          </a:bodyPr>
+          <a:lstStyle/>
+          <a:p>
+            <a:pPr algn="ctr"/>
+            <a:r>
+              <a:rPr lang="en-US" sz="2400" b="1" dirty="0"/>
+              <a:t>(B)</a:t>
+            </a:r>
+          </a:p>
+        </p:txBody>
+      </p:sp>
+    </p:spTree>
+    <p:extLst>
+      <p:ext uri="{BB962C8B-B14F-4D97-AF65-F5344CB8AC3E}">
+        <p14:creationId xmlns:p14="http://schemas.microsoft.com/office/powerpoint/2010/main" val="3344831349"/>
+      </p:ext>
+    </p:extLst>
+  </p:cSld>
+  <p:clrMapOvr>
+    <a:masterClrMapping/>
+  </p:clrMapOvr>
+</p:sld>
+</file>
+
 <file path=ppt/theme/theme1.xml><?xml version="1.0" encoding="utf-8"?>
 <a:theme xmlns:a="http://schemas.openxmlformats.org/drawingml/2006/main" name="Office Theme">
   <a:themeElements>
